--- a/Aula14-Componentes de Formulários/Aula14-Componentes de Formulários.pptx
+++ b/Aula14-Componentes de Formulários/Aula14-Componentes de Formulários.pptx
@@ -15,6 +15,21 @@
     <p:sldId id="263" r:id="rId39"/>
     <p:sldId id="264" r:id="rId40"/>
     <p:sldId id="265" r:id="rId41"/>
+    <p:sldId id="266" r:id="rId42"/>
+    <p:sldId id="267" r:id="rId43"/>
+    <p:sldId id="268" r:id="rId44"/>
+    <p:sldId id="269" r:id="rId45"/>
+    <p:sldId id="270" r:id="rId46"/>
+    <p:sldId id="271" r:id="rId47"/>
+    <p:sldId id="272" r:id="rId48"/>
+    <p:sldId id="273" r:id="rId49"/>
+    <p:sldId id="274" r:id="rId50"/>
+    <p:sldId id="275" r:id="rId51"/>
+    <p:sldId id="276" r:id="rId52"/>
+    <p:sldId id="277" r:id="rId53"/>
+    <p:sldId id="278" r:id="rId54"/>
+    <p:sldId id="279" r:id="rId55"/>
+    <p:sldId id="280" r:id="rId56"/>
   </p:sldIdLst>
   <p:sldSz cx="18288000" cy="10287000"/>
   <p:notesSz cx="6858000" cy="9144000"/>
@@ -3570,7 +3585,7 @@
 </file>
 
 <file path=ppt/slides/slide10.xml><?xml version="1.0" encoding="utf-8"?>
-<p:sld xmlns:p="http://schemas.openxmlformats.org/presentationml/2006/main" xmlns:a="http://schemas.openxmlformats.org/drawingml/2006/main">
+<p:sld xmlns:p="http://schemas.openxmlformats.org/presentationml/2006/main" xmlns:a="http://schemas.openxmlformats.org/drawingml/2006/main" xmlns:r="http://schemas.openxmlformats.org/officeDocument/2006/relationships">
   <p:cSld>
     <p:spTree>
       <p:nvGrpSpPr>
@@ -3586,101 +3601,9 @@
           <a:chExt cx="0" cy="0"/>
         </a:xfrm>
       </p:grpSpPr>
-      <p:sp>
-        <p:nvSpPr>
-          <p:cNvPr name="TextBox 2" id="2"/>
-          <p:cNvSpPr txBox="true"/>
-          <p:nvPr/>
-        </p:nvSpPr>
-        <p:spPr>
-          <a:xfrm rot="0">
-            <a:off x="4716086" y="379832"/>
-            <a:ext cx="8855829" cy="895350"/>
-          </a:xfrm>
-          <a:prstGeom prst="rect">
-            <a:avLst/>
-          </a:prstGeom>
-        </p:spPr>
-        <p:txBody>
-          <a:bodyPr anchor="t" rtlCol="false" tIns="0" lIns="0" bIns="0" rIns="0">
-            <a:spAutoFit/>
-          </a:bodyPr>
-          <a:lstStyle/>
-          <a:p>
-            <a:pPr algn="ctr">
-              <a:lnSpc>
-                <a:spcPts val="6300"/>
-              </a:lnSpc>
-            </a:pPr>
-            <a:r>
-              <a:rPr lang="en-US" sz="6000" spc="300">
-                <a:solidFill>
-                  <a:srgbClr val="2B4A9D"/>
-                </a:solidFill>
-                <a:latin typeface="Poppins Ultra-Bold"/>
-              </a:rPr>
-              <a:t>Referências</a:t>
-            </a:r>
-          </a:p>
-        </p:txBody>
-      </p:sp>
-      <p:sp>
-        <p:nvSpPr>
-          <p:cNvPr name="TextBox 3" id="3"/>
-          <p:cNvSpPr txBox="true"/>
-          <p:nvPr/>
-        </p:nvSpPr>
-        <p:spPr>
-          <a:xfrm rot="0">
-            <a:off x="816673" y="1687967"/>
-            <a:ext cx="16442627" cy="1604264"/>
-          </a:xfrm>
-          <a:prstGeom prst="rect">
-            <a:avLst/>
-          </a:prstGeom>
-        </p:spPr>
-        <p:txBody>
-          <a:bodyPr anchor="t" rtlCol="false" tIns="0" lIns="0" bIns="0" rIns="0">
-            <a:spAutoFit/>
-          </a:bodyPr>
-          <a:lstStyle/>
-          <a:p>
-            <a:pPr algn="just">
-              <a:lnSpc>
-                <a:spcPts val="4227"/>
-              </a:lnSpc>
-            </a:pPr>
-            <a:r>
-              <a:rPr lang="en-US" sz="2799" spc="139">
-                <a:solidFill>
-                  <a:srgbClr val="000000"/>
-                </a:solidFill>
-                <a:latin typeface="Poppins Bold"/>
-              </a:rPr>
-              <a:t>Building user interfaces with Flutter.</a:t>
-            </a:r>
-            <a:r>
-              <a:rPr lang="en-US" sz="2799" spc="139">
-                <a:solidFill>
-                  <a:srgbClr val="000000"/>
-                </a:solidFill>
-                <a:latin typeface="Poppins"/>
-              </a:rPr>
-              <a:t> Disponível em: &lt;https://docs.flutter.dev/ui&gt;. Acesso em: 24 mar. 2024.</a:t>
-            </a:r>
-          </a:p>
-          <a:p>
-            <a:pPr algn="just">
-              <a:lnSpc>
-                <a:spcPts val="4227"/>
-              </a:lnSpc>
-            </a:pPr>
-          </a:p>
-        </p:txBody>
-      </p:sp>
       <p:grpSp>
         <p:nvGrpSpPr>
-          <p:cNvPr name="Group 4" id="4"/>
+          <p:cNvPr name="Group 2" id="2"/>
           <p:cNvGrpSpPr/>
           <p:nvPr/>
         </p:nvGrpSpPr>
@@ -3694,7 +3617,7 @@
         </p:grpSpPr>
         <p:sp>
           <p:nvSpPr>
-            <p:cNvPr name="Freeform 5" id="5"/>
+            <p:cNvPr name="Freeform 3" id="3"/>
             <p:cNvSpPr/>
             <p:nvPr/>
           </p:nvSpPr>
@@ -3733,6 +3656,2598 @@
           </p:spPr>
         </p:sp>
       </p:grpSp>
+      <p:sp>
+        <p:nvSpPr>
+          <p:cNvPr name="Freeform 4" id="4"/>
+          <p:cNvSpPr/>
+          <p:nvPr/>
+        </p:nvSpPr>
+        <p:spPr>
+          <a:xfrm flipH="false" flipV="false" rot="0">
+            <a:off x="7616506" y="4889528"/>
+            <a:ext cx="3054987" cy="4606348"/>
+          </a:xfrm>
+          <a:custGeom>
+            <a:avLst/>
+            <a:gdLst/>
+            <a:ahLst/>
+            <a:cxnLst/>
+            <a:rect r="r" b="b" t="t" l="l"/>
+            <a:pathLst>
+              <a:path h="4606348" w="3054987">
+                <a:moveTo>
+                  <a:pt x="0" y="0"/>
+                </a:moveTo>
+                <a:lnTo>
+                  <a:pt x="3054988" y="0"/>
+                </a:lnTo>
+                <a:lnTo>
+                  <a:pt x="3054988" y="4606348"/>
+                </a:lnTo>
+                <a:lnTo>
+                  <a:pt x="0" y="4606348"/>
+                </a:lnTo>
+                <a:lnTo>
+                  <a:pt x="0" y="0"/>
+                </a:lnTo>
+                <a:close/>
+              </a:path>
+            </a:pathLst>
+          </a:custGeom>
+          <a:blipFill>
+            <a:blip r:embed="rId2"/>
+            <a:stretch>
+              <a:fillRect l="0" t="0" r="0" b="0"/>
+            </a:stretch>
+          </a:blipFill>
+        </p:spPr>
+      </p:sp>
+      <p:sp>
+        <p:nvSpPr>
+          <p:cNvPr name="TextBox 5" id="5"/>
+          <p:cNvSpPr txBox="true"/>
+          <p:nvPr/>
+        </p:nvSpPr>
+        <p:spPr>
+          <a:xfrm rot="0">
+            <a:off x="2847623" y="405549"/>
+            <a:ext cx="12592754" cy="853440"/>
+          </a:xfrm>
+          <a:prstGeom prst="rect">
+            <a:avLst/>
+          </a:prstGeom>
+        </p:spPr>
+        <p:txBody>
+          <a:bodyPr anchor="t" rtlCol="false" tIns="0" lIns="0" bIns="0" rIns="0">
+            <a:spAutoFit/>
+          </a:bodyPr>
+          <a:lstStyle/>
+          <a:p>
+            <a:pPr algn="ctr">
+              <a:lnSpc>
+                <a:spcPts val="6090"/>
+              </a:lnSpc>
+            </a:pPr>
+            <a:r>
+              <a:rPr lang="en-US" sz="5800" spc="290">
+                <a:solidFill>
+                  <a:srgbClr val="2B4A9D"/>
+                </a:solidFill>
+                <a:latin typeface="Poppins Ultra-Bold"/>
+              </a:rPr>
+              <a:t>DropdownButton (ComboBox)</a:t>
+            </a:r>
+          </a:p>
+        </p:txBody>
+      </p:sp>
+      <p:sp>
+        <p:nvSpPr>
+          <p:cNvPr name="TextBox 6" id="6"/>
+          <p:cNvSpPr txBox="true"/>
+          <p:nvPr/>
+        </p:nvSpPr>
+        <p:spPr>
+          <a:xfrm rot="0">
+            <a:off x="447461" y="1831774"/>
+            <a:ext cx="16637320" cy="2887980"/>
+          </a:xfrm>
+          <a:prstGeom prst="rect">
+            <a:avLst/>
+          </a:prstGeom>
+        </p:spPr>
+        <p:txBody>
+          <a:bodyPr anchor="t" rtlCol="false" tIns="0" lIns="0" bIns="0" rIns="0">
+            <a:spAutoFit/>
+          </a:bodyPr>
+          <a:lstStyle/>
+          <a:p>
+            <a:pPr algn="just" marL="712472" indent="-356236" lvl="1">
+              <a:lnSpc>
+                <a:spcPts val="4620"/>
+              </a:lnSpc>
+              <a:buFont typeface="Arial"/>
+              <a:buChar char="•"/>
+            </a:pPr>
+            <a:r>
+              <a:rPr lang="en-US" sz="3300" spc="330">
+                <a:solidFill>
+                  <a:srgbClr val="000000"/>
+                </a:solidFill>
+                <a:latin typeface="Lato"/>
+              </a:rPr>
+              <a:t>No Flutter, o DropdownButton é um widget que permite aos usuários selecionar uma opção de um menu suspenso. Ele é semelhante a uma caixa de combinação (combobox) em outras plataformas e é útil quando há um conjunto de opções disponíveis e apenas uma delas pode ser selecionada de cada vez.</a:t>
+            </a:r>
+          </a:p>
+        </p:txBody>
+      </p:sp>
+    </p:spTree>
+  </p:cSld>
+  <p:clrMapOvr>
+    <a:masterClrMapping/>
+  </p:clrMapOvr>
+</p:sld>
+</file>
+
+<file path=ppt/slides/slide11.xml><?xml version="1.0" encoding="utf-8"?>
+<p:sld xmlns:p="http://schemas.openxmlformats.org/presentationml/2006/main" xmlns:a="http://schemas.openxmlformats.org/drawingml/2006/main">
+  <p:cSld>
+    <p:spTree>
+      <p:nvGrpSpPr>
+        <p:cNvPr id="1" name=""/>
+        <p:cNvGrpSpPr/>
+        <p:nvPr/>
+      </p:nvGrpSpPr>
+      <p:grpSpPr>
+        <a:xfrm>
+          <a:off x="0" y="0"/>
+          <a:ext cx="0" cy="0"/>
+          <a:chOff x="0" y="0"/>
+          <a:chExt cx="0" cy="0"/>
+        </a:xfrm>
+      </p:grpSpPr>
+      <p:grpSp>
+        <p:nvGrpSpPr>
+          <p:cNvPr name="Group 2" id="2"/>
+          <p:cNvGrpSpPr/>
+          <p:nvPr/>
+        </p:nvGrpSpPr>
+        <p:grpSpPr>
+          <a:xfrm rot="5400000">
+            <a:off x="-1309" y="1309"/>
+            <a:ext cx="1635964" cy="1633346"/>
+            <a:chOff x="0" y="0"/>
+            <a:chExt cx="6350000" cy="6339840"/>
+          </a:xfrm>
+        </p:grpSpPr>
+        <p:sp>
+          <p:nvSpPr>
+            <p:cNvPr name="Freeform 3" id="3"/>
+            <p:cNvSpPr/>
+            <p:nvPr/>
+          </p:nvSpPr>
+          <p:spPr>
+            <a:xfrm flipH="false" flipV="false" rot="0">
+              <a:off x="0" y="0"/>
+              <a:ext cx="6350000" cy="6339840"/>
+            </a:xfrm>
+            <a:custGeom>
+              <a:avLst/>
+              <a:gdLst/>
+              <a:ahLst/>
+              <a:cxnLst/>
+              <a:rect r="r" b="b" t="t" l="l"/>
+              <a:pathLst>
+                <a:path h="6339840" w="6350000">
+                  <a:moveTo>
+                    <a:pt x="6350000" y="6339840"/>
+                  </a:moveTo>
+                  <a:lnTo>
+                    <a:pt x="0" y="6339840"/>
+                  </a:lnTo>
+                  <a:lnTo>
+                    <a:pt x="0" y="0"/>
+                  </a:lnTo>
+                  <a:lnTo>
+                    <a:pt x="6350000" y="6339840"/>
+                  </a:lnTo>
+                  <a:close/>
+                </a:path>
+              </a:pathLst>
+            </a:custGeom>
+            <a:solidFill>
+              <a:srgbClr val="2B4A9D"/>
+            </a:solidFill>
+          </p:spPr>
+        </p:sp>
+      </p:grpSp>
+      <p:sp>
+        <p:nvSpPr>
+          <p:cNvPr name="TextBox 4" id="4"/>
+          <p:cNvSpPr txBox="true"/>
+          <p:nvPr/>
+        </p:nvSpPr>
+        <p:spPr>
+          <a:xfrm rot="0">
+            <a:off x="2847623" y="405549"/>
+            <a:ext cx="12592754" cy="853440"/>
+          </a:xfrm>
+          <a:prstGeom prst="rect">
+            <a:avLst/>
+          </a:prstGeom>
+        </p:spPr>
+        <p:txBody>
+          <a:bodyPr anchor="t" rtlCol="false" tIns="0" lIns="0" bIns="0" rIns="0">
+            <a:spAutoFit/>
+          </a:bodyPr>
+          <a:lstStyle/>
+          <a:p>
+            <a:pPr algn="ctr">
+              <a:lnSpc>
+                <a:spcPts val="6090"/>
+              </a:lnSpc>
+            </a:pPr>
+            <a:r>
+              <a:rPr lang="en-US" sz="5800" spc="290">
+                <a:solidFill>
+                  <a:srgbClr val="2B4A9D"/>
+                </a:solidFill>
+                <a:latin typeface="Poppins Ultra-Bold"/>
+              </a:rPr>
+              <a:t>DropdownButton (ComboBox)</a:t>
+            </a:r>
+          </a:p>
+        </p:txBody>
+      </p:sp>
+      <p:sp>
+        <p:nvSpPr>
+          <p:cNvPr name="TextBox 5" id="5"/>
+          <p:cNvSpPr txBox="true"/>
+          <p:nvPr/>
+        </p:nvSpPr>
+        <p:spPr>
+          <a:xfrm rot="0">
+            <a:off x="447461" y="1831774"/>
+            <a:ext cx="16637320" cy="6729095"/>
+          </a:xfrm>
+          <a:prstGeom prst="rect">
+            <a:avLst/>
+          </a:prstGeom>
+        </p:spPr>
+        <p:txBody>
+          <a:bodyPr anchor="t" rtlCol="false" tIns="0" lIns="0" bIns="0" rIns="0">
+            <a:spAutoFit/>
+          </a:bodyPr>
+          <a:lstStyle/>
+          <a:p>
+            <a:pPr algn="just" marL="690882" indent="-345441" lvl="1">
+              <a:lnSpc>
+                <a:spcPts val="4480"/>
+              </a:lnSpc>
+              <a:buFont typeface="Arial"/>
+              <a:buChar char="•"/>
+            </a:pPr>
+            <a:r>
+              <a:rPr lang="en-US" sz="3200" spc="320">
+                <a:solidFill>
+                  <a:srgbClr val="000000"/>
+                </a:solidFill>
+                <a:latin typeface="Lato"/>
+              </a:rPr>
+              <a:t>Neste exemplo, </a:t>
+            </a:r>
+            <a:r>
+              <a:rPr lang="en-US" sz="3200" spc="320">
+                <a:solidFill>
+                  <a:srgbClr val="000000"/>
+                </a:solidFill>
+                <a:latin typeface="Lato Bold"/>
+              </a:rPr>
+              <a:t>DropdownButton.dart</a:t>
+            </a:r>
+            <a:r>
+              <a:rPr lang="en-US" sz="3200" spc="320">
+                <a:solidFill>
+                  <a:srgbClr val="000000"/>
+                </a:solidFill>
+                <a:latin typeface="Lato"/>
+              </a:rPr>
+              <a:t>, foi criado um menu suspenso para selecionar diferentes sabores de pizza e um botão "Confirmar" para confirmar a seleção.</a:t>
+            </a:r>
+          </a:p>
+          <a:p>
+            <a:pPr algn="just" marL="690882" indent="-345441" lvl="1">
+              <a:lnSpc>
+                <a:spcPts val="4480"/>
+              </a:lnSpc>
+              <a:buFont typeface="Arial"/>
+              <a:buChar char="•"/>
+            </a:pPr>
+            <a:r>
+              <a:rPr lang="en-US" sz="3200" spc="320">
+                <a:solidFill>
+                  <a:srgbClr val="000000"/>
+                </a:solidFill>
+                <a:latin typeface="Lato"/>
+              </a:rPr>
+              <a:t>Como podem ver no slide seguinte, dentro da </a:t>
+            </a:r>
+            <a:r>
+              <a:rPr lang="en-US" sz="3200" spc="320">
+                <a:solidFill>
+                  <a:srgbClr val="000000"/>
+                </a:solidFill>
+                <a:latin typeface="Lato Semi-Bold"/>
+              </a:rPr>
+              <a:t>Column</a:t>
+            </a:r>
+            <a:r>
+              <a:rPr lang="en-US" sz="3200" spc="320">
+                <a:solidFill>
+                  <a:srgbClr val="000000"/>
+                </a:solidFill>
+                <a:latin typeface="Lato"/>
+              </a:rPr>
+              <a:t>, há um </a:t>
+            </a:r>
+            <a:r>
+              <a:rPr lang="en-US" sz="3200" spc="320">
+                <a:solidFill>
+                  <a:srgbClr val="000000"/>
+                </a:solidFill>
+                <a:latin typeface="Lato Semi-Bold"/>
+              </a:rPr>
+              <a:t>DropdownButton&lt;String&gt;</a:t>
+            </a:r>
+            <a:r>
+              <a:rPr lang="en-US" sz="3200" spc="320">
+                <a:solidFill>
+                  <a:srgbClr val="000000"/>
+                </a:solidFill>
+                <a:latin typeface="Lato"/>
+              </a:rPr>
+              <a:t> que permite ao usuário selecionar um sabor de pizza. O parâmetro </a:t>
+            </a:r>
+            <a:r>
+              <a:rPr lang="en-US" sz="3200" spc="320">
+                <a:solidFill>
+                  <a:srgbClr val="000000"/>
+                </a:solidFill>
+                <a:latin typeface="Lato Semi-Bold"/>
+              </a:rPr>
+              <a:t>value</a:t>
+            </a:r>
+            <a:r>
+              <a:rPr lang="en-US" sz="3200" spc="320">
+                <a:solidFill>
+                  <a:srgbClr val="000000"/>
+                </a:solidFill>
+                <a:latin typeface="Lato"/>
+              </a:rPr>
+              <a:t> controla o valor atualmente selecionado.</a:t>
+            </a:r>
+          </a:p>
+          <a:p>
+            <a:pPr algn="just" marL="690882" indent="-345441" lvl="1">
+              <a:lnSpc>
+                <a:spcPts val="4480"/>
+              </a:lnSpc>
+              <a:buFont typeface="Arial"/>
+              <a:buChar char="•"/>
+            </a:pPr>
+            <a:r>
+              <a:rPr lang="en-US" sz="3200" spc="320">
+                <a:solidFill>
+                  <a:srgbClr val="000000"/>
+                </a:solidFill>
+                <a:latin typeface="Lato"/>
+              </a:rPr>
+              <a:t>O </a:t>
+            </a:r>
+            <a:r>
+              <a:rPr lang="en-US" sz="3200" spc="320">
+                <a:solidFill>
+                  <a:srgbClr val="000000"/>
+                </a:solidFill>
+                <a:latin typeface="Lato Semi-Bold"/>
+              </a:rPr>
+              <a:t>onChanged</a:t>
+            </a:r>
+            <a:r>
+              <a:rPr lang="en-US" sz="3200" spc="320">
+                <a:solidFill>
+                  <a:srgbClr val="000000"/>
+                </a:solidFill>
+                <a:latin typeface="Lato"/>
+              </a:rPr>
+              <a:t> é um callback que é chamado quando o usuário seleciona uma opção diferente no menu suspenso. Ele atualiza o estado da variável </a:t>
+            </a:r>
+            <a:r>
+              <a:rPr lang="en-US" sz="3200" spc="320">
+                <a:solidFill>
+                  <a:srgbClr val="000000"/>
+                </a:solidFill>
+                <a:latin typeface="Lato Semi-Bold"/>
+              </a:rPr>
+              <a:t>saborPizza</a:t>
+            </a:r>
+            <a:r>
+              <a:rPr lang="en-US" sz="3200" spc="320">
+                <a:solidFill>
+                  <a:srgbClr val="000000"/>
+                </a:solidFill>
+                <a:latin typeface="Lato"/>
+              </a:rPr>
+              <a:t> usando </a:t>
+            </a:r>
+            <a:r>
+              <a:rPr lang="en-US" sz="3200" spc="320">
+                <a:solidFill>
+                  <a:srgbClr val="000000"/>
+                </a:solidFill>
+                <a:latin typeface="Lato Semi-Bold"/>
+              </a:rPr>
+              <a:t>setState</a:t>
+            </a:r>
+            <a:r>
+              <a:rPr lang="en-US" sz="3200" spc="320">
+                <a:solidFill>
+                  <a:srgbClr val="000000"/>
+                </a:solidFill>
+                <a:latin typeface="Lato"/>
+              </a:rPr>
+              <a:t> para refletir a nova seleção.</a:t>
+            </a:r>
+          </a:p>
+          <a:p>
+            <a:pPr algn="just" marL="690882" indent="-345441" lvl="1">
+              <a:lnSpc>
+                <a:spcPts val="4480"/>
+              </a:lnSpc>
+              <a:buFont typeface="Arial"/>
+              <a:buChar char="•"/>
+            </a:pPr>
+            <a:r>
+              <a:rPr lang="en-US" sz="3200" spc="320">
+                <a:solidFill>
+                  <a:srgbClr val="000000"/>
+                </a:solidFill>
+                <a:latin typeface="Lato"/>
+              </a:rPr>
+              <a:t>E o parâmetro </a:t>
+            </a:r>
+            <a:r>
+              <a:rPr lang="en-US" sz="3200" spc="320">
+                <a:solidFill>
+                  <a:srgbClr val="000000"/>
+                </a:solidFill>
+                <a:latin typeface="Lato Semi-Bold"/>
+              </a:rPr>
+              <a:t>items</a:t>
+            </a:r>
+            <a:r>
+              <a:rPr lang="en-US" sz="3200" spc="320">
+                <a:solidFill>
+                  <a:srgbClr val="000000"/>
+                </a:solidFill>
+                <a:latin typeface="Lato"/>
+              </a:rPr>
+              <a:t> é uma lista de opções de sabores de pizza representadas como </a:t>
+            </a:r>
+            <a:r>
+              <a:rPr lang="en-US" sz="3200" spc="320">
+                <a:solidFill>
+                  <a:srgbClr val="000000"/>
+                </a:solidFill>
+                <a:latin typeface="Lato Semi-Bold"/>
+              </a:rPr>
+              <a:t>DropdownMenuItem&lt;String&gt;</a:t>
+            </a:r>
+            <a:r>
+              <a:rPr lang="en-US" sz="3200" spc="320">
+                <a:solidFill>
+                  <a:srgbClr val="000000"/>
+                </a:solidFill>
+                <a:latin typeface="Lato"/>
+              </a:rPr>
+              <a:t>. Sendo que, cada item é renderizado como um texto dentro do menu suspenso.</a:t>
+            </a:r>
+          </a:p>
+        </p:txBody>
+      </p:sp>
+    </p:spTree>
+  </p:cSld>
+  <p:clrMapOvr>
+    <a:masterClrMapping/>
+  </p:clrMapOvr>
+</p:sld>
+</file>
+
+<file path=ppt/slides/slide12.xml><?xml version="1.0" encoding="utf-8"?>
+<p:sld xmlns:p="http://schemas.openxmlformats.org/presentationml/2006/main" xmlns:a="http://schemas.openxmlformats.org/drawingml/2006/main" xmlns:r="http://schemas.openxmlformats.org/officeDocument/2006/relationships">
+  <p:cSld>
+    <p:spTree>
+      <p:nvGrpSpPr>
+        <p:cNvPr id="1" name=""/>
+        <p:cNvGrpSpPr/>
+        <p:nvPr/>
+      </p:nvGrpSpPr>
+      <p:grpSpPr>
+        <a:xfrm>
+          <a:off x="0" y="0"/>
+          <a:ext cx="0" cy="0"/>
+          <a:chOff x="0" y="0"/>
+          <a:chExt cx="0" cy="0"/>
+        </a:xfrm>
+      </p:grpSpPr>
+      <p:grpSp>
+        <p:nvGrpSpPr>
+          <p:cNvPr name="Group 2" id="2"/>
+          <p:cNvGrpSpPr/>
+          <p:nvPr/>
+        </p:nvGrpSpPr>
+        <p:grpSpPr>
+          <a:xfrm rot="5400000">
+            <a:off x="-1309" y="1309"/>
+            <a:ext cx="1635964" cy="1633346"/>
+            <a:chOff x="0" y="0"/>
+            <a:chExt cx="6350000" cy="6339840"/>
+          </a:xfrm>
+        </p:grpSpPr>
+        <p:sp>
+          <p:nvSpPr>
+            <p:cNvPr name="Freeform 3" id="3"/>
+            <p:cNvSpPr/>
+            <p:nvPr/>
+          </p:nvSpPr>
+          <p:spPr>
+            <a:xfrm flipH="false" flipV="false" rot="0">
+              <a:off x="0" y="0"/>
+              <a:ext cx="6350000" cy="6339840"/>
+            </a:xfrm>
+            <a:custGeom>
+              <a:avLst/>
+              <a:gdLst/>
+              <a:ahLst/>
+              <a:cxnLst/>
+              <a:rect r="r" b="b" t="t" l="l"/>
+              <a:pathLst>
+                <a:path h="6339840" w="6350000">
+                  <a:moveTo>
+                    <a:pt x="6350000" y="6339840"/>
+                  </a:moveTo>
+                  <a:lnTo>
+                    <a:pt x="0" y="6339840"/>
+                  </a:lnTo>
+                  <a:lnTo>
+                    <a:pt x="0" y="0"/>
+                  </a:lnTo>
+                  <a:lnTo>
+                    <a:pt x="6350000" y="6339840"/>
+                  </a:lnTo>
+                  <a:close/>
+                </a:path>
+              </a:pathLst>
+            </a:custGeom>
+            <a:solidFill>
+              <a:srgbClr val="2B4A9D"/>
+            </a:solidFill>
+          </p:spPr>
+        </p:sp>
+      </p:grpSp>
+      <p:sp>
+        <p:nvSpPr>
+          <p:cNvPr name="Freeform 4" id="4"/>
+          <p:cNvSpPr/>
+          <p:nvPr/>
+        </p:nvSpPr>
+        <p:spPr>
+          <a:xfrm flipH="false" flipV="false" rot="0">
+            <a:off x="3898743" y="598615"/>
+            <a:ext cx="10490514" cy="8659685"/>
+          </a:xfrm>
+          <a:custGeom>
+            <a:avLst/>
+            <a:gdLst/>
+            <a:ahLst/>
+            <a:cxnLst/>
+            <a:rect r="r" b="b" t="t" l="l"/>
+            <a:pathLst>
+              <a:path h="8659685" w="10490514">
+                <a:moveTo>
+                  <a:pt x="0" y="0"/>
+                </a:moveTo>
+                <a:lnTo>
+                  <a:pt x="10490514" y="0"/>
+                </a:lnTo>
+                <a:lnTo>
+                  <a:pt x="10490514" y="8659685"/>
+                </a:lnTo>
+                <a:lnTo>
+                  <a:pt x="0" y="8659685"/>
+                </a:lnTo>
+                <a:lnTo>
+                  <a:pt x="0" y="0"/>
+                </a:lnTo>
+                <a:close/>
+              </a:path>
+            </a:pathLst>
+          </a:custGeom>
+          <a:blipFill>
+            <a:blip r:embed="rId2"/>
+            <a:stretch>
+              <a:fillRect l="0" t="0" r="0" b="0"/>
+            </a:stretch>
+          </a:blipFill>
+        </p:spPr>
+      </p:sp>
+    </p:spTree>
+  </p:cSld>
+  <p:clrMapOvr>
+    <a:masterClrMapping/>
+  </p:clrMapOvr>
+</p:sld>
+</file>
+
+<file path=ppt/slides/slide13.xml><?xml version="1.0" encoding="utf-8"?>
+<p:sld xmlns:p="http://schemas.openxmlformats.org/presentationml/2006/main" xmlns:a="http://schemas.openxmlformats.org/drawingml/2006/main" xmlns:r="http://schemas.openxmlformats.org/officeDocument/2006/relationships">
+  <p:cSld>
+    <p:spTree>
+      <p:nvGrpSpPr>
+        <p:cNvPr id="1" name=""/>
+        <p:cNvGrpSpPr/>
+        <p:nvPr/>
+      </p:nvGrpSpPr>
+      <p:grpSpPr>
+        <a:xfrm>
+          <a:off x="0" y="0"/>
+          <a:ext cx="0" cy="0"/>
+          <a:chOff x="0" y="0"/>
+          <a:chExt cx="0" cy="0"/>
+        </a:xfrm>
+      </p:grpSpPr>
+      <p:grpSp>
+        <p:nvGrpSpPr>
+          <p:cNvPr name="Group 2" id="2"/>
+          <p:cNvGrpSpPr/>
+          <p:nvPr/>
+        </p:nvGrpSpPr>
+        <p:grpSpPr>
+          <a:xfrm rot="5400000">
+            <a:off x="-1309" y="1309"/>
+            <a:ext cx="1635964" cy="1633346"/>
+            <a:chOff x="0" y="0"/>
+            <a:chExt cx="6350000" cy="6339840"/>
+          </a:xfrm>
+        </p:grpSpPr>
+        <p:sp>
+          <p:nvSpPr>
+            <p:cNvPr name="Freeform 3" id="3"/>
+            <p:cNvSpPr/>
+            <p:nvPr/>
+          </p:nvSpPr>
+          <p:spPr>
+            <a:xfrm flipH="false" flipV="false" rot="0">
+              <a:off x="0" y="0"/>
+              <a:ext cx="6350000" cy="6339840"/>
+            </a:xfrm>
+            <a:custGeom>
+              <a:avLst/>
+              <a:gdLst/>
+              <a:ahLst/>
+              <a:cxnLst/>
+              <a:rect r="r" b="b" t="t" l="l"/>
+              <a:pathLst>
+                <a:path h="6339840" w="6350000">
+                  <a:moveTo>
+                    <a:pt x="6350000" y="6339840"/>
+                  </a:moveTo>
+                  <a:lnTo>
+                    <a:pt x="0" y="6339840"/>
+                  </a:lnTo>
+                  <a:lnTo>
+                    <a:pt x="0" y="0"/>
+                  </a:lnTo>
+                  <a:lnTo>
+                    <a:pt x="6350000" y="6339840"/>
+                  </a:lnTo>
+                  <a:close/>
+                </a:path>
+              </a:pathLst>
+            </a:custGeom>
+            <a:solidFill>
+              <a:srgbClr val="2B4A9D"/>
+            </a:solidFill>
+          </p:spPr>
+        </p:sp>
+      </p:grpSp>
+      <p:grpSp>
+        <p:nvGrpSpPr>
+          <p:cNvPr name="Group 4" id="4"/>
+          <p:cNvGrpSpPr/>
+          <p:nvPr/>
+        </p:nvGrpSpPr>
+        <p:grpSpPr>
+          <a:xfrm rot="-2700000">
+            <a:off x="15004959" y="1860459"/>
+            <a:ext cx="6566081" cy="6566081"/>
+            <a:chOff x="0" y="0"/>
+            <a:chExt cx="1913890" cy="1913890"/>
+          </a:xfrm>
+        </p:grpSpPr>
+        <p:sp>
+          <p:nvSpPr>
+            <p:cNvPr name="Freeform 5" id="5"/>
+            <p:cNvSpPr/>
+            <p:nvPr/>
+          </p:nvSpPr>
+          <p:spPr>
+            <a:xfrm flipH="false" flipV="false" rot="0">
+              <a:off x="0" y="0"/>
+              <a:ext cx="1913890" cy="1913890"/>
+            </a:xfrm>
+            <a:custGeom>
+              <a:avLst/>
+              <a:gdLst/>
+              <a:ahLst/>
+              <a:cxnLst/>
+              <a:rect r="r" b="b" t="t" l="l"/>
+              <a:pathLst>
+                <a:path h="1913890" w="1913890">
+                  <a:moveTo>
+                    <a:pt x="0" y="0"/>
+                  </a:moveTo>
+                  <a:lnTo>
+                    <a:pt x="1913890" y="0"/>
+                  </a:lnTo>
+                  <a:lnTo>
+                    <a:pt x="1913890" y="1913890"/>
+                  </a:lnTo>
+                  <a:lnTo>
+                    <a:pt x="0" y="1913890"/>
+                  </a:lnTo>
+                  <a:close/>
+                </a:path>
+              </a:pathLst>
+            </a:custGeom>
+            <a:solidFill>
+              <a:srgbClr val="5271FF"/>
+            </a:solidFill>
+          </p:spPr>
+        </p:sp>
+      </p:grpSp>
+      <p:grpSp>
+        <p:nvGrpSpPr>
+          <p:cNvPr name="Group 6" id="6"/>
+          <p:cNvGrpSpPr/>
+          <p:nvPr/>
+        </p:nvGrpSpPr>
+        <p:grpSpPr>
+          <a:xfrm rot="2700000">
+            <a:off x="15361560" y="2217060"/>
+            <a:ext cx="5852880" cy="5852880"/>
+            <a:chOff x="0" y="0"/>
+            <a:chExt cx="1913890" cy="1913890"/>
+          </a:xfrm>
+        </p:grpSpPr>
+        <p:sp>
+          <p:nvSpPr>
+            <p:cNvPr name="Freeform 7" id="7"/>
+            <p:cNvSpPr/>
+            <p:nvPr/>
+          </p:nvSpPr>
+          <p:spPr>
+            <a:xfrm flipH="false" flipV="false" rot="0">
+              <a:off x="0" y="0"/>
+              <a:ext cx="1913890" cy="1913890"/>
+            </a:xfrm>
+            <a:custGeom>
+              <a:avLst/>
+              <a:gdLst/>
+              <a:ahLst/>
+              <a:cxnLst/>
+              <a:rect r="r" b="b" t="t" l="l"/>
+              <a:pathLst>
+                <a:path h="1913890" w="1913890">
+                  <a:moveTo>
+                    <a:pt x="0" y="0"/>
+                  </a:moveTo>
+                  <a:lnTo>
+                    <a:pt x="0" y="1913890"/>
+                  </a:lnTo>
+                  <a:lnTo>
+                    <a:pt x="1913890" y="1913890"/>
+                  </a:lnTo>
+                  <a:lnTo>
+                    <a:pt x="1913890" y="0"/>
+                  </a:lnTo>
+                  <a:lnTo>
+                    <a:pt x="0" y="0"/>
+                  </a:lnTo>
+                  <a:close/>
+                  <a:moveTo>
+                    <a:pt x="1852930" y="1852930"/>
+                  </a:moveTo>
+                  <a:lnTo>
+                    <a:pt x="59690" y="1852930"/>
+                  </a:lnTo>
+                  <a:lnTo>
+                    <a:pt x="59690" y="59690"/>
+                  </a:lnTo>
+                  <a:lnTo>
+                    <a:pt x="1852930" y="59690"/>
+                  </a:lnTo>
+                  <a:lnTo>
+                    <a:pt x="1852930" y="1852930"/>
+                  </a:lnTo>
+                  <a:close/>
+                </a:path>
+              </a:pathLst>
+            </a:custGeom>
+            <a:solidFill>
+              <a:srgbClr val="FFFFFF"/>
+            </a:solidFill>
+          </p:spPr>
+        </p:sp>
+      </p:grpSp>
+      <p:sp>
+        <p:nvSpPr>
+          <p:cNvPr name="Freeform 8" id="8"/>
+          <p:cNvSpPr/>
+          <p:nvPr/>
+        </p:nvSpPr>
+        <p:spPr>
+          <a:xfrm flipH="false" flipV="false" rot="0">
+            <a:off x="1028700" y="2165554"/>
+            <a:ext cx="3909067" cy="7067308"/>
+          </a:xfrm>
+          <a:custGeom>
+            <a:avLst/>
+            <a:gdLst/>
+            <a:ahLst/>
+            <a:cxnLst/>
+            <a:rect r="r" b="b" t="t" l="l"/>
+            <a:pathLst>
+              <a:path h="7067308" w="3909067">
+                <a:moveTo>
+                  <a:pt x="0" y="0"/>
+                </a:moveTo>
+                <a:lnTo>
+                  <a:pt x="3909067" y="0"/>
+                </a:lnTo>
+                <a:lnTo>
+                  <a:pt x="3909067" y="7067307"/>
+                </a:lnTo>
+                <a:lnTo>
+                  <a:pt x="0" y="7067307"/>
+                </a:lnTo>
+                <a:lnTo>
+                  <a:pt x="0" y="0"/>
+                </a:lnTo>
+                <a:close/>
+              </a:path>
+            </a:pathLst>
+          </a:custGeom>
+          <a:blipFill>
+            <a:blip r:embed="rId2"/>
+            <a:stretch>
+              <a:fillRect l="0" t="0" r="0" b="0"/>
+            </a:stretch>
+          </a:blipFill>
+        </p:spPr>
+      </p:sp>
+      <p:sp>
+        <p:nvSpPr>
+          <p:cNvPr name="Freeform 9" id="9"/>
+          <p:cNvSpPr/>
+          <p:nvPr/>
+        </p:nvSpPr>
+        <p:spPr>
+          <a:xfrm flipH="false" flipV="false" rot="0">
+            <a:off x="5280667" y="2165554"/>
+            <a:ext cx="3907523" cy="7092746"/>
+          </a:xfrm>
+          <a:custGeom>
+            <a:avLst/>
+            <a:gdLst/>
+            <a:ahLst/>
+            <a:cxnLst/>
+            <a:rect r="r" b="b" t="t" l="l"/>
+            <a:pathLst>
+              <a:path h="7092746" w="3907523">
+                <a:moveTo>
+                  <a:pt x="0" y="0"/>
+                </a:moveTo>
+                <a:lnTo>
+                  <a:pt x="3907523" y="0"/>
+                </a:lnTo>
+                <a:lnTo>
+                  <a:pt x="3907523" y="7092746"/>
+                </a:lnTo>
+                <a:lnTo>
+                  <a:pt x="0" y="7092746"/>
+                </a:lnTo>
+                <a:lnTo>
+                  <a:pt x="0" y="0"/>
+                </a:lnTo>
+                <a:close/>
+              </a:path>
+            </a:pathLst>
+          </a:custGeom>
+          <a:blipFill>
+            <a:blip r:embed="rId3"/>
+            <a:stretch>
+              <a:fillRect l="0" t="0" r="0" b="0"/>
+            </a:stretch>
+          </a:blipFill>
+        </p:spPr>
+      </p:sp>
+      <p:sp>
+        <p:nvSpPr>
+          <p:cNvPr name="Freeform 10" id="10"/>
+          <p:cNvSpPr/>
+          <p:nvPr/>
+        </p:nvSpPr>
+        <p:spPr>
+          <a:xfrm flipH="false" flipV="false" rot="0">
+            <a:off x="9526504" y="2154989"/>
+            <a:ext cx="3979280" cy="7103311"/>
+          </a:xfrm>
+          <a:custGeom>
+            <a:avLst/>
+            <a:gdLst/>
+            <a:ahLst/>
+            <a:cxnLst/>
+            <a:rect r="r" b="b" t="t" l="l"/>
+            <a:pathLst>
+              <a:path h="7103311" w="3979280">
+                <a:moveTo>
+                  <a:pt x="0" y="0"/>
+                </a:moveTo>
+                <a:lnTo>
+                  <a:pt x="3979280" y="0"/>
+                </a:lnTo>
+                <a:lnTo>
+                  <a:pt x="3979280" y="7103311"/>
+                </a:lnTo>
+                <a:lnTo>
+                  <a:pt x="0" y="7103311"/>
+                </a:lnTo>
+                <a:lnTo>
+                  <a:pt x="0" y="0"/>
+                </a:lnTo>
+                <a:close/>
+              </a:path>
+            </a:pathLst>
+          </a:custGeom>
+          <a:blipFill>
+            <a:blip r:embed="rId4"/>
+            <a:stretch>
+              <a:fillRect l="0" t="0" r="0" b="0"/>
+            </a:stretch>
+          </a:blipFill>
+        </p:spPr>
+      </p:sp>
+      <p:sp>
+        <p:nvSpPr>
+          <p:cNvPr name="TextBox 11" id="11"/>
+          <p:cNvSpPr txBox="true"/>
+          <p:nvPr/>
+        </p:nvSpPr>
+        <p:spPr>
+          <a:xfrm rot="0">
+            <a:off x="2847623" y="405549"/>
+            <a:ext cx="12592754" cy="853440"/>
+          </a:xfrm>
+          <a:prstGeom prst="rect">
+            <a:avLst/>
+          </a:prstGeom>
+        </p:spPr>
+        <p:txBody>
+          <a:bodyPr anchor="t" rtlCol="false" tIns="0" lIns="0" bIns="0" rIns="0">
+            <a:spAutoFit/>
+          </a:bodyPr>
+          <a:lstStyle/>
+          <a:p>
+            <a:pPr algn="ctr">
+              <a:lnSpc>
+                <a:spcPts val="6090"/>
+              </a:lnSpc>
+            </a:pPr>
+            <a:r>
+              <a:rPr lang="en-US" sz="5800" spc="290">
+                <a:solidFill>
+                  <a:srgbClr val="2B4A9D"/>
+                </a:solidFill>
+                <a:latin typeface="Poppins Ultra-Bold"/>
+              </a:rPr>
+              <a:t>DropdownButton (ComboBox)</a:t>
+            </a:r>
+          </a:p>
+        </p:txBody>
+      </p:sp>
+    </p:spTree>
+  </p:cSld>
+  <p:clrMapOvr>
+    <a:masterClrMapping/>
+  </p:clrMapOvr>
+</p:sld>
+</file>
+
+<file path=ppt/slides/slide14.xml><?xml version="1.0" encoding="utf-8"?>
+<p:sld xmlns:p="http://schemas.openxmlformats.org/presentationml/2006/main" xmlns:a="http://schemas.openxmlformats.org/drawingml/2006/main" xmlns:r="http://schemas.openxmlformats.org/officeDocument/2006/relationships">
+  <p:cSld>
+    <p:spTree>
+      <p:nvGrpSpPr>
+        <p:cNvPr id="1" name=""/>
+        <p:cNvGrpSpPr/>
+        <p:nvPr/>
+      </p:nvGrpSpPr>
+      <p:grpSpPr>
+        <a:xfrm>
+          <a:off x="0" y="0"/>
+          <a:ext cx="0" cy="0"/>
+          <a:chOff x="0" y="0"/>
+          <a:chExt cx="0" cy="0"/>
+        </a:xfrm>
+      </p:grpSpPr>
+      <p:grpSp>
+        <p:nvGrpSpPr>
+          <p:cNvPr name="Group 2" id="2"/>
+          <p:cNvGrpSpPr/>
+          <p:nvPr/>
+        </p:nvGrpSpPr>
+        <p:grpSpPr>
+          <a:xfrm rot="5400000">
+            <a:off x="-1309" y="1309"/>
+            <a:ext cx="1635964" cy="1633346"/>
+            <a:chOff x="0" y="0"/>
+            <a:chExt cx="6350000" cy="6339840"/>
+          </a:xfrm>
+        </p:grpSpPr>
+        <p:sp>
+          <p:nvSpPr>
+            <p:cNvPr name="Freeform 3" id="3"/>
+            <p:cNvSpPr/>
+            <p:nvPr/>
+          </p:nvSpPr>
+          <p:spPr>
+            <a:xfrm flipH="false" flipV="false" rot="0">
+              <a:off x="0" y="0"/>
+              <a:ext cx="6350000" cy="6339840"/>
+            </a:xfrm>
+            <a:custGeom>
+              <a:avLst/>
+              <a:gdLst/>
+              <a:ahLst/>
+              <a:cxnLst/>
+              <a:rect r="r" b="b" t="t" l="l"/>
+              <a:pathLst>
+                <a:path h="6339840" w="6350000">
+                  <a:moveTo>
+                    <a:pt x="6350000" y="6339840"/>
+                  </a:moveTo>
+                  <a:lnTo>
+                    <a:pt x="0" y="6339840"/>
+                  </a:lnTo>
+                  <a:lnTo>
+                    <a:pt x="0" y="0"/>
+                  </a:lnTo>
+                  <a:lnTo>
+                    <a:pt x="6350000" y="6339840"/>
+                  </a:lnTo>
+                  <a:close/>
+                </a:path>
+              </a:pathLst>
+            </a:custGeom>
+            <a:solidFill>
+              <a:srgbClr val="2B4A9D"/>
+            </a:solidFill>
+          </p:spPr>
+        </p:sp>
+      </p:grpSp>
+      <p:sp>
+        <p:nvSpPr>
+          <p:cNvPr name="Freeform 4" id="4"/>
+          <p:cNvSpPr/>
+          <p:nvPr/>
+        </p:nvSpPr>
+        <p:spPr>
+          <a:xfrm flipH="false" flipV="false" rot="0">
+            <a:off x="3817766" y="4868679"/>
+            <a:ext cx="10440441" cy="4553264"/>
+          </a:xfrm>
+          <a:custGeom>
+            <a:avLst/>
+            <a:gdLst/>
+            <a:ahLst/>
+            <a:cxnLst/>
+            <a:rect r="r" b="b" t="t" l="l"/>
+            <a:pathLst>
+              <a:path h="4553264" w="10440441">
+                <a:moveTo>
+                  <a:pt x="0" y="0"/>
+                </a:moveTo>
+                <a:lnTo>
+                  <a:pt x="10440441" y="0"/>
+                </a:lnTo>
+                <a:lnTo>
+                  <a:pt x="10440441" y="4553263"/>
+                </a:lnTo>
+                <a:lnTo>
+                  <a:pt x="0" y="4553263"/>
+                </a:lnTo>
+                <a:lnTo>
+                  <a:pt x="0" y="0"/>
+                </a:lnTo>
+                <a:close/>
+              </a:path>
+            </a:pathLst>
+          </a:custGeom>
+          <a:blipFill>
+            <a:blip r:embed="rId2"/>
+            <a:stretch>
+              <a:fillRect l="0" t="0" r="0" b="0"/>
+            </a:stretch>
+          </a:blipFill>
+        </p:spPr>
+      </p:sp>
+      <p:sp>
+        <p:nvSpPr>
+          <p:cNvPr name="TextBox 5" id="5"/>
+          <p:cNvSpPr txBox="true"/>
+          <p:nvPr/>
+        </p:nvSpPr>
+        <p:spPr>
+          <a:xfrm rot="0">
+            <a:off x="816673" y="1413644"/>
+            <a:ext cx="16442627" cy="3190875"/>
+          </a:xfrm>
+          <a:prstGeom prst="rect">
+            <a:avLst/>
+          </a:prstGeom>
+        </p:spPr>
+        <p:txBody>
+          <a:bodyPr anchor="t" rtlCol="false" tIns="0" lIns="0" bIns="0" rIns="0">
+            <a:spAutoFit/>
+          </a:bodyPr>
+          <a:lstStyle/>
+          <a:p>
+            <a:pPr algn="just" marL="647703" indent="-323852" lvl="1">
+              <a:lnSpc>
+                <a:spcPts val="4200"/>
+              </a:lnSpc>
+              <a:buFont typeface="Arial"/>
+              <a:buChar char="•"/>
+            </a:pPr>
+            <a:r>
+              <a:rPr lang="en-US" sz="3000" spc="300">
+                <a:solidFill>
+                  <a:srgbClr val="000000"/>
+                </a:solidFill>
+                <a:latin typeface="Lato"/>
+              </a:rPr>
+              <a:t>O Scrollbar é usado para envolver um widget de rolagem, como </a:t>
+            </a:r>
+            <a:r>
+              <a:rPr lang="en-US" sz="3000" spc="300">
+                <a:solidFill>
+                  <a:srgbClr val="000000"/>
+                </a:solidFill>
+                <a:latin typeface="Lato Bold"/>
+              </a:rPr>
+              <a:t>ListView</a:t>
+            </a:r>
+            <a:r>
+              <a:rPr lang="en-US" sz="3000" spc="300">
+                <a:solidFill>
+                  <a:srgbClr val="000000"/>
+                </a:solidFill>
+                <a:latin typeface="Lato"/>
+              </a:rPr>
+              <a:t>, </a:t>
+            </a:r>
+            <a:r>
+              <a:rPr lang="en-US" sz="3000" spc="300">
+                <a:solidFill>
+                  <a:srgbClr val="000000"/>
+                </a:solidFill>
+                <a:latin typeface="Lato Bold"/>
+              </a:rPr>
+              <a:t>GridView</a:t>
+            </a:r>
+            <a:r>
+              <a:rPr lang="en-US" sz="3000" spc="300">
+                <a:solidFill>
+                  <a:srgbClr val="000000"/>
+                </a:solidFill>
+                <a:latin typeface="Lato"/>
+              </a:rPr>
+              <a:t> ou </a:t>
+            </a:r>
+            <a:r>
+              <a:rPr lang="en-US" sz="3000" spc="300">
+                <a:solidFill>
+                  <a:srgbClr val="000000"/>
+                </a:solidFill>
+                <a:latin typeface="Lato Bold"/>
+              </a:rPr>
+              <a:t>SingleChildScrollView</a:t>
+            </a:r>
+            <a:r>
+              <a:rPr lang="en-US" sz="3000" spc="300">
+                <a:solidFill>
+                  <a:srgbClr val="000000"/>
+                </a:solidFill>
+                <a:latin typeface="Lato"/>
+              </a:rPr>
+              <a:t>, para adicionar uma barra de rolagem ao seu conteúdo.</a:t>
+            </a:r>
+          </a:p>
+          <a:p>
+            <a:pPr algn="just" marL="647703" indent="-323852" lvl="1">
+              <a:lnSpc>
+                <a:spcPts val="4200"/>
+              </a:lnSpc>
+              <a:buFont typeface="Arial"/>
+              <a:buChar char="•"/>
+            </a:pPr>
+            <a:r>
+              <a:rPr lang="en-US" sz="3000" spc="300">
+                <a:solidFill>
+                  <a:srgbClr val="000000"/>
+                </a:solidFill>
+                <a:latin typeface="Lato"/>
+              </a:rPr>
+              <a:t>Para adicionar um Scrollbar a um widget é bastante simples, exigindo apenas que você envolva o widget com o Scrollbar e defina a propriedade controller, se desejar controlar manualmente o seu comportamento.</a:t>
+            </a:r>
+          </a:p>
+        </p:txBody>
+      </p:sp>
+      <p:sp>
+        <p:nvSpPr>
+          <p:cNvPr name="TextBox 6" id="6"/>
+          <p:cNvSpPr txBox="true"/>
+          <p:nvPr/>
+        </p:nvSpPr>
+        <p:spPr>
+          <a:xfrm rot="0">
+            <a:off x="2791721" y="379832"/>
+            <a:ext cx="12704558" cy="895350"/>
+          </a:xfrm>
+          <a:prstGeom prst="rect">
+            <a:avLst/>
+          </a:prstGeom>
+        </p:spPr>
+        <p:txBody>
+          <a:bodyPr anchor="t" rtlCol="false" tIns="0" lIns="0" bIns="0" rIns="0">
+            <a:spAutoFit/>
+          </a:bodyPr>
+          <a:lstStyle/>
+          <a:p>
+            <a:pPr algn="ctr">
+              <a:lnSpc>
+                <a:spcPts val="6300"/>
+              </a:lnSpc>
+            </a:pPr>
+            <a:r>
+              <a:rPr lang="en-US" sz="6000" spc="300">
+                <a:solidFill>
+                  <a:srgbClr val="2B4A9D"/>
+                </a:solidFill>
+                <a:latin typeface="Poppins Ultra-Bold"/>
+              </a:rPr>
+              <a:t>Scrollbar (Barra de rolagem)</a:t>
+            </a:r>
+          </a:p>
+        </p:txBody>
+      </p:sp>
+    </p:spTree>
+  </p:cSld>
+  <p:clrMapOvr>
+    <a:masterClrMapping/>
+  </p:clrMapOvr>
+</p:sld>
+</file>
+
+<file path=ppt/slides/slide15.xml><?xml version="1.0" encoding="utf-8"?>
+<p:sld xmlns:p="http://schemas.openxmlformats.org/presentationml/2006/main" xmlns:a="http://schemas.openxmlformats.org/drawingml/2006/main" xmlns:r="http://schemas.openxmlformats.org/officeDocument/2006/relationships">
+  <p:cSld>
+    <p:spTree>
+      <p:nvGrpSpPr>
+        <p:cNvPr id="1" name=""/>
+        <p:cNvGrpSpPr/>
+        <p:nvPr/>
+      </p:nvGrpSpPr>
+      <p:grpSpPr>
+        <a:xfrm>
+          <a:off x="0" y="0"/>
+          <a:ext cx="0" cy="0"/>
+          <a:chOff x="0" y="0"/>
+          <a:chExt cx="0" cy="0"/>
+        </a:xfrm>
+      </p:grpSpPr>
+      <p:grpSp>
+        <p:nvGrpSpPr>
+          <p:cNvPr name="Group 2" id="2"/>
+          <p:cNvGrpSpPr/>
+          <p:nvPr/>
+        </p:nvGrpSpPr>
+        <p:grpSpPr>
+          <a:xfrm rot="5400000">
+            <a:off x="-1309" y="1309"/>
+            <a:ext cx="1635964" cy="1633346"/>
+            <a:chOff x="0" y="0"/>
+            <a:chExt cx="6350000" cy="6339840"/>
+          </a:xfrm>
+        </p:grpSpPr>
+        <p:sp>
+          <p:nvSpPr>
+            <p:cNvPr name="Freeform 3" id="3"/>
+            <p:cNvSpPr/>
+            <p:nvPr/>
+          </p:nvSpPr>
+          <p:spPr>
+            <a:xfrm flipH="false" flipV="false" rot="0">
+              <a:off x="0" y="0"/>
+              <a:ext cx="6350000" cy="6339840"/>
+            </a:xfrm>
+            <a:custGeom>
+              <a:avLst/>
+              <a:gdLst/>
+              <a:ahLst/>
+              <a:cxnLst/>
+              <a:rect r="r" b="b" t="t" l="l"/>
+              <a:pathLst>
+                <a:path h="6339840" w="6350000">
+                  <a:moveTo>
+                    <a:pt x="6350000" y="6339840"/>
+                  </a:moveTo>
+                  <a:lnTo>
+                    <a:pt x="0" y="6339840"/>
+                  </a:lnTo>
+                  <a:lnTo>
+                    <a:pt x="0" y="0"/>
+                  </a:lnTo>
+                  <a:lnTo>
+                    <a:pt x="6350000" y="6339840"/>
+                  </a:lnTo>
+                  <a:close/>
+                </a:path>
+              </a:pathLst>
+            </a:custGeom>
+            <a:solidFill>
+              <a:srgbClr val="2B4A9D"/>
+            </a:solidFill>
+          </p:spPr>
+        </p:sp>
+      </p:grpSp>
+      <p:sp>
+        <p:nvSpPr>
+          <p:cNvPr name="Freeform 4" id="4"/>
+          <p:cNvSpPr/>
+          <p:nvPr/>
+        </p:nvSpPr>
+        <p:spPr>
+          <a:xfrm flipH="false" flipV="false" rot="0">
+            <a:off x="10031099" y="2451704"/>
+            <a:ext cx="3308770" cy="5953774"/>
+          </a:xfrm>
+          <a:custGeom>
+            <a:avLst/>
+            <a:gdLst/>
+            <a:ahLst/>
+            <a:cxnLst/>
+            <a:rect r="r" b="b" t="t" l="l"/>
+            <a:pathLst>
+              <a:path h="5953774" w="3308770">
+                <a:moveTo>
+                  <a:pt x="0" y="0"/>
+                </a:moveTo>
+                <a:lnTo>
+                  <a:pt x="3308770" y="0"/>
+                </a:lnTo>
+                <a:lnTo>
+                  <a:pt x="3308770" y="5953774"/>
+                </a:lnTo>
+                <a:lnTo>
+                  <a:pt x="0" y="5953774"/>
+                </a:lnTo>
+                <a:lnTo>
+                  <a:pt x="0" y="0"/>
+                </a:lnTo>
+                <a:close/>
+              </a:path>
+            </a:pathLst>
+          </a:custGeom>
+          <a:blipFill>
+            <a:blip r:embed="rId2"/>
+            <a:stretch>
+              <a:fillRect l="0" t="0" r="0" b="0"/>
+            </a:stretch>
+          </a:blipFill>
+        </p:spPr>
+      </p:sp>
+      <p:sp>
+        <p:nvSpPr>
+          <p:cNvPr name="Freeform 5" id="5"/>
+          <p:cNvSpPr/>
+          <p:nvPr/>
+        </p:nvSpPr>
+        <p:spPr>
+          <a:xfrm flipH="false" flipV="false" rot="0">
+            <a:off x="13975431" y="2451704"/>
+            <a:ext cx="3283869" cy="5970671"/>
+          </a:xfrm>
+          <a:custGeom>
+            <a:avLst/>
+            <a:gdLst/>
+            <a:ahLst/>
+            <a:cxnLst/>
+            <a:rect r="r" b="b" t="t" l="l"/>
+            <a:pathLst>
+              <a:path h="5970671" w="3283869">
+                <a:moveTo>
+                  <a:pt x="0" y="0"/>
+                </a:moveTo>
+                <a:lnTo>
+                  <a:pt x="3283869" y="0"/>
+                </a:lnTo>
+                <a:lnTo>
+                  <a:pt x="3283869" y="5970671"/>
+                </a:lnTo>
+                <a:lnTo>
+                  <a:pt x="0" y="5970671"/>
+                </a:lnTo>
+                <a:lnTo>
+                  <a:pt x="0" y="0"/>
+                </a:lnTo>
+                <a:close/>
+              </a:path>
+            </a:pathLst>
+          </a:custGeom>
+          <a:blipFill>
+            <a:blip r:embed="rId3"/>
+            <a:stretch>
+              <a:fillRect l="0" t="0" r="0" b="0"/>
+            </a:stretch>
+          </a:blipFill>
+        </p:spPr>
+      </p:sp>
+      <p:sp>
+        <p:nvSpPr>
+          <p:cNvPr name="TextBox 6" id="6"/>
+          <p:cNvSpPr txBox="true"/>
+          <p:nvPr/>
+        </p:nvSpPr>
+        <p:spPr>
+          <a:xfrm rot="0">
+            <a:off x="2791721" y="379832"/>
+            <a:ext cx="12704558" cy="895350"/>
+          </a:xfrm>
+          <a:prstGeom prst="rect">
+            <a:avLst/>
+          </a:prstGeom>
+        </p:spPr>
+        <p:txBody>
+          <a:bodyPr anchor="t" rtlCol="false" tIns="0" lIns="0" bIns="0" rIns="0">
+            <a:spAutoFit/>
+          </a:bodyPr>
+          <a:lstStyle/>
+          <a:p>
+            <a:pPr algn="ctr">
+              <a:lnSpc>
+                <a:spcPts val="6300"/>
+              </a:lnSpc>
+            </a:pPr>
+            <a:r>
+              <a:rPr lang="en-US" sz="6000" spc="300">
+                <a:solidFill>
+                  <a:srgbClr val="2B4A9D"/>
+                </a:solidFill>
+                <a:latin typeface="Poppins Ultra-Bold"/>
+              </a:rPr>
+              <a:t>Scrollbar (Barra de rolagem)</a:t>
+            </a:r>
+          </a:p>
+        </p:txBody>
+      </p:sp>
+      <p:sp>
+        <p:nvSpPr>
+          <p:cNvPr name="TextBox 7" id="7"/>
+          <p:cNvSpPr txBox="true"/>
+          <p:nvPr/>
+        </p:nvSpPr>
+        <p:spPr>
+          <a:xfrm rot="0">
+            <a:off x="816673" y="2213610"/>
+            <a:ext cx="8578864" cy="5793105"/>
+          </a:xfrm>
+          <a:prstGeom prst="rect">
+            <a:avLst/>
+          </a:prstGeom>
+        </p:spPr>
+        <p:txBody>
+          <a:bodyPr anchor="t" rtlCol="false" tIns="0" lIns="0" bIns="0" rIns="0">
+            <a:spAutoFit/>
+          </a:bodyPr>
+          <a:lstStyle/>
+          <a:p>
+            <a:pPr algn="just" marL="712472" indent="-356236" lvl="1">
+              <a:lnSpc>
+                <a:spcPts val="4620"/>
+              </a:lnSpc>
+              <a:buFont typeface="Arial"/>
+              <a:buChar char="•"/>
+            </a:pPr>
+            <a:r>
+              <a:rPr lang="en-US" sz="3300" spc="330">
+                <a:solidFill>
+                  <a:srgbClr val="000000"/>
+                </a:solidFill>
+                <a:latin typeface="Lato"/>
+              </a:rPr>
+              <a:t>Neste exemplo, </a:t>
+            </a:r>
+            <a:r>
+              <a:rPr lang="en-US" sz="3300" spc="330">
+                <a:solidFill>
+                  <a:srgbClr val="000000"/>
+                </a:solidFill>
+                <a:latin typeface="Lato Bold"/>
+              </a:rPr>
+              <a:t>Scrollbar.dart</a:t>
+            </a:r>
+            <a:r>
+              <a:rPr lang="en-US" sz="3300" spc="330">
+                <a:solidFill>
+                  <a:srgbClr val="000000"/>
+                </a:solidFill>
+                <a:latin typeface="Lato"/>
+              </a:rPr>
+              <a:t>, temos uma interface simples que exibe uma paleta de cores usando uma lista rolável. Cada item da lista mostra uma cor diferente junto com seu nome e código hexadecimal correspondente.</a:t>
+            </a:r>
+          </a:p>
+          <a:p>
+            <a:pPr algn="just" marL="712472" indent="-356236" lvl="1">
+              <a:lnSpc>
+                <a:spcPts val="4620"/>
+              </a:lnSpc>
+              <a:buFont typeface="Arial"/>
+              <a:buChar char="•"/>
+            </a:pPr>
+            <a:r>
+              <a:rPr lang="en-US" sz="3300" spc="330">
+                <a:solidFill>
+                  <a:srgbClr val="000000"/>
+                </a:solidFill>
+                <a:latin typeface="Lato"/>
+              </a:rPr>
+              <a:t>O Scrollbar permite que o usuário role facilmente pela lista, mesmo quando há muitos itens.</a:t>
+            </a:r>
+          </a:p>
+        </p:txBody>
+      </p:sp>
+    </p:spTree>
+  </p:cSld>
+  <p:clrMapOvr>
+    <a:masterClrMapping/>
+  </p:clrMapOvr>
+</p:sld>
+</file>
+
+<file path=ppt/slides/slide16.xml><?xml version="1.0" encoding="utf-8"?>
+<p:sld xmlns:p="http://schemas.openxmlformats.org/presentationml/2006/main" xmlns:a="http://schemas.openxmlformats.org/drawingml/2006/main">
+  <p:cSld>
+    <p:spTree>
+      <p:nvGrpSpPr>
+        <p:cNvPr id="1" name=""/>
+        <p:cNvGrpSpPr/>
+        <p:nvPr/>
+      </p:nvGrpSpPr>
+      <p:grpSpPr>
+        <a:xfrm>
+          <a:off x="0" y="0"/>
+          <a:ext cx="0" cy="0"/>
+          <a:chOff x="0" y="0"/>
+          <a:chExt cx="0" cy="0"/>
+        </a:xfrm>
+      </p:grpSpPr>
+      <p:grpSp>
+        <p:nvGrpSpPr>
+          <p:cNvPr name="Group 2" id="2"/>
+          <p:cNvGrpSpPr/>
+          <p:nvPr/>
+        </p:nvGrpSpPr>
+        <p:grpSpPr>
+          <a:xfrm rot="5400000">
+            <a:off x="-1309" y="1309"/>
+            <a:ext cx="1635964" cy="1633346"/>
+            <a:chOff x="0" y="0"/>
+            <a:chExt cx="6350000" cy="6339840"/>
+          </a:xfrm>
+        </p:grpSpPr>
+        <p:sp>
+          <p:nvSpPr>
+            <p:cNvPr name="Freeform 3" id="3"/>
+            <p:cNvSpPr/>
+            <p:nvPr/>
+          </p:nvSpPr>
+          <p:spPr>
+            <a:xfrm flipH="false" flipV="false" rot="0">
+              <a:off x="0" y="0"/>
+              <a:ext cx="6350000" cy="6339840"/>
+            </a:xfrm>
+            <a:custGeom>
+              <a:avLst/>
+              <a:gdLst/>
+              <a:ahLst/>
+              <a:cxnLst/>
+              <a:rect r="r" b="b" t="t" l="l"/>
+              <a:pathLst>
+                <a:path h="6339840" w="6350000">
+                  <a:moveTo>
+                    <a:pt x="6350000" y="6339840"/>
+                  </a:moveTo>
+                  <a:lnTo>
+                    <a:pt x="0" y="6339840"/>
+                  </a:lnTo>
+                  <a:lnTo>
+                    <a:pt x="0" y="0"/>
+                  </a:lnTo>
+                  <a:lnTo>
+                    <a:pt x="6350000" y="6339840"/>
+                  </a:lnTo>
+                  <a:close/>
+                </a:path>
+              </a:pathLst>
+            </a:custGeom>
+            <a:solidFill>
+              <a:srgbClr val="2B4A9D"/>
+            </a:solidFill>
+          </p:spPr>
+        </p:sp>
+      </p:grpSp>
+      <p:sp>
+        <p:nvSpPr>
+          <p:cNvPr name="TextBox 4" id="4"/>
+          <p:cNvSpPr txBox="true"/>
+          <p:nvPr/>
+        </p:nvSpPr>
+        <p:spPr>
+          <a:xfrm rot="0">
+            <a:off x="2791721" y="379832"/>
+            <a:ext cx="12704558" cy="895350"/>
+          </a:xfrm>
+          <a:prstGeom prst="rect">
+            <a:avLst/>
+          </a:prstGeom>
+        </p:spPr>
+        <p:txBody>
+          <a:bodyPr anchor="t" rtlCol="false" tIns="0" lIns="0" bIns="0" rIns="0">
+            <a:spAutoFit/>
+          </a:bodyPr>
+          <a:lstStyle/>
+          <a:p>
+            <a:pPr algn="ctr">
+              <a:lnSpc>
+                <a:spcPts val="6300"/>
+              </a:lnSpc>
+            </a:pPr>
+            <a:r>
+              <a:rPr lang="en-US" sz="6000" spc="300">
+                <a:solidFill>
+                  <a:srgbClr val="2B4A9D"/>
+                </a:solidFill>
+                <a:latin typeface="Poppins Ultra-Bold"/>
+              </a:rPr>
+              <a:t>Swipe</a:t>
+            </a:r>
+          </a:p>
+        </p:txBody>
+      </p:sp>
+      <p:sp>
+        <p:nvSpPr>
+          <p:cNvPr name="TextBox 5" id="5"/>
+          <p:cNvSpPr txBox="true"/>
+          <p:nvPr/>
+        </p:nvSpPr>
+        <p:spPr>
+          <a:xfrm rot="0">
+            <a:off x="816673" y="1569289"/>
+            <a:ext cx="16442627" cy="7458075"/>
+          </a:xfrm>
+          <a:prstGeom prst="rect">
+            <a:avLst/>
+          </a:prstGeom>
+        </p:spPr>
+        <p:txBody>
+          <a:bodyPr anchor="t" rtlCol="false" tIns="0" lIns="0" bIns="0" rIns="0">
+            <a:spAutoFit/>
+          </a:bodyPr>
+          <a:lstStyle/>
+          <a:p>
+            <a:pPr algn="just" marL="647703" indent="-323852" lvl="1">
+              <a:lnSpc>
+                <a:spcPts val="4200"/>
+              </a:lnSpc>
+              <a:buFont typeface="Arial"/>
+              <a:buChar char="•"/>
+            </a:pPr>
+            <a:r>
+              <a:rPr lang="en-US" sz="3000" spc="300">
+                <a:solidFill>
+                  <a:srgbClr val="000000"/>
+                </a:solidFill>
+                <a:latin typeface="Lato"/>
+              </a:rPr>
+              <a:t>O swipe é uma interação comum em aplicativos móveis, ela se refere à ação de deslizar o dedo sobre a tela em uma direção específica e pode ser usada para várias finalidades, como navegar entre telas, rolar conteúdo, acionar ações e muito mais.</a:t>
+            </a:r>
+          </a:p>
+          <a:p>
+            <a:pPr algn="just" marL="647703" indent="-323852" lvl="1">
+              <a:lnSpc>
+                <a:spcPts val="4200"/>
+              </a:lnSpc>
+              <a:buFont typeface="Arial"/>
+              <a:buChar char="•"/>
+            </a:pPr>
+            <a:r>
+              <a:rPr lang="en-US" sz="3000" spc="300">
+                <a:solidFill>
+                  <a:srgbClr val="000000"/>
+                </a:solidFill>
+                <a:latin typeface="Lato"/>
+              </a:rPr>
+              <a:t>Formas de utilizar:</a:t>
+            </a:r>
+          </a:p>
+          <a:p>
+            <a:pPr algn="just" marL="1295406" indent="-431802" lvl="2">
+              <a:lnSpc>
+                <a:spcPts val="4200"/>
+              </a:lnSpc>
+              <a:buFont typeface="Arial"/>
+              <a:buChar char="⚬"/>
+            </a:pPr>
+            <a:r>
+              <a:rPr lang="en-US" sz="3000" spc="300">
+                <a:solidFill>
+                  <a:srgbClr val="000000"/>
+                </a:solidFill>
+                <a:latin typeface="Lato Bold"/>
+              </a:rPr>
+              <a:t>GestureDetector</a:t>
+            </a:r>
+            <a:r>
+              <a:rPr lang="en-US" sz="3000" spc="300">
+                <a:solidFill>
+                  <a:srgbClr val="000000"/>
+                </a:solidFill>
+                <a:latin typeface="Lato"/>
+              </a:rPr>
+              <a:t>: Permite que envolva outros widgets e defina callbacks para diferentes tipos de gestos, incluindo onHorizontalDragStart, onHorizontalDragUpdate, onHorizontalDragEnd, onVerticalDragStart, onVerticalDragUpdate e onVerticalDragEnd, dependendo da direção do swipe desejada.</a:t>
+            </a:r>
+          </a:p>
+          <a:p>
+            <a:pPr algn="just" marL="1295406" indent="-431802" lvl="2">
+              <a:lnSpc>
+                <a:spcPts val="4200"/>
+              </a:lnSpc>
+              <a:buFont typeface="Arial"/>
+              <a:buChar char="⚬"/>
+            </a:pPr>
+            <a:r>
+              <a:rPr lang="en-US" sz="3000" spc="300">
+                <a:solidFill>
+                  <a:srgbClr val="000000"/>
+                </a:solidFill>
+                <a:latin typeface="Lato Bold"/>
+              </a:rPr>
+              <a:t>Dismissible</a:t>
+            </a:r>
+            <a:r>
+              <a:rPr lang="en-US" sz="3000" spc="300">
+                <a:solidFill>
+                  <a:srgbClr val="000000"/>
+                </a:solidFill>
+                <a:latin typeface="Lato"/>
+              </a:rPr>
+              <a:t>: O widget Dismissible é usado para implementar ação de swipe para excluir ou deslizar itens em listas ou grades. Ele fornece uma maneira fácil de implementar a interação de swipe para remover itens da interface do usuário.</a:t>
+            </a:r>
+          </a:p>
+        </p:txBody>
+      </p:sp>
+    </p:spTree>
+  </p:cSld>
+  <p:clrMapOvr>
+    <a:masterClrMapping/>
+  </p:clrMapOvr>
+</p:sld>
+</file>
+
+<file path=ppt/slides/slide17.xml><?xml version="1.0" encoding="utf-8"?>
+<p:sld xmlns:p="http://schemas.openxmlformats.org/presentationml/2006/main" xmlns:a="http://schemas.openxmlformats.org/drawingml/2006/main">
+  <p:cSld>
+    <p:spTree>
+      <p:nvGrpSpPr>
+        <p:cNvPr id="1" name=""/>
+        <p:cNvGrpSpPr/>
+        <p:nvPr/>
+      </p:nvGrpSpPr>
+      <p:grpSpPr>
+        <a:xfrm>
+          <a:off x="0" y="0"/>
+          <a:ext cx="0" cy="0"/>
+          <a:chOff x="0" y="0"/>
+          <a:chExt cx="0" cy="0"/>
+        </a:xfrm>
+      </p:grpSpPr>
+      <p:grpSp>
+        <p:nvGrpSpPr>
+          <p:cNvPr name="Group 2" id="2"/>
+          <p:cNvGrpSpPr/>
+          <p:nvPr/>
+        </p:nvGrpSpPr>
+        <p:grpSpPr>
+          <a:xfrm rot="5400000">
+            <a:off x="-1309" y="1309"/>
+            <a:ext cx="1635964" cy="1633346"/>
+            <a:chOff x="0" y="0"/>
+            <a:chExt cx="6350000" cy="6339840"/>
+          </a:xfrm>
+        </p:grpSpPr>
+        <p:sp>
+          <p:nvSpPr>
+            <p:cNvPr name="Freeform 3" id="3"/>
+            <p:cNvSpPr/>
+            <p:nvPr/>
+          </p:nvSpPr>
+          <p:spPr>
+            <a:xfrm flipH="false" flipV="false" rot="0">
+              <a:off x="0" y="0"/>
+              <a:ext cx="6350000" cy="6339840"/>
+            </a:xfrm>
+            <a:custGeom>
+              <a:avLst/>
+              <a:gdLst/>
+              <a:ahLst/>
+              <a:cxnLst/>
+              <a:rect r="r" b="b" t="t" l="l"/>
+              <a:pathLst>
+                <a:path h="6339840" w="6350000">
+                  <a:moveTo>
+                    <a:pt x="6350000" y="6339840"/>
+                  </a:moveTo>
+                  <a:lnTo>
+                    <a:pt x="0" y="6339840"/>
+                  </a:lnTo>
+                  <a:lnTo>
+                    <a:pt x="0" y="0"/>
+                  </a:lnTo>
+                  <a:lnTo>
+                    <a:pt x="6350000" y="6339840"/>
+                  </a:lnTo>
+                  <a:close/>
+                </a:path>
+              </a:pathLst>
+            </a:custGeom>
+            <a:solidFill>
+              <a:srgbClr val="2B4A9D"/>
+            </a:solidFill>
+          </p:spPr>
+        </p:sp>
+      </p:grpSp>
+      <p:sp>
+        <p:nvSpPr>
+          <p:cNvPr name="TextBox 4" id="4"/>
+          <p:cNvSpPr txBox="true"/>
+          <p:nvPr/>
+        </p:nvSpPr>
+        <p:spPr>
+          <a:xfrm rot="0">
+            <a:off x="2791721" y="379832"/>
+            <a:ext cx="12704558" cy="895350"/>
+          </a:xfrm>
+          <a:prstGeom prst="rect">
+            <a:avLst/>
+          </a:prstGeom>
+        </p:spPr>
+        <p:txBody>
+          <a:bodyPr anchor="t" rtlCol="false" tIns="0" lIns="0" bIns="0" rIns="0">
+            <a:spAutoFit/>
+          </a:bodyPr>
+          <a:lstStyle/>
+          <a:p>
+            <a:pPr algn="ctr">
+              <a:lnSpc>
+                <a:spcPts val="6300"/>
+              </a:lnSpc>
+            </a:pPr>
+            <a:r>
+              <a:rPr lang="en-US" sz="6000" spc="300">
+                <a:solidFill>
+                  <a:srgbClr val="2B4A9D"/>
+                </a:solidFill>
+                <a:latin typeface="Poppins Ultra-Bold"/>
+              </a:rPr>
+              <a:t>Swipe</a:t>
+            </a:r>
+          </a:p>
+        </p:txBody>
+      </p:sp>
+      <p:sp>
+        <p:nvSpPr>
+          <p:cNvPr name="TextBox 5" id="5"/>
+          <p:cNvSpPr txBox="true"/>
+          <p:nvPr/>
+        </p:nvSpPr>
+        <p:spPr>
+          <a:xfrm rot="0">
+            <a:off x="816673" y="2614623"/>
+            <a:ext cx="16442627" cy="3724275"/>
+          </a:xfrm>
+          <a:prstGeom prst="rect">
+            <a:avLst/>
+          </a:prstGeom>
+        </p:spPr>
+        <p:txBody>
+          <a:bodyPr anchor="t" rtlCol="false" tIns="0" lIns="0" bIns="0" rIns="0">
+            <a:spAutoFit/>
+          </a:bodyPr>
+          <a:lstStyle/>
+          <a:p>
+            <a:pPr algn="just" marL="1295406" indent="-431802" lvl="2">
+              <a:lnSpc>
+                <a:spcPts val="4200"/>
+              </a:lnSpc>
+              <a:buFont typeface="Arial"/>
+              <a:buChar char="⚬"/>
+            </a:pPr>
+            <a:r>
+              <a:rPr lang="en-US" sz="3000" spc="300">
+                <a:solidFill>
+                  <a:srgbClr val="000000"/>
+                </a:solidFill>
+                <a:latin typeface="Lato Bold"/>
+              </a:rPr>
+              <a:t>PageView</a:t>
+            </a:r>
+            <a:r>
+              <a:rPr lang="en-US" sz="3000" spc="300">
+                <a:solidFill>
+                  <a:srgbClr val="000000"/>
+                </a:solidFill>
+                <a:latin typeface="Lato"/>
+              </a:rPr>
+              <a:t>: O widget PageView é usado para criar um conjunto de páginas roláveis, onde o usuário pode navegar deslizando para a esquerda ou para a direita. É comumente usado para criar interfaces de carrossel ou guias em aplicativos.</a:t>
+            </a:r>
+          </a:p>
+          <a:p>
+            <a:pPr algn="just" marL="1295406" indent="-431802" lvl="2">
+              <a:lnSpc>
+                <a:spcPts val="4200"/>
+              </a:lnSpc>
+              <a:buFont typeface="Arial"/>
+              <a:buChar char="⚬"/>
+            </a:pPr>
+            <a:r>
+              <a:rPr lang="en-US" sz="3000" spc="300">
+                <a:solidFill>
+                  <a:srgbClr val="000000"/>
+                </a:solidFill>
+                <a:latin typeface="Lato Bold"/>
+              </a:rPr>
+              <a:t>BottomNavigationBar</a:t>
+            </a:r>
+            <a:r>
+              <a:rPr lang="en-US" sz="3000" spc="300">
+                <a:solidFill>
+                  <a:srgbClr val="000000"/>
+                </a:solidFill>
+                <a:latin typeface="Lato"/>
+              </a:rPr>
+              <a:t>: O BottomNavigationBar pode ser combinado com um PageView para criar uma navegação por guias em que o usuário pode alternar entre telas deslizando horizontalmente.</a:t>
+            </a:r>
+          </a:p>
+        </p:txBody>
+      </p:sp>
+    </p:spTree>
+  </p:cSld>
+  <p:clrMapOvr>
+    <a:masterClrMapping/>
+  </p:clrMapOvr>
+</p:sld>
+</file>
+
+<file path=ppt/slides/slide18.xml><?xml version="1.0" encoding="utf-8"?>
+<p:sld xmlns:p="http://schemas.openxmlformats.org/presentationml/2006/main" xmlns:a="http://schemas.openxmlformats.org/drawingml/2006/main" xmlns:r="http://schemas.openxmlformats.org/officeDocument/2006/relationships">
+  <p:cSld>
+    <p:spTree>
+      <p:nvGrpSpPr>
+        <p:cNvPr id="1" name=""/>
+        <p:cNvGrpSpPr/>
+        <p:nvPr/>
+      </p:nvGrpSpPr>
+      <p:grpSpPr>
+        <a:xfrm>
+          <a:off x="0" y="0"/>
+          <a:ext cx="0" cy="0"/>
+          <a:chOff x="0" y="0"/>
+          <a:chExt cx="0" cy="0"/>
+        </a:xfrm>
+      </p:grpSpPr>
+      <p:grpSp>
+        <p:nvGrpSpPr>
+          <p:cNvPr name="Group 2" id="2"/>
+          <p:cNvGrpSpPr/>
+          <p:nvPr/>
+        </p:nvGrpSpPr>
+        <p:grpSpPr>
+          <a:xfrm rot="5400000">
+            <a:off x="-1309" y="1309"/>
+            <a:ext cx="1635964" cy="1633346"/>
+            <a:chOff x="0" y="0"/>
+            <a:chExt cx="6350000" cy="6339840"/>
+          </a:xfrm>
+        </p:grpSpPr>
+        <p:sp>
+          <p:nvSpPr>
+            <p:cNvPr name="Freeform 3" id="3"/>
+            <p:cNvSpPr/>
+            <p:nvPr/>
+          </p:nvSpPr>
+          <p:spPr>
+            <a:xfrm flipH="false" flipV="false" rot="0">
+              <a:off x="0" y="0"/>
+              <a:ext cx="6350000" cy="6339840"/>
+            </a:xfrm>
+            <a:custGeom>
+              <a:avLst/>
+              <a:gdLst/>
+              <a:ahLst/>
+              <a:cxnLst/>
+              <a:rect r="r" b="b" t="t" l="l"/>
+              <a:pathLst>
+                <a:path h="6339840" w="6350000">
+                  <a:moveTo>
+                    <a:pt x="6350000" y="6339840"/>
+                  </a:moveTo>
+                  <a:lnTo>
+                    <a:pt x="0" y="6339840"/>
+                  </a:lnTo>
+                  <a:lnTo>
+                    <a:pt x="0" y="0"/>
+                  </a:lnTo>
+                  <a:lnTo>
+                    <a:pt x="6350000" y="6339840"/>
+                  </a:lnTo>
+                  <a:close/>
+                </a:path>
+              </a:pathLst>
+            </a:custGeom>
+            <a:solidFill>
+              <a:srgbClr val="2B4A9D"/>
+            </a:solidFill>
+          </p:spPr>
+        </p:sp>
+      </p:grpSp>
+      <p:sp>
+        <p:nvSpPr>
+          <p:cNvPr name="Freeform 4" id="4"/>
+          <p:cNvSpPr/>
+          <p:nvPr/>
+        </p:nvSpPr>
+        <p:spPr>
+          <a:xfrm flipH="false" flipV="false" rot="0">
+            <a:off x="4458353" y="4775334"/>
+            <a:ext cx="9371294" cy="4727608"/>
+          </a:xfrm>
+          <a:custGeom>
+            <a:avLst/>
+            <a:gdLst/>
+            <a:ahLst/>
+            <a:cxnLst/>
+            <a:rect r="r" b="b" t="t" l="l"/>
+            <a:pathLst>
+              <a:path h="4727608" w="9371294">
+                <a:moveTo>
+                  <a:pt x="0" y="0"/>
+                </a:moveTo>
+                <a:lnTo>
+                  <a:pt x="9371294" y="0"/>
+                </a:lnTo>
+                <a:lnTo>
+                  <a:pt x="9371294" y="4727608"/>
+                </a:lnTo>
+                <a:lnTo>
+                  <a:pt x="0" y="4727608"/>
+                </a:lnTo>
+                <a:lnTo>
+                  <a:pt x="0" y="0"/>
+                </a:lnTo>
+                <a:close/>
+              </a:path>
+            </a:pathLst>
+          </a:custGeom>
+          <a:blipFill>
+            <a:blip r:embed="rId2"/>
+            <a:stretch>
+              <a:fillRect l="0" t="0" r="0" b="0"/>
+            </a:stretch>
+          </a:blipFill>
+        </p:spPr>
+      </p:sp>
+      <p:sp>
+        <p:nvSpPr>
+          <p:cNvPr name="TextBox 5" id="5"/>
+          <p:cNvSpPr txBox="true"/>
+          <p:nvPr/>
+        </p:nvSpPr>
+        <p:spPr>
+          <a:xfrm rot="0">
+            <a:off x="2791721" y="379832"/>
+            <a:ext cx="12704558" cy="895350"/>
+          </a:xfrm>
+          <a:prstGeom prst="rect">
+            <a:avLst/>
+          </a:prstGeom>
+        </p:spPr>
+        <p:txBody>
+          <a:bodyPr anchor="t" rtlCol="false" tIns="0" lIns="0" bIns="0" rIns="0">
+            <a:spAutoFit/>
+          </a:bodyPr>
+          <a:lstStyle/>
+          <a:p>
+            <a:pPr algn="ctr">
+              <a:lnSpc>
+                <a:spcPts val="6300"/>
+              </a:lnSpc>
+            </a:pPr>
+            <a:r>
+              <a:rPr lang="en-US" sz="6000" spc="300">
+                <a:solidFill>
+                  <a:srgbClr val="2B4A9D"/>
+                </a:solidFill>
+                <a:latin typeface="Poppins Ultra-Bold"/>
+              </a:rPr>
+              <a:t>Swipe</a:t>
+            </a:r>
+          </a:p>
+        </p:txBody>
+      </p:sp>
+      <p:sp>
+        <p:nvSpPr>
+          <p:cNvPr name="TextBox 6" id="6"/>
+          <p:cNvSpPr txBox="true"/>
+          <p:nvPr/>
+        </p:nvSpPr>
+        <p:spPr>
+          <a:xfrm rot="0">
+            <a:off x="816673" y="1925653"/>
+            <a:ext cx="16442627" cy="2657475"/>
+          </a:xfrm>
+          <a:prstGeom prst="rect">
+            <a:avLst/>
+          </a:prstGeom>
+        </p:spPr>
+        <p:txBody>
+          <a:bodyPr anchor="t" rtlCol="false" tIns="0" lIns="0" bIns="0" rIns="0">
+            <a:spAutoFit/>
+          </a:bodyPr>
+          <a:lstStyle/>
+          <a:p>
+            <a:pPr algn="just" marL="647703" indent="-323852" lvl="1">
+              <a:lnSpc>
+                <a:spcPts val="4200"/>
+              </a:lnSpc>
+              <a:buFont typeface="Arial"/>
+              <a:buChar char="•"/>
+            </a:pPr>
+            <a:r>
+              <a:rPr lang="en-US" sz="3000" spc="300">
+                <a:solidFill>
+                  <a:srgbClr val="000000"/>
+                </a:solidFill>
+                <a:latin typeface="Lato"/>
+              </a:rPr>
+              <a:t>No exemplo </a:t>
+            </a:r>
+            <a:r>
+              <a:rPr lang="en-US" sz="3000" spc="300">
+                <a:solidFill>
+                  <a:srgbClr val="000000"/>
+                </a:solidFill>
+                <a:latin typeface="Lato Bold"/>
+              </a:rPr>
+              <a:t>Swipe.dart</a:t>
+            </a:r>
+            <a:r>
+              <a:rPr lang="en-US" sz="3000" spc="300">
+                <a:solidFill>
+                  <a:srgbClr val="000000"/>
+                </a:solidFill>
+                <a:latin typeface="Lato"/>
+              </a:rPr>
+              <a:t>,  cada item da lista é envolvido em um </a:t>
+            </a:r>
+            <a:r>
+              <a:rPr lang="en-US" sz="3000" spc="300">
+                <a:solidFill>
+                  <a:srgbClr val="000000"/>
+                </a:solidFill>
+                <a:latin typeface="Lato Bold"/>
+              </a:rPr>
+              <a:t>Dismissible</a:t>
+            </a:r>
+            <a:r>
+              <a:rPr lang="en-US" sz="3000" spc="300">
+                <a:solidFill>
+                  <a:srgbClr val="000000"/>
+                </a:solidFill>
+                <a:latin typeface="Lato"/>
+              </a:rPr>
+              <a:t>, o que permite que o usuário remova um item deslizando-o para fora da tela.</a:t>
+            </a:r>
+          </a:p>
+          <a:p>
+            <a:pPr algn="just" marL="647703" indent="-323852" lvl="1">
+              <a:lnSpc>
+                <a:spcPts val="4200"/>
+              </a:lnSpc>
+              <a:buFont typeface="Arial"/>
+              <a:buChar char="•"/>
+            </a:pPr>
+            <a:r>
+              <a:rPr lang="en-US" sz="3000" spc="300">
+                <a:solidFill>
+                  <a:srgbClr val="000000"/>
+                </a:solidFill>
+                <a:latin typeface="Lato"/>
+              </a:rPr>
+              <a:t>O onDismissed é chamado quando o item é removido, atualizando o estado do widget para refletir a mudança na lista de itens e exibindo um SnackBar informando ao usuário sobre a remoção do item.</a:t>
+            </a:r>
+          </a:p>
+        </p:txBody>
+      </p:sp>
+    </p:spTree>
+  </p:cSld>
+  <p:clrMapOvr>
+    <a:masterClrMapping/>
+  </p:clrMapOvr>
+</p:sld>
+</file>
+
+<file path=ppt/slides/slide19.xml><?xml version="1.0" encoding="utf-8"?>
+<p:sld xmlns:p="http://schemas.openxmlformats.org/presentationml/2006/main" xmlns:a="http://schemas.openxmlformats.org/drawingml/2006/main" xmlns:r="http://schemas.openxmlformats.org/officeDocument/2006/relationships">
+  <p:cSld>
+    <p:spTree>
+      <p:nvGrpSpPr>
+        <p:cNvPr id="1" name=""/>
+        <p:cNvGrpSpPr/>
+        <p:nvPr/>
+      </p:nvGrpSpPr>
+      <p:grpSpPr>
+        <a:xfrm>
+          <a:off x="0" y="0"/>
+          <a:ext cx="0" cy="0"/>
+          <a:chOff x="0" y="0"/>
+          <a:chExt cx="0" cy="0"/>
+        </a:xfrm>
+      </p:grpSpPr>
+      <p:grpSp>
+        <p:nvGrpSpPr>
+          <p:cNvPr name="Group 2" id="2"/>
+          <p:cNvGrpSpPr/>
+          <p:nvPr/>
+        </p:nvGrpSpPr>
+        <p:grpSpPr>
+          <a:xfrm rot="5400000">
+            <a:off x="-1309" y="1309"/>
+            <a:ext cx="1635964" cy="1633346"/>
+            <a:chOff x="0" y="0"/>
+            <a:chExt cx="6350000" cy="6339840"/>
+          </a:xfrm>
+        </p:grpSpPr>
+        <p:sp>
+          <p:nvSpPr>
+            <p:cNvPr name="Freeform 3" id="3"/>
+            <p:cNvSpPr/>
+            <p:nvPr/>
+          </p:nvSpPr>
+          <p:spPr>
+            <a:xfrm flipH="false" flipV="false" rot="0">
+              <a:off x="0" y="0"/>
+              <a:ext cx="6350000" cy="6339840"/>
+            </a:xfrm>
+            <a:custGeom>
+              <a:avLst/>
+              <a:gdLst/>
+              <a:ahLst/>
+              <a:cxnLst/>
+              <a:rect r="r" b="b" t="t" l="l"/>
+              <a:pathLst>
+                <a:path h="6339840" w="6350000">
+                  <a:moveTo>
+                    <a:pt x="6350000" y="6339840"/>
+                  </a:moveTo>
+                  <a:lnTo>
+                    <a:pt x="0" y="6339840"/>
+                  </a:lnTo>
+                  <a:lnTo>
+                    <a:pt x="0" y="0"/>
+                  </a:lnTo>
+                  <a:lnTo>
+                    <a:pt x="6350000" y="6339840"/>
+                  </a:lnTo>
+                  <a:close/>
+                </a:path>
+              </a:pathLst>
+            </a:custGeom>
+            <a:solidFill>
+              <a:srgbClr val="2B4A9D"/>
+            </a:solidFill>
+          </p:spPr>
+        </p:sp>
+      </p:grpSp>
+      <p:grpSp>
+        <p:nvGrpSpPr>
+          <p:cNvPr name="Group 4" id="4"/>
+          <p:cNvGrpSpPr/>
+          <p:nvPr/>
+        </p:nvGrpSpPr>
+        <p:grpSpPr>
+          <a:xfrm rot="-2700000">
+            <a:off x="15004959" y="1860459"/>
+            <a:ext cx="6566081" cy="6566081"/>
+            <a:chOff x="0" y="0"/>
+            <a:chExt cx="1913890" cy="1913890"/>
+          </a:xfrm>
+        </p:grpSpPr>
+        <p:sp>
+          <p:nvSpPr>
+            <p:cNvPr name="Freeform 5" id="5"/>
+            <p:cNvSpPr/>
+            <p:nvPr/>
+          </p:nvSpPr>
+          <p:spPr>
+            <a:xfrm flipH="false" flipV="false" rot="0">
+              <a:off x="0" y="0"/>
+              <a:ext cx="1913890" cy="1913890"/>
+            </a:xfrm>
+            <a:custGeom>
+              <a:avLst/>
+              <a:gdLst/>
+              <a:ahLst/>
+              <a:cxnLst/>
+              <a:rect r="r" b="b" t="t" l="l"/>
+              <a:pathLst>
+                <a:path h="1913890" w="1913890">
+                  <a:moveTo>
+                    <a:pt x="0" y="0"/>
+                  </a:moveTo>
+                  <a:lnTo>
+                    <a:pt x="1913890" y="0"/>
+                  </a:lnTo>
+                  <a:lnTo>
+                    <a:pt x="1913890" y="1913890"/>
+                  </a:lnTo>
+                  <a:lnTo>
+                    <a:pt x="0" y="1913890"/>
+                  </a:lnTo>
+                  <a:close/>
+                </a:path>
+              </a:pathLst>
+            </a:custGeom>
+            <a:solidFill>
+              <a:srgbClr val="5271FF"/>
+            </a:solidFill>
+          </p:spPr>
+        </p:sp>
+      </p:grpSp>
+      <p:grpSp>
+        <p:nvGrpSpPr>
+          <p:cNvPr name="Group 6" id="6"/>
+          <p:cNvGrpSpPr/>
+          <p:nvPr/>
+        </p:nvGrpSpPr>
+        <p:grpSpPr>
+          <a:xfrm rot="2700000">
+            <a:off x="15361560" y="2217060"/>
+            <a:ext cx="5852880" cy="5852880"/>
+            <a:chOff x="0" y="0"/>
+            <a:chExt cx="1913890" cy="1913890"/>
+          </a:xfrm>
+        </p:grpSpPr>
+        <p:sp>
+          <p:nvSpPr>
+            <p:cNvPr name="Freeform 7" id="7"/>
+            <p:cNvSpPr/>
+            <p:nvPr/>
+          </p:nvSpPr>
+          <p:spPr>
+            <a:xfrm flipH="false" flipV="false" rot="0">
+              <a:off x="0" y="0"/>
+              <a:ext cx="1913890" cy="1913890"/>
+            </a:xfrm>
+            <a:custGeom>
+              <a:avLst/>
+              <a:gdLst/>
+              <a:ahLst/>
+              <a:cxnLst/>
+              <a:rect r="r" b="b" t="t" l="l"/>
+              <a:pathLst>
+                <a:path h="1913890" w="1913890">
+                  <a:moveTo>
+                    <a:pt x="0" y="0"/>
+                  </a:moveTo>
+                  <a:lnTo>
+                    <a:pt x="0" y="1913890"/>
+                  </a:lnTo>
+                  <a:lnTo>
+                    <a:pt x="1913890" y="1913890"/>
+                  </a:lnTo>
+                  <a:lnTo>
+                    <a:pt x="1913890" y="0"/>
+                  </a:lnTo>
+                  <a:lnTo>
+                    <a:pt x="0" y="0"/>
+                  </a:lnTo>
+                  <a:close/>
+                  <a:moveTo>
+                    <a:pt x="1852930" y="1852930"/>
+                  </a:moveTo>
+                  <a:lnTo>
+                    <a:pt x="59690" y="1852930"/>
+                  </a:lnTo>
+                  <a:lnTo>
+                    <a:pt x="59690" y="59690"/>
+                  </a:lnTo>
+                  <a:lnTo>
+                    <a:pt x="1852930" y="59690"/>
+                  </a:lnTo>
+                  <a:lnTo>
+                    <a:pt x="1852930" y="1852930"/>
+                  </a:lnTo>
+                  <a:close/>
+                </a:path>
+              </a:pathLst>
+            </a:custGeom>
+            <a:solidFill>
+              <a:srgbClr val="FFFFFF"/>
+            </a:solidFill>
+          </p:spPr>
+        </p:sp>
+      </p:grpSp>
+      <p:sp>
+        <p:nvSpPr>
+          <p:cNvPr name="Freeform 8" id="8"/>
+          <p:cNvSpPr/>
+          <p:nvPr/>
+        </p:nvSpPr>
+        <p:spPr>
+          <a:xfrm flipH="false" flipV="false" rot="0">
+            <a:off x="8249289" y="2144923"/>
+            <a:ext cx="3953334" cy="7089566"/>
+          </a:xfrm>
+          <a:custGeom>
+            <a:avLst/>
+            <a:gdLst/>
+            <a:ahLst/>
+            <a:cxnLst/>
+            <a:rect r="r" b="b" t="t" l="l"/>
+            <a:pathLst>
+              <a:path h="7089566" w="3953334">
+                <a:moveTo>
+                  <a:pt x="0" y="0"/>
+                </a:moveTo>
+                <a:lnTo>
+                  <a:pt x="3953334" y="0"/>
+                </a:lnTo>
+                <a:lnTo>
+                  <a:pt x="3953334" y="7089566"/>
+                </a:lnTo>
+                <a:lnTo>
+                  <a:pt x="0" y="7089566"/>
+                </a:lnTo>
+                <a:lnTo>
+                  <a:pt x="0" y="0"/>
+                </a:lnTo>
+                <a:close/>
+              </a:path>
+            </a:pathLst>
+          </a:custGeom>
+          <a:blipFill>
+            <a:blip r:embed="rId2"/>
+            <a:stretch>
+              <a:fillRect l="0" t="0" r="0" b="0"/>
+            </a:stretch>
+          </a:blipFill>
+        </p:spPr>
+      </p:sp>
+      <p:sp>
+        <p:nvSpPr>
+          <p:cNvPr name="Freeform 9" id="9"/>
+          <p:cNvSpPr/>
+          <p:nvPr/>
+        </p:nvSpPr>
+        <p:spPr>
+          <a:xfrm flipH="false" flipV="false" rot="0">
+            <a:off x="2847623" y="2144923"/>
+            <a:ext cx="3959210" cy="7113377"/>
+          </a:xfrm>
+          <a:custGeom>
+            <a:avLst/>
+            <a:gdLst/>
+            <a:ahLst/>
+            <a:cxnLst/>
+            <a:rect r="r" b="b" t="t" l="l"/>
+            <a:pathLst>
+              <a:path h="7113377" w="3959210">
+                <a:moveTo>
+                  <a:pt x="0" y="0"/>
+                </a:moveTo>
+                <a:lnTo>
+                  <a:pt x="3959210" y="0"/>
+                </a:lnTo>
+                <a:lnTo>
+                  <a:pt x="3959210" y="7113377"/>
+                </a:lnTo>
+                <a:lnTo>
+                  <a:pt x="0" y="7113377"/>
+                </a:lnTo>
+                <a:lnTo>
+                  <a:pt x="0" y="0"/>
+                </a:lnTo>
+                <a:close/>
+              </a:path>
+            </a:pathLst>
+          </a:custGeom>
+          <a:blipFill>
+            <a:blip r:embed="rId3"/>
+            <a:stretch>
+              <a:fillRect l="0" t="0" r="0" b="-2378"/>
+            </a:stretch>
+          </a:blipFill>
+        </p:spPr>
+      </p:sp>
+      <p:sp>
+        <p:nvSpPr>
+          <p:cNvPr name="TextBox 10" id="10"/>
+          <p:cNvSpPr txBox="true"/>
+          <p:nvPr/>
+        </p:nvSpPr>
+        <p:spPr>
+          <a:xfrm rot="0">
+            <a:off x="2506630" y="379832"/>
+            <a:ext cx="12704558" cy="895350"/>
+          </a:xfrm>
+          <a:prstGeom prst="rect">
+            <a:avLst/>
+          </a:prstGeom>
+        </p:spPr>
+        <p:txBody>
+          <a:bodyPr anchor="t" rtlCol="false" tIns="0" lIns="0" bIns="0" rIns="0">
+            <a:spAutoFit/>
+          </a:bodyPr>
+          <a:lstStyle/>
+          <a:p>
+            <a:pPr algn="ctr">
+              <a:lnSpc>
+                <a:spcPts val="6300"/>
+              </a:lnSpc>
+            </a:pPr>
+            <a:r>
+              <a:rPr lang="en-US" sz="6000" spc="300">
+                <a:solidFill>
+                  <a:srgbClr val="2B4A9D"/>
+                </a:solidFill>
+                <a:latin typeface="Poppins Ultra-Bold"/>
+              </a:rPr>
+              <a:t>Swipe</a:t>
+            </a:r>
+          </a:p>
+        </p:txBody>
+      </p:sp>
     </p:spTree>
   </p:cSld>
   <p:clrMapOvr>
@@ -4637,7 +7152,7 @@
                 </a:solidFill>
                 <a:latin typeface="Lato Bold"/>
               </a:rPr>
-              <a:t>Swipe para remoção de itens</a:t>
+              <a:t>Swipe</a:t>
             </a:r>
           </a:p>
         </p:txBody>
@@ -4873,7 +7388,7 @@
                 </a:solidFill>
                 <a:latin typeface="Lato Bold"/>
               </a:rPr>
-              <a:t>Drag and Drop (Arrastar e soltar)</a:t>
+              <a:t>Drag and Drop</a:t>
             </a:r>
           </a:p>
         </p:txBody>
@@ -4916,6 +7431,1851 @@
           </a:p>
         </p:txBody>
       </p:sp>
+    </p:spTree>
+  </p:cSld>
+  <p:clrMapOvr>
+    <a:masterClrMapping/>
+  </p:clrMapOvr>
+</p:sld>
+</file>
+
+<file path=ppt/slides/slide20.xml><?xml version="1.0" encoding="utf-8"?>
+<p:sld xmlns:p="http://schemas.openxmlformats.org/presentationml/2006/main" xmlns:a="http://schemas.openxmlformats.org/drawingml/2006/main">
+  <p:cSld>
+    <p:spTree>
+      <p:nvGrpSpPr>
+        <p:cNvPr id="1" name=""/>
+        <p:cNvGrpSpPr/>
+        <p:nvPr/>
+      </p:nvGrpSpPr>
+      <p:grpSpPr>
+        <a:xfrm>
+          <a:off x="0" y="0"/>
+          <a:ext cx="0" cy="0"/>
+          <a:chOff x="0" y="0"/>
+          <a:chExt cx="0" cy="0"/>
+        </a:xfrm>
+      </p:grpSpPr>
+      <p:grpSp>
+        <p:nvGrpSpPr>
+          <p:cNvPr name="Group 2" id="2"/>
+          <p:cNvGrpSpPr/>
+          <p:nvPr/>
+        </p:nvGrpSpPr>
+        <p:grpSpPr>
+          <a:xfrm rot="5400000">
+            <a:off x="-1309" y="1309"/>
+            <a:ext cx="1635964" cy="1633346"/>
+            <a:chOff x="0" y="0"/>
+            <a:chExt cx="6350000" cy="6339840"/>
+          </a:xfrm>
+        </p:grpSpPr>
+        <p:sp>
+          <p:nvSpPr>
+            <p:cNvPr name="Freeform 3" id="3"/>
+            <p:cNvSpPr/>
+            <p:nvPr/>
+          </p:nvSpPr>
+          <p:spPr>
+            <a:xfrm flipH="false" flipV="false" rot="0">
+              <a:off x="0" y="0"/>
+              <a:ext cx="6350000" cy="6339840"/>
+            </a:xfrm>
+            <a:custGeom>
+              <a:avLst/>
+              <a:gdLst/>
+              <a:ahLst/>
+              <a:cxnLst/>
+              <a:rect r="r" b="b" t="t" l="l"/>
+              <a:pathLst>
+                <a:path h="6339840" w="6350000">
+                  <a:moveTo>
+                    <a:pt x="6350000" y="6339840"/>
+                  </a:moveTo>
+                  <a:lnTo>
+                    <a:pt x="0" y="6339840"/>
+                  </a:lnTo>
+                  <a:lnTo>
+                    <a:pt x="0" y="0"/>
+                  </a:lnTo>
+                  <a:lnTo>
+                    <a:pt x="6350000" y="6339840"/>
+                  </a:lnTo>
+                  <a:close/>
+                </a:path>
+              </a:pathLst>
+            </a:custGeom>
+            <a:solidFill>
+              <a:srgbClr val="2B4A9D"/>
+            </a:solidFill>
+          </p:spPr>
+        </p:sp>
+      </p:grpSp>
+      <p:sp>
+        <p:nvSpPr>
+          <p:cNvPr name="TextBox 4" id="4"/>
+          <p:cNvSpPr txBox="true"/>
+          <p:nvPr/>
+        </p:nvSpPr>
+        <p:spPr>
+          <a:xfrm rot="0">
+            <a:off x="2791721" y="379832"/>
+            <a:ext cx="12704558" cy="895350"/>
+          </a:xfrm>
+          <a:prstGeom prst="rect">
+            <a:avLst/>
+          </a:prstGeom>
+        </p:spPr>
+        <p:txBody>
+          <a:bodyPr anchor="t" rtlCol="false" tIns="0" lIns="0" bIns="0" rIns="0">
+            <a:spAutoFit/>
+          </a:bodyPr>
+          <a:lstStyle/>
+          <a:p>
+            <a:pPr algn="ctr">
+              <a:lnSpc>
+                <a:spcPts val="6300"/>
+              </a:lnSpc>
+            </a:pPr>
+            <a:r>
+              <a:rPr lang="en-US" sz="6000" spc="300">
+                <a:solidFill>
+                  <a:srgbClr val="2B4A9D"/>
+                </a:solidFill>
+                <a:latin typeface="Poppins Ultra-Bold"/>
+              </a:rPr>
+              <a:t>Drag and Drop</a:t>
+            </a:r>
+          </a:p>
+        </p:txBody>
+      </p:sp>
+      <p:sp>
+        <p:nvSpPr>
+          <p:cNvPr name="TextBox 5" id="5"/>
+          <p:cNvSpPr txBox="true"/>
+          <p:nvPr/>
+        </p:nvSpPr>
+        <p:spPr>
+          <a:xfrm rot="0">
+            <a:off x="816673" y="1569289"/>
+            <a:ext cx="16442627" cy="7458075"/>
+          </a:xfrm>
+          <a:prstGeom prst="rect">
+            <a:avLst/>
+          </a:prstGeom>
+        </p:spPr>
+        <p:txBody>
+          <a:bodyPr anchor="t" rtlCol="false" tIns="0" lIns="0" bIns="0" rIns="0">
+            <a:spAutoFit/>
+          </a:bodyPr>
+          <a:lstStyle/>
+          <a:p>
+            <a:pPr algn="just" marL="647703" indent="-323852" lvl="1">
+              <a:lnSpc>
+                <a:spcPts val="4200"/>
+              </a:lnSpc>
+              <a:buFont typeface="Arial"/>
+              <a:buChar char="•"/>
+            </a:pPr>
+            <a:r>
+              <a:rPr lang="en-US" sz="3000" spc="300">
+                <a:solidFill>
+                  <a:srgbClr val="000000"/>
+                </a:solidFill>
+                <a:latin typeface="Lato"/>
+              </a:rPr>
+              <a:t>O "drag and drop" (arrastar e soltar) é uma técnica interativa que permite aos usuários arrastar objetos na tela e soltá-los em uma posição específica. Isso pode ser útil em uma variedade de cenários, desde reorganizar elementos em uma lista até criar uma interface de design intuitiva.</a:t>
+            </a:r>
+          </a:p>
+          <a:p>
+            <a:pPr algn="just" marL="647703" indent="-323852" lvl="1">
+              <a:lnSpc>
+                <a:spcPts val="4200"/>
+              </a:lnSpc>
+              <a:buFont typeface="Arial"/>
+              <a:buChar char="•"/>
+            </a:pPr>
+            <a:r>
+              <a:rPr lang="en-US" sz="3000" spc="300">
+                <a:solidFill>
+                  <a:srgbClr val="000000"/>
+                </a:solidFill>
+                <a:latin typeface="Lato"/>
+              </a:rPr>
+              <a:t>Como utilizar:</a:t>
+            </a:r>
+          </a:p>
+          <a:p>
+            <a:pPr algn="just" marL="1295406" indent="-431802" lvl="2">
+              <a:lnSpc>
+                <a:spcPts val="4200"/>
+              </a:lnSpc>
+              <a:buFont typeface="Arial"/>
+              <a:buChar char="⚬"/>
+            </a:pPr>
+            <a:r>
+              <a:rPr lang="en-US" sz="3000" spc="300">
+                <a:solidFill>
+                  <a:srgbClr val="000000"/>
+                </a:solidFill>
+                <a:latin typeface="Lato Semi-Bold"/>
+              </a:rPr>
+              <a:t>GestureDetector</a:t>
+            </a:r>
+            <a:r>
+              <a:rPr lang="en-US" sz="3000" spc="300">
+                <a:solidFill>
+                  <a:srgbClr val="000000"/>
+                </a:solidFill>
+                <a:latin typeface="Lato"/>
+              </a:rPr>
+              <a:t>: Detecta gestos de toque, como arrastar e soltar. Ele oferece callbacks como </a:t>
+            </a:r>
+            <a:r>
+              <a:rPr lang="en-US" sz="3000" spc="300">
+                <a:solidFill>
+                  <a:srgbClr val="000000"/>
+                </a:solidFill>
+                <a:latin typeface="Lato Semi-Bold"/>
+              </a:rPr>
+              <a:t>onPanStart</a:t>
+            </a:r>
+            <a:r>
+              <a:rPr lang="en-US" sz="3000" spc="300">
+                <a:solidFill>
+                  <a:srgbClr val="000000"/>
+                </a:solidFill>
+                <a:latin typeface="Lato"/>
+              </a:rPr>
+              <a:t>, </a:t>
+            </a:r>
+            <a:r>
+              <a:rPr lang="en-US" sz="3000" spc="300">
+                <a:solidFill>
+                  <a:srgbClr val="000000"/>
+                </a:solidFill>
+                <a:latin typeface="Lato Semi-Bold"/>
+              </a:rPr>
+              <a:t>onPanUpdate</a:t>
+            </a:r>
+            <a:r>
+              <a:rPr lang="en-US" sz="3000" spc="300">
+                <a:solidFill>
+                  <a:srgbClr val="000000"/>
+                </a:solidFill>
+                <a:latin typeface="Lato"/>
+              </a:rPr>
+              <a:t>, </a:t>
+            </a:r>
+            <a:r>
+              <a:rPr lang="en-US" sz="3000" spc="300">
+                <a:solidFill>
+                  <a:srgbClr val="000000"/>
+                </a:solidFill>
+                <a:latin typeface="Lato Semi-Bold"/>
+              </a:rPr>
+              <a:t>onPanEnd</a:t>
+            </a:r>
+            <a:r>
+              <a:rPr lang="en-US" sz="3000" spc="300">
+                <a:solidFill>
+                  <a:srgbClr val="000000"/>
+                </a:solidFill>
+                <a:latin typeface="Lato"/>
+              </a:rPr>
+              <a:t> para lidar com eventos de arrastar.</a:t>
+            </a:r>
+          </a:p>
+          <a:p>
+            <a:pPr algn="just" marL="1295406" indent="-431802" lvl="2">
+              <a:lnSpc>
+                <a:spcPts val="4200"/>
+              </a:lnSpc>
+              <a:buFont typeface="Arial"/>
+              <a:buChar char="⚬"/>
+            </a:pPr>
+            <a:r>
+              <a:rPr lang="en-US" sz="3000" spc="300">
+                <a:solidFill>
+                  <a:srgbClr val="000000"/>
+                </a:solidFill>
+                <a:latin typeface="Lato Semi-Bold"/>
+              </a:rPr>
+              <a:t>Draggable</a:t>
+            </a:r>
+            <a:r>
+              <a:rPr lang="en-US" sz="3000" spc="300">
+                <a:solidFill>
+                  <a:srgbClr val="000000"/>
+                </a:solidFill>
+                <a:latin typeface="Lato"/>
+              </a:rPr>
+              <a:t>: Permite que o widget seja arrastado pela tela quando o usuário pressiona e segura.</a:t>
+            </a:r>
+          </a:p>
+          <a:p>
+            <a:pPr algn="just" marL="1295406" indent="-431802" lvl="2">
+              <a:lnSpc>
+                <a:spcPts val="4200"/>
+              </a:lnSpc>
+              <a:buFont typeface="Arial"/>
+              <a:buChar char="⚬"/>
+            </a:pPr>
+            <a:r>
+              <a:rPr lang="en-US" sz="3000" spc="300">
+                <a:solidFill>
+                  <a:srgbClr val="000000"/>
+                </a:solidFill>
+                <a:latin typeface="Lato Semi-Bold"/>
+              </a:rPr>
+              <a:t>DragTarget</a:t>
+            </a:r>
+            <a:r>
+              <a:rPr lang="en-US" sz="3000" spc="300">
+                <a:solidFill>
+                  <a:srgbClr val="000000"/>
+                </a:solidFill>
+                <a:latin typeface="Lato"/>
+              </a:rPr>
+              <a:t>: Envolve o widget de destino com o widget </a:t>
+            </a:r>
+            <a:r>
+              <a:rPr lang="en-US" sz="3000" spc="300">
+                <a:solidFill>
+                  <a:srgbClr val="000000"/>
+                </a:solidFill>
+                <a:latin typeface="Lato Semi-Bold"/>
+              </a:rPr>
+              <a:t>DragTarget</a:t>
+            </a:r>
+            <a:r>
+              <a:rPr lang="en-US" sz="3000" spc="300">
+                <a:solidFill>
+                  <a:srgbClr val="000000"/>
+                </a:solidFill>
+                <a:latin typeface="Lato"/>
+              </a:rPr>
+              <a:t>. Este widget define a área onde os itens arrastados podem ser soltos. Ele fornece callbacks como </a:t>
+            </a:r>
+            <a:r>
+              <a:rPr lang="en-US" sz="3000" spc="300">
+                <a:solidFill>
+                  <a:srgbClr val="000000"/>
+                </a:solidFill>
+                <a:latin typeface="Lato Semi-Bold"/>
+              </a:rPr>
+              <a:t>onWillAccept</a:t>
+            </a:r>
+            <a:r>
+              <a:rPr lang="en-US" sz="3000" spc="300">
+                <a:solidFill>
+                  <a:srgbClr val="000000"/>
+                </a:solidFill>
+                <a:latin typeface="Lato"/>
+              </a:rPr>
+              <a:t> e </a:t>
+            </a:r>
+            <a:r>
+              <a:rPr lang="en-US" sz="3000" spc="300">
+                <a:solidFill>
+                  <a:srgbClr val="000000"/>
+                </a:solidFill>
+                <a:latin typeface="Lato Semi-Bold"/>
+              </a:rPr>
+              <a:t>onAccept</a:t>
+            </a:r>
+            <a:r>
+              <a:rPr lang="en-US" sz="3000" spc="300">
+                <a:solidFill>
+                  <a:srgbClr val="000000"/>
+                </a:solidFill>
+                <a:latin typeface="Lato"/>
+              </a:rPr>
+              <a:t> para lidar com a lógica de aceitação dos itens arrastados.</a:t>
+            </a:r>
+          </a:p>
+        </p:txBody>
+      </p:sp>
+    </p:spTree>
+  </p:cSld>
+  <p:clrMapOvr>
+    <a:masterClrMapping/>
+  </p:clrMapOvr>
+</p:sld>
+</file>
+
+<file path=ppt/slides/slide21.xml><?xml version="1.0" encoding="utf-8"?>
+<p:sld xmlns:p="http://schemas.openxmlformats.org/presentationml/2006/main" xmlns:a="http://schemas.openxmlformats.org/drawingml/2006/main">
+  <p:cSld>
+    <p:spTree>
+      <p:nvGrpSpPr>
+        <p:cNvPr id="1" name=""/>
+        <p:cNvGrpSpPr/>
+        <p:nvPr/>
+      </p:nvGrpSpPr>
+      <p:grpSpPr>
+        <a:xfrm>
+          <a:off x="0" y="0"/>
+          <a:ext cx="0" cy="0"/>
+          <a:chOff x="0" y="0"/>
+          <a:chExt cx="0" cy="0"/>
+        </a:xfrm>
+      </p:grpSpPr>
+      <p:grpSp>
+        <p:nvGrpSpPr>
+          <p:cNvPr name="Group 2" id="2"/>
+          <p:cNvGrpSpPr/>
+          <p:nvPr/>
+        </p:nvGrpSpPr>
+        <p:grpSpPr>
+          <a:xfrm rot="5400000">
+            <a:off x="-1309" y="1309"/>
+            <a:ext cx="1635964" cy="1633346"/>
+            <a:chOff x="0" y="0"/>
+            <a:chExt cx="6350000" cy="6339840"/>
+          </a:xfrm>
+        </p:grpSpPr>
+        <p:sp>
+          <p:nvSpPr>
+            <p:cNvPr name="Freeform 3" id="3"/>
+            <p:cNvSpPr/>
+            <p:nvPr/>
+          </p:nvSpPr>
+          <p:spPr>
+            <a:xfrm flipH="false" flipV="false" rot="0">
+              <a:off x="0" y="0"/>
+              <a:ext cx="6350000" cy="6339840"/>
+            </a:xfrm>
+            <a:custGeom>
+              <a:avLst/>
+              <a:gdLst/>
+              <a:ahLst/>
+              <a:cxnLst/>
+              <a:rect r="r" b="b" t="t" l="l"/>
+              <a:pathLst>
+                <a:path h="6339840" w="6350000">
+                  <a:moveTo>
+                    <a:pt x="6350000" y="6339840"/>
+                  </a:moveTo>
+                  <a:lnTo>
+                    <a:pt x="0" y="6339840"/>
+                  </a:lnTo>
+                  <a:lnTo>
+                    <a:pt x="0" y="0"/>
+                  </a:lnTo>
+                  <a:lnTo>
+                    <a:pt x="6350000" y="6339840"/>
+                  </a:lnTo>
+                  <a:close/>
+                </a:path>
+              </a:pathLst>
+            </a:custGeom>
+            <a:solidFill>
+              <a:srgbClr val="2B4A9D"/>
+            </a:solidFill>
+          </p:spPr>
+        </p:sp>
+      </p:grpSp>
+      <p:sp>
+        <p:nvSpPr>
+          <p:cNvPr name="TextBox 4" id="4"/>
+          <p:cNvSpPr txBox="true"/>
+          <p:nvPr/>
+        </p:nvSpPr>
+        <p:spPr>
+          <a:xfrm rot="0">
+            <a:off x="2791721" y="379832"/>
+            <a:ext cx="12704558" cy="895350"/>
+          </a:xfrm>
+          <a:prstGeom prst="rect">
+            <a:avLst/>
+          </a:prstGeom>
+        </p:spPr>
+        <p:txBody>
+          <a:bodyPr anchor="t" rtlCol="false" tIns="0" lIns="0" bIns="0" rIns="0">
+            <a:spAutoFit/>
+          </a:bodyPr>
+          <a:lstStyle/>
+          <a:p>
+            <a:pPr algn="ctr">
+              <a:lnSpc>
+                <a:spcPts val="6300"/>
+              </a:lnSpc>
+            </a:pPr>
+            <a:r>
+              <a:rPr lang="en-US" sz="6000" spc="300">
+                <a:solidFill>
+                  <a:srgbClr val="2B4A9D"/>
+                </a:solidFill>
+                <a:latin typeface="Poppins Ultra-Bold"/>
+              </a:rPr>
+              <a:t>Drag and Drop</a:t>
+            </a:r>
+          </a:p>
+        </p:txBody>
+      </p:sp>
+      <p:sp>
+        <p:nvSpPr>
+          <p:cNvPr name="TextBox 5" id="5"/>
+          <p:cNvSpPr txBox="true"/>
+          <p:nvPr/>
+        </p:nvSpPr>
+        <p:spPr>
+          <a:xfrm rot="0">
+            <a:off x="816673" y="2020683"/>
+            <a:ext cx="16442627" cy="5857875"/>
+          </a:xfrm>
+          <a:prstGeom prst="rect">
+            <a:avLst/>
+          </a:prstGeom>
+        </p:spPr>
+        <p:txBody>
+          <a:bodyPr anchor="t" rtlCol="false" tIns="0" lIns="0" bIns="0" rIns="0">
+            <a:spAutoFit/>
+          </a:bodyPr>
+          <a:lstStyle/>
+          <a:p>
+            <a:pPr algn="just" marL="1295406" indent="-431802" lvl="2">
+              <a:lnSpc>
+                <a:spcPts val="4200"/>
+              </a:lnSpc>
+              <a:buFont typeface="Arial"/>
+              <a:buChar char="⚬"/>
+            </a:pPr>
+            <a:r>
+              <a:rPr lang="en-US" sz="3000" spc="300">
+                <a:solidFill>
+                  <a:srgbClr val="000000"/>
+                </a:solidFill>
+                <a:latin typeface="Lato Semi-Bold"/>
+              </a:rPr>
+              <a:t>Data</a:t>
+            </a:r>
+            <a:r>
+              <a:rPr lang="en-US" sz="3000" spc="300">
+                <a:solidFill>
+                  <a:srgbClr val="000000"/>
+                </a:solidFill>
+                <a:latin typeface="Lato"/>
+              </a:rPr>
+              <a:t>: Ao usar </a:t>
+            </a:r>
+            <a:r>
+              <a:rPr lang="en-US" sz="3000" spc="300">
+                <a:solidFill>
+                  <a:srgbClr val="000000"/>
+                </a:solidFill>
+                <a:latin typeface="Lato Semi-Bold"/>
+              </a:rPr>
+              <a:t>Draggable</a:t>
+            </a:r>
+            <a:r>
+              <a:rPr lang="en-US" sz="3000" spc="300">
+                <a:solidFill>
+                  <a:srgbClr val="000000"/>
+                </a:solidFill>
+                <a:latin typeface="Lato"/>
+              </a:rPr>
+              <a:t>, é possível passar um objeto de dados associado ao item arrastado usando a propriedade </a:t>
+            </a:r>
+            <a:r>
+              <a:rPr lang="en-US" sz="3000" spc="300">
+                <a:solidFill>
+                  <a:srgbClr val="000000"/>
+                </a:solidFill>
+                <a:latin typeface="Lato Semi-Bold"/>
+              </a:rPr>
+              <a:t>data</a:t>
+            </a:r>
+            <a:r>
+              <a:rPr lang="en-US" sz="3000" spc="300">
+                <a:solidFill>
+                  <a:srgbClr val="000000"/>
+                </a:solidFill>
+                <a:latin typeface="Lato"/>
+              </a:rPr>
+              <a:t>. Este objeto pode conter informações relevantes sobre o item sendo arrastado.</a:t>
+            </a:r>
+          </a:p>
+          <a:p>
+            <a:pPr algn="just" marL="1295406" indent="-431802" lvl="2">
+              <a:lnSpc>
+                <a:spcPts val="4200"/>
+              </a:lnSpc>
+              <a:buFont typeface="Arial"/>
+              <a:buChar char="⚬"/>
+            </a:pPr>
+            <a:r>
+              <a:rPr lang="en-US" sz="3000" spc="300">
+                <a:solidFill>
+                  <a:srgbClr val="000000"/>
+                </a:solidFill>
+                <a:latin typeface="Lato Semi-Bold"/>
+              </a:rPr>
+              <a:t>Feedback durante o arrasto</a:t>
+            </a:r>
+            <a:r>
+              <a:rPr lang="en-US" sz="3000" spc="300">
+                <a:solidFill>
+                  <a:srgbClr val="000000"/>
+                </a:solidFill>
+                <a:latin typeface="Lato"/>
+              </a:rPr>
+              <a:t>: Durante o arrasto de um item, é possível fornecer feedback visual ao usuário para indicar que o item está sendo arrastado. Isso geralmente é feito definindo a propriedade </a:t>
+            </a:r>
+            <a:r>
+              <a:rPr lang="en-US" sz="3000" spc="300">
+                <a:solidFill>
+                  <a:srgbClr val="000000"/>
+                </a:solidFill>
+                <a:latin typeface="Lato Semi-Bold"/>
+              </a:rPr>
+              <a:t>feedback</a:t>
+            </a:r>
+            <a:r>
+              <a:rPr lang="en-US" sz="3000" spc="300">
+                <a:solidFill>
+                  <a:srgbClr val="000000"/>
+                </a:solidFill>
+                <a:latin typeface="Lato"/>
+              </a:rPr>
+              <a:t> em </a:t>
+            </a:r>
+            <a:r>
+              <a:rPr lang="en-US" sz="3000" spc="300">
+                <a:solidFill>
+                  <a:srgbClr val="000000"/>
+                </a:solidFill>
+                <a:latin typeface="Lato Semi-Bold"/>
+              </a:rPr>
+              <a:t>Draggable</a:t>
+            </a:r>
+            <a:r>
+              <a:rPr lang="en-US" sz="3000" spc="300">
+                <a:solidFill>
+                  <a:srgbClr val="000000"/>
+                </a:solidFill>
+                <a:latin typeface="Lato"/>
+              </a:rPr>
+              <a:t>.</a:t>
+            </a:r>
+          </a:p>
+          <a:p>
+            <a:pPr algn="just" marL="1295406" indent="-431802" lvl="2">
+              <a:lnSpc>
+                <a:spcPts val="4200"/>
+              </a:lnSpc>
+              <a:buFont typeface="Arial"/>
+              <a:buChar char="⚬"/>
+            </a:pPr>
+            <a:r>
+              <a:rPr lang="en-US" sz="3000" spc="300">
+                <a:solidFill>
+                  <a:srgbClr val="000000"/>
+                </a:solidFill>
+                <a:latin typeface="Lato Semi-Bold"/>
+              </a:rPr>
+              <a:t>Controle de estado</a:t>
+            </a:r>
+            <a:r>
+              <a:rPr lang="en-US" sz="3000" spc="300">
+                <a:solidFill>
+                  <a:srgbClr val="000000"/>
+                </a:solidFill>
+                <a:latin typeface="Lato"/>
+              </a:rPr>
+              <a:t>: Use o </a:t>
+            </a:r>
+            <a:r>
+              <a:rPr lang="en-US" sz="3000" spc="300">
+                <a:solidFill>
+                  <a:srgbClr val="000000"/>
+                </a:solidFill>
+                <a:latin typeface="Lato Semi-Bold"/>
+              </a:rPr>
+              <a:t>StatefulWidget</a:t>
+            </a:r>
+            <a:r>
+              <a:rPr lang="en-US" sz="3000" spc="300">
+                <a:solidFill>
+                  <a:srgbClr val="000000"/>
+                </a:solidFill>
+                <a:latin typeface="Lato"/>
+              </a:rPr>
+              <a:t> para controlar o estado dos itens sendo arrastados e do destino do arrastar e soltar. Isso geralmente envolve atualizar o estado quando os itens são arrastados ou soltos e refletir essas mudanças na interface do usuário.</a:t>
+            </a:r>
+          </a:p>
+        </p:txBody>
+      </p:sp>
+    </p:spTree>
+  </p:cSld>
+  <p:clrMapOvr>
+    <a:masterClrMapping/>
+  </p:clrMapOvr>
+</p:sld>
+</file>
+
+<file path=ppt/slides/slide22.xml><?xml version="1.0" encoding="utf-8"?>
+<p:sld xmlns:p="http://schemas.openxmlformats.org/presentationml/2006/main" xmlns:a="http://schemas.openxmlformats.org/drawingml/2006/main" xmlns:r="http://schemas.openxmlformats.org/officeDocument/2006/relationships">
+  <p:cSld>
+    <p:spTree>
+      <p:nvGrpSpPr>
+        <p:cNvPr id="1" name=""/>
+        <p:cNvGrpSpPr/>
+        <p:nvPr/>
+      </p:nvGrpSpPr>
+      <p:grpSpPr>
+        <a:xfrm>
+          <a:off x="0" y="0"/>
+          <a:ext cx="0" cy="0"/>
+          <a:chOff x="0" y="0"/>
+          <a:chExt cx="0" cy="0"/>
+        </a:xfrm>
+      </p:grpSpPr>
+      <p:grpSp>
+        <p:nvGrpSpPr>
+          <p:cNvPr name="Group 2" id="2"/>
+          <p:cNvGrpSpPr/>
+          <p:nvPr/>
+        </p:nvGrpSpPr>
+        <p:grpSpPr>
+          <a:xfrm rot="5400000">
+            <a:off x="-1309" y="1309"/>
+            <a:ext cx="1635964" cy="1633346"/>
+            <a:chOff x="0" y="0"/>
+            <a:chExt cx="6350000" cy="6339840"/>
+          </a:xfrm>
+        </p:grpSpPr>
+        <p:sp>
+          <p:nvSpPr>
+            <p:cNvPr name="Freeform 3" id="3"/>
+            <p:cNvSpPr/>
+            <p:nvPr/>
+          </p:nvSpPr>
+          <p:spPr>
+            <a:xfrm flipH="false" flipV="false" rot="0">
+              <a:off x="0" y="0"/>
+              <a:ext cx="6350000" cy="6339840"/>
+            </a:xfrm>
+            <a:custGeom>
+              <a:avLst/>
+              <a:gdLst/>
+              <a:ahLst/>
+              <a:cxnLst/>
+              <a:rect r="r" b="b" t="t" l="l"/>
+              <a:pathLst>
+                <a:path h="6339840" w="6350000">
+                  <a:moveTo>
+                    <a:pt x="6350000" y="6339840"/>
+                  </a:moveTo>
+                  <a:lnTo>
+                    <a:pt x="0" y="6339840"/>
+                  </a:lnTo>
+                  <a:lnTo>
+                    <a:pt x="0" y="0"/>
+                  </a:lnTo>
+                  <a:lnTo>
+                    <a:pt x="6350000" y="6339840"/>
+                  </a:lnTo>
+                  <a:close/>
+                </a:path>
+              </a:pathLst>
+            </a:custGeom>
+            <a:solidFill>
+              <a:srgbClr val="2B4A9D"/>
+            </a:solidFill>
+          </p:spPr>
+        </p:sp>
+      </p:grpSp>
+      <p:sp>
+        <p:nvSpPr>
+          <p:cNvPr name="Freeform 4" id="4"/>
+          <p:cNvSpPr/>
+          <p:nvPr/>
+        </p:nvSpPr>
+        <p:spPr>
+          <a:xfrm flipH="false" flipV="false" rot="0">
+            <a:off x="10665606" y="3412693"/>
+            <a:ext cx="6593694" cy="5404420"/>
+          </a:xfrm>
+          <a:custGeom>
+            <a:avLst/>
+            <a:gdLst/>
+            <a:ahLst/>
+            <a:cxnLst/>
+            <a:rect r="r" b="b" t="t" l="l"/>
+            <a:pathLst>
+              <a:path h="5404420" w="6593694">
+                <a:moveTo>
+                  <a:pt x="0" y="0"/>
+                </a:moveTo>
+                <a:lnTo>
+                  <a:pt x="6593694" y="0"/>
+                </a:lnTo>
+                <a:lnTo>
+                  <a:pt x="6593694" y="5404421"/>
+                </a:lnTo>
+                <a:lnTo>
+                  <a:pt x="0" y="5404421"/>
+                </a:lnTo>
+                <a:lnTo>
+                  <a:pt x="0" y="0"/>
+                </a:lnTo>
+                <a:close/>
+              </a:path>
+            </a:pathLst>
+          </a:custGeom>
+          <a:blipFill>
+            <a:blip r:embed="rId2"/>
+            <a:stretch>
+              <a:fillRect l="0" t="0" r="0" b="0"/>
+            </a:stretch>
+          </a:blipFill>
+        </p:spPr>
+      </p:sp>
+      <p:sp>
+        <p:nvSpPr>
+          <p:cNvPr name="TextBox 5" id="5"/>
+          <p:cNvSpPr txBox="true"/>
+          <p:nvPr/>
+        </p:nvSpPr>
+        <p:spPr>
+          <a:xfrm rot="0">
+            <a:off x="2791721" y="379832"/>
+            <a:ext cx="12704558" cy="895350"/>
+          </a:xfrm>
+          <a:prstGeom prst="rect">
+            <a:avLst/>
+          </a:prstGeom>
+        </p:spPr>
+        <p:txBody>
+          <a:bodyPr anchor="t" rtlCol="false" tIns="0" lIns="0" bIns="0" rIns="0">
+            <a:spAutoFit/>
+          </a:bodyPr>
+          <a:lstStyle/>
+          <a:p>
+            <a:pPr algn="ctr">
+              <a:lnSpc>
+                <a:spcPts val="6300"/>
+              </a:lnSpc>
+            </a:pPr>
+            <a:r>
+              <a:rPr lang="en-US" sz="6000" spc="300">
+                <a:solidFill>
+                  <a:srgbClr val="2B4A9D"/>
+                </a:solidFill>
+                <a:latin typeface="Poppins Ultra-Bold"/>
+              </a:rPr>
+              <a:t>Drag and Drop</a:t>
+            </a:r>
+          </a:p>
+        </p:txBody>
+      </p:sp>
+      <p:sp>
+        <p:nvSpPr>
+          <p:cNvPr name="TextBox 6" id="6"/>
+          <p:cNvSpPr txBox="true"/>
+          <p:nvPr/>
+        </p:nvSpPr>
+        <p:spPr>
+          <a:xfrm rot="0">
+            <a:off x="816673" y="1578814"/>
+            <a:ext cx="16442627" cy="1526540"/>
+          </a:xfrm>
+          <a:prstGeom prst="rect">
+            <a:avLst/>
+          </a:prstGeom>
+        </p:spPr>
+        <p:txBody>
+          <a:bodyPr anchor="t" rtlCol="false" tIns="0" lIns="0" bIns="0" rIns="0">
+            <a:spAutoFit/>
+          </a:bodyPr>
+          <a:lstStyle/>
+          <a:p>
+            <a:pPr algn="just" marL="626114" indent="-313057" lvl="1">
+              <a:lnSpc>
+                <a:spcPts val="4060"/>
+              </a:lnSpc>
+              <a:buFont typeface="Arial"/>
+              <a:buChar char="•"/>
+            </a:pPr>
+            <a:r>
+              <a:rPr lang="en-US" sz="2900" spc="290">
+                <a:solidFill>
+                  <a:srgbClr val="000000"/>
+                </a:solidFill>
+                <a:latin typeface="Lato"/>
+              </a:rPr>
+              <a:t>No exemplo </a:t>
+            </a:r>
+            <a:r>
+              <a:rPr lang="en-US" sz="2900" spc="290">
+                <a:solidFill>
+                  <a:srgbClr val="000000"/>
+                </a:solidFill>
+                <a:latin typeface="Lato Bold"/>
+              </a:rPr>
+              <a:t>DragAndDrop.dart</a:t>
+            </a:r>
+            <a:r>
+              <a:rPr lang="en-US" sz="2900" spc="290">
+                <a:solidFill>
+                  <a:srgbClr val="000000"/>
+                </a:solidFill>
+                <a:latin typeface="Lato"/>
+              </a:rPr>
+              <a:t>, temos uma interface onde o usuário pode arrastar itens coloridos para uma área de destino. Quando um item é solto na área de destino, a cor desse item é exibida nessa área.</a:t>
+            </a:r>
+          </a:p>
+        </p:txBody>
+      </p:sp>
+      <p:sp>
+        <p:nvSpPr>
+          <p:cNvPr name="TextBox 7" id="7"/>
+          <p:cNvSpPr txBox="true"/>
+          <p:nvPr/>
+        </p:nvSpPr>
+        <p:spPr>
+          <a:xfrm rot="0">
+            <a:off x="816673" y="3346018"/>
+            <a:ext cx="9434138" cy="1976754"/>
+          </a:xfrm>
+          <a:prstGeom prst="rect">
+            <a:avLst/>
+          </a:prstGeom>
+        </p:spPr>
+        <p:txBody>
+          <a:bodyPr anchor="t" rtlCol="false" tIns="0" lIns="0" bIns="0" rIns="0">
+            <a:spAutoFit/>
+          </a:bodyPr>
+          <a:lstStyle/>
+          <a:p>
+            <a:pPr algn="just" marL="604524" indent="-302262" lvl="1">
+              <a:lnSpc>
+                <a:spcPts val="3920"/>
+              </a:lnSpc>
+              <a:buFont typeface="Arial"/>
+              <a:buChar char="•"/>
+            </a:pPr>
+            <a:r>
+              <a:rPr lang="en-US" sz="2800" spc="280">
+                <a:solidFill>
+                  <a:srgbClr val="000000"/>
+                </a:solidFill>
+                <a:latin typeface="Lato"/>
+              </a:rPr>
+              <a:t>Cada </a:t>
+            </a:r>
+            <a:r>
+              <a:rPr lang="en-US" sz="2800" spc="280">
+                <a:solidFill>
+                  <a:srgbClr val="000000"/>
+                </a:solidFill>
+                <a:latin typeface="Lato Bold"/>
+              </a:rPr>
+              <a:t>Draggable</a:t>
+            </a:r>
+            <a:r>
+              <a:rPr lang="en-US" sz="2800" spc="280">
+                <a:solidFill>
+                  <a:srgbClr val="000000"/>
+                </a:solidFill>
+                <a:latin typeface="Lato"/>
+              </a:rPr>
+              <a:t> representa um item arrastável com uma cor específica. Eles têm um child que é exibido normalmente e um </a:t>
+            </a:r>
+            <a:r>
+              <a:rPr lang="en-US" sz="2800" spc="280">
+                <a:solidFill>
+                  <a:srgbClr val="000000"/>
+                </a:solidFill>
+                <a:latin typeface="Lato Bold"/>
+              </a:rPr>
+              <a:t>feedback</a:t>
+            </a:r>
+            <a:r>
+              <a:rPr lang="en-US" sz="2800" spc="280">
+                <a:solidFill>
+                  <a:srgbClr val="000000"/>
+                </a:solidFill>
+                <a:latin typeface="Lato"/>
+              </a:rPr>
+              <a:t> que é exibido durante o arrasto.</a:t>
+            </a:r>
+          </a:p>
+        </p:txBody>
+      </p:sp>
+    </p:spTree>
+  </p:cSld>
+  <p:clrMapOvr>
+    <a:masterClrMapping/>
+  </p:clrMapOvr>
+</p:sld>
+</file>
+
+<file path=ppt/slides/slide23.xml><?xml version="1.0" encoding="utf-8"?>
+<p:sld xmlns:p="http://schemas.openxmlformats.org/presentationml/2006/main" xmlns:a="http://schemas.openxmlformats.org/drawingml/2006/main" xmlns:r="http://schemas.openxmlformats.org/officeDocument/2006/relationships">
+  <p:cSld>
+    <p:spTree>
+      <p:nvGrpSpPr>
+        <p:cNvPr id="1" name=""/>
+        <p:cNvGrpSpPr/>
+        <p:nvPr/>
+      </p:nvGrpSpPr>
+      <p:grpSpPr>
+        <a:xfrm>
+          <a:off x="0" y="0"/>
+          <a:ext cx="0" cy="0"/>
+          <a:chOff x="0" y="0"/>
+          <a:chExt cx="0" cy="0"/>
+        </a:xfrm>
+      </p:grpSpPr>
+      <p:grpSp>
+        <p:nvGrpSpPr>
+          <p:cNvPr name="Group 2" id="2"/>
+          <p:cNvGrpSpPr/>
+          <p:nvPr/>
+        </p:nvGrpSpPr>
+        <p:grpSpPr>
+          <a:xfrm rot="5400000">
+            <a:off x="-1309" y="1309"/>
+            <a:ext cx="1635964" cy="1633346"/>
+            <a:chOff x="0" y="0"/>
+            <a:chExt cx="6350000" cy="6339840"/>
+          </a:xfrm>
+        </p:grpSpPr>
+        <p:sp>
+          <p:nvSpPr>
+            <p:cNvPr name="Freeform 3" id="3"/>
+            <p:cNvSpPr/>
+            <p:nvPr/>
+          </p:nvSpPr>
+          <p:spPr>
+            <a:xfrm flipH="false" flipV="false" rot="0">
+              <a:off x="0" y="0"/>
+              <a:ext cx="6350000" cy="6339840"/>
+            </a:xfrm>
+            <a:custGeom>
+              <a:avLst/>
+              <a:gdLst/>
+              <a:ahLst/>
+              <a:cxnLst/>
+              <a:rect r="r" b="b" t="t" l="l"/>
+              <a:pathLst>
+                <a:path h="6339840" w="6350000">
+                  <a:moveTo>
+                    <a:pt x="6350000" y="6339840"/>
+                  </a:moveTo>
+                  <a:lnTo>
+                    <a:pt x="0" y="6339840"/>
+                  </a:lnTo>
+                  <a:lnTo>
+                    <a:pt x="0" y="0"/>
+                  </a:lnTo>
+                  <a:lnTo>
+                    <a:pt x="6350000" y="6339840"/>
+                  </a:lnTo>
+                  <a:close/>
+                </a:path>
+              </a:pathLst>
+            </a:custGeom>
+            <a:solidFill>
+              <a:srgbClr val="2B4A9D"/>
+            </a:solidFill>
+          </p:spPr>
+        </p:sp>
+      </p:grpSp>
+      <p:sp>
+        <p:nvSpPr>
+          <p:cNvPr name="Freeform 4" id="4"/>
+          <p:cNvSpPr/>
+          <p:nvPr/>
+        </p:nvSpPr>
+        <p:spPr>
+          <a:xfrm flipH="false" flipV="false" rot="0">
+            <a:off x="8096991" y="3390316"/>
+            <a:ext cx="9847419" cy="5486419"/>
+          </a:xfrm>
+          <a:custGeom>
+            <a:avLst/>
+            <a:gdLst/>
+            <a:ahLst/>
+            <a:cxnLst/>
+            <a:rect r="r" b="b" t="t" l="l"/>
+            <a:pathLst>
+              <a:path h="5486419" w="9847419">
+                <a:moveTo>
+                  <a:pt x="0" y="0"/>
+                </a:moveTo>
+                <a:lnTo>
+                  <a:pt x="9847420" y="0"/>
+                </a:lnTo>
+                <a:lnTo>
+                  <a:pt x="9847420" y="5486419"/>
+                </a:lnTo>
+                <a:lnTo>
+                  <a:pt x="0" y="5486419"/>
+                </a:lnTo>
+                <a:lnTo>
+                  <a:pt x="0" y="0"/>
+                </a:lnTo>
+                <a:close/>
+              </a:path>
+            </a:pathLst>
+          </a:custGeom>
+          <a:blipFill>
+            <a:blip r:embed="rId2"/>
+            <a:stretch>
+              <a:fillRect l="0" t="0" r="0" b="0"/>
+            </a:stretch>
+          </a:blipFill>
+        </p:spPr>
+      </p:sp>
+      <p:sp>
+        <p:nvSpPr>
+          <p:cNvPr name="TextBox 5" id="5"/>
+          <p:cNvSpPr txBox="true"/>
+          <p:nvPr/>
+        </p:nvSpPr>
+        <p:spPr>
+          <a:xfrm rot="0">
+            <a:off x="2791721" y="379832"/>
+            <a:ext cx="12704558" cy="895350"/>
+          </a:xfrm>
+          <a:prstGeom prst="rect">
+            <a:avLst/>
+          </a:prstGeom>
+        </p:spPr>
+        <p:txBody>
+          <a:bodyPr anchor="t" rtlCol="false" tIns="0" lIns="0" bIns="0" rIns="0">
+            <a:spAutoFit/>
+          </a:bodyPr>
+          <a:lstStyle/>
+          <a:p>
+            <a:pPr algn="ctr">
+              <a:lnSpc>
+                <a:spcPts val="6300"/>
+              </a:lnSpc>
+            </a:pPr>
+            <a:r>
+              <a:rPr lang="en-US" sz="6000" spc="300">
+                <a:solidFill>
+                  <a:srgbClr val="2B4A9D"/>
+                </a:solidFill>
+                <a:latin typeface="Poppins Ultra-Bold"/>
+              </a:rPr>
+              <a:t>Drag and Drop</a:t>
+            </a:r>
+          </a:p>
+        </p:txBody>
+      </p:sp>
+      <p:sp>
+        <p:nvSpPr>
+          <p:cNvPr name="TextBox 6" id="6"/>
+          <p:cNvSpPr txBox="true"/>
+          <p:nvPr/>
+        </p:nvSpPr>
+        <p:spPr>
+          <a:xfrm rot="0">
+            <a:off x="175218" y="3333166"/>
+            <a:ext cx="7794864" cy="4274819"/>
+          </a:xfrm>
+          <a:prstGeom prst="rect">
+            <a:avLst/>
+          </a:prstGeom>
+        </p:spPr>
+        <p:txBody>
+          <a:bodyPr anchor="t" rtlCol="false" tIns="0" lIns="0" bIns="0" rIns="0">
+            <a:spAutoFit/>
+          </a:bodyPr>
+          <a:lstStyle/>
+          <a:p>
+            <a:pPr algn="just" marL="1165870" indent="-388623" lvl="2">
+              <a:lnSpc>
+                <a:spcPts val="3780"/>
+              </a:lnSpc>
+              <a:buFont typeface="Arial"/>
+              <a:buChar char="⚬"/>
+            </a:pPr>
+            <a:r>
+              <a:rPr lang="en-US" sz="2700" spc="270">
+                <a:solidFill>
+                  <a:srgbClr val="000000"/>
+                </a:solidFill>
+                <a:latin typeface="Lato Bold"/>
+              </a:rPr>
+              <a:t>onAccept</a:t>
+            </a:r>
+            <a:r>
+              <a:rPr lang="en-US" sz="2700" spc="270">
+                <a:solidFill>
+                  <a:srgbClr val="000000"/>
+                </a:solidFill>
+                <a:latin typeface="Lato"/>
+              </a:rPr>
+              <a:t>: Atualiza o estado caughtColor com a cor do item arrastado e solto.</a:t>
+            </a:r>
+          </a:p>
+          <a:p>
+            <a:pPr algn="just" marL="1165870" indent="-388623" lvl="2">
+              <a:lnSpc>
+                <a:spcPts val="3780"/>
+              </a:lnSpc>
+              <a:buFont typeface="Arial"/>
+              <a:buChar char="⚬"/>
+            </a:pPr>
+            <a:r>
+              <a:rPr lang="en-US" sz="2700" spc="270">
+                <a:solidFill>
+                  <a:srgbClr val="000000"/>
+                </a:solidFill>
+                <a:latin typeface="Lato Bold"/>
+              </a:rPr>
+              <a:t>builder</a:t>
+            </a:r>
+            <a:r>
+              <a:rPr lang="en-US" sz="2700" spc="270">
+                <a:solidFill>
+                  <a:srgbClr val="000000"/>
+                </a:solidFill>
+                <a:latin typeface="Lato"/>
+              </a:rPr>
+              <a:t>: Constrói a interface do alvo. Se não houver itens arrastáveis aceitos, o alvo exibirá o texto "Arraste aqui!". Caso contrário, exibirá o texto "Solte para colorir!".</a:t>
+            </a:r>
+          </a:p>
+        </p:txBody>
+      </p:sp>
+      <p:sp>
+        <p:nvSpPr>
+          <p:cNvPr name="TextBox 7" id="7"/>
+          <p:cNvSpPr txBox="true"/>
+          <p:nvPr/>
+        </p:nvSpPr>
+        <p:spPr>
+          <a:xfrm rot="0">
+            <a:off x="341521" y="1739075"/>
+            <a:ext cx="16917779" cy="1481454"/>
+          </a:xfrm>
+          <a:prstGeom prst="rect">
+            <a:avLst/>
+          </a:prstGeom>
+        </p:spPr>
+        <p:txBody>
+          <a:bodyPr anchor="t" rtlCol="false" tIns="0" lIns="0" bIns="0" rIns="0">
+            <a:spAutoFit/>
+          </a:bodyPr>
+          <a:lstStyle/>
+          <a:p>
+            <a:pPr algn="just" marL="604524" indent="-302262" lvl="1">
+              <a:lnSpc>
+                <a:spcPts val="3920"/>
+              </a:lnSpc>
+              <a:buFont typeface="Arial"/>
+              <a:buChar char="•"/>
+            </a:pPr>
+            <a:r>
+              <a:rPr lang="en-US" sz="2800" spc="280">
+                <a:solidFill>
+                  <a:srgbClr val="000000"/>
+                </a:solidFill>
+                <a:latin typeface="Lato Bold"/>
+              </a:rPr>
+              <a:t>DragTarget</a:t>
+            </a:r>
+            <a:r>
+              <a:rPr lang="en-US" sz="2800" spc="280">
+                <a:solidFill>
+                  <a:srgbClr val="000000"/>
+                </a:solidFill>
+                <a:latin typeface="Lato"/>
+              </a:rPr>
+              <a:t>: É o widget que define a área onde os itens arrastáveis podem ser soltos. Ele tem um callback onAccept que é chamado quando um item é solto com sucesso no alvo. Ele também tem um builder que é usado para construir a interface do alvo.</a:t>
+            </a:r>
+          </a:p>
+        </p:txBody>
+      </p:sp>
+    </p:spTree>
+  </p:cSld>
+  <p:clrMapOvr>
+    <a:masterClrMapping/>
+  </p:clrMapOvr>
+</p:sld>
+</file>
+
+<file path=ppt/slides/slide24.xml><?xml version="1.0" encoding="utf-8"?>
+<p:sld xmlns:p="http://schemas.openxmlformats.org/presentationml/2006/main" xmlns:a="http://schemas.openxmlformats.org/drawingml/2006/main" xmlns:r="http://schemas.openxmlformats.org/officeDocument/2006/relationships">
+  <p:cSld>
+    <p:spTree>
+      <p:nvGrpSpPr>
+        <p:cNvPr id="1" name=""/>
+        <p:cNvGrpSpPr/>
+        <p:nvPr/>
+      </p:nvGrpSpPr>
+      <p:grpSpPr>
+        <a:xfrm>
+          <a:off x="0" y="0"/>
+          <a:ext cx="0" cy="0"/>
+          <a:chOff x="0" y="0"/>
+          <a:chExt cx="0" cy="0"/>
+        </a:xfrm>
+      </p:grpSpPr>
+      <p:grpSp>
+        <p:nvGrpSpPr>
+          <p:cNvPr name="Group 2" id="2"/>
+          <p:cNvGrpSpPr/>
+          <p:nvPr/>
+        </p:nvGrpSpPr>
+        <p:grpSpPr>
+          <a:xfrm rot="5400000">
+            <a:off x="-1309" y="1309"/>
+            <a:ext cx="1635964" cy="1633346"/>
+            <a:chOff x="0" y="0"/>
+            <a:chExt cx="6350000" cy="6339840"/>
+          </a:xfrm>
+        </p:grpSpPr>
+        <p:sp>
+          <p:nvSpPr>
+            <p:cNvPr name="Freeform 3" id="3"/>
+            <p:cNvSpPr/>
+            <p:nvPr/>
+          </p:nvSpPr>
+          <p:spPr>
+            <a:xfrm flipH="false" flipV="false" rot="0">
+              <a:off x="0" y="0"/>
+              <a:ext cx="6350000" cy="6339840"/>
+            </a:xfrm>
+            <a:custGeom>
+              <a:avLst/>
+              <a:gdLst/>
+              <a:ahLst/>
+              <a:cxnLst/>
+              <a:rect r="r" b="b" t="t" l="l"/>
+              <a:pathLst>
+                <a:path h="6339840" w="6350000">
+                  <a:moveTo>
+                    <a:pt x="6350000" y="6339840"/>
+                  </a:moveTo>
+                  <a:lnTo>
+                    <a:pt x="0" y="6339840"/>
+                  </a:lnTo>
+                  <a:lnTo>
+                    <a:pt x="0" y="0"/>
+                  </a:lnTo>
+                  <a:lnTo>
+                    <a:pt x="6350000" y="6339840"/>
+                  </a:lnTo>
+                  <a:close/>
+                </a:path>
+              </a:pathLst>
+            </a:custGeom>
+            <a:solidFill>
+              <a:srgbClr val="2B4A9D"/>
+            </a:solidFill>
+          </p:spPr>
+        </p:sp>
+      </p:grpSp>
+      <p:sp>
+        <p:nvSpPr>
+          <p:cNvPr name="Freeform 4" id="4"/>
+          <p:cNvSpPr/>
+          <p:nvPr/>
+        </p:nvSpPr>
+        <p:spPr>
+          <a:xfrm flipH="false" flipV="false" rot="0">
+            <a:off x="816673" y="2570141"/>
+            <a:ext cx="3463234" cy="6225323"/>
+          </a:xfrm>
+          <a:custGeom>
+            <a:avLst/>
+            <a:gdLst/>
+            <a:ahLst/>
+            <a:cxnLst/>
+            <a:rect r="r" b="b" t="t" l="l"/>
+            <a:pathLst>
+              <a:path h="6225323" w="3463234">
+                <a:moveTo>
+                  <a:pt x="0" y="0"/>
+                </a:moveTo>
+                <a:lnTo>
+                  <a:pt x="3463235" y="0"/>
+                </a:lnTo>
+                <a:lnTo>
+                  <a:pt x="3463235" y="6225323"/>
+                </a:lnTo>
+                <a:lnTo>
+                  <a:pt x="0" y="6225323"/>
+                </a:lnTo>
+                <a:lnTo>
+                  <a:pt x="0" y="0"/>
+                </a:lnTo>
+                <a:close/>
+              </a:path>
+            </a:pathLst>
+          </a:custGeom>
+          <a:blipFill>
+            <a:blip r:embed="rId2"/>
+            <a:stretch>
+              <a:fillRect l="0" t="0" r="0" b="0"/>
+            </a:stretch>
+          </a:blipFill>
+        </p:spPr>
+      </p:sp>
+      <p:sp>
+        <p:nvSpPr>
+          <p:cNvPr name="Freeform 5" id="5"/>
+          <p:cNvSpPr/>
+          <p:nvPr/>
+        </p:nvSpPr>
+        <p:spPr>
+          <a:xfrm flipH="false" flipV="false" rot="0">
+            <a:off x="5151549" y="2572273"/>
+            <a:ext cx="3404139" cy="6223191"/>
+          </a:xfrm>
+          <a:custGeom>
+            <a:avLst/>
+            <a:gdLst/>
+            <a:ahLst/>
+            <a:cxnLst/>
+            <a:rect r="r" b="b" t="t" l="l"/>
+            <a:pathLst>
+              <a:path h="6223191" w="3404139">
+                <a:moveTo>
+                  <a:pt x="0" y="0"/>
+                </a:moveTo>
+                <a:lnTo>
+                  <a:pt x="3404139" y="0"/>
+                </a:lnTo>
+                <a:lnTo>
+                  <a:pt x="3404139" y="6223191"/>
+                </a:lnTo>
+                <a:lnTo>
+                  <a:pt x="0" y="6223191"/>
+                </a:lnTo>
+                <a:lnTo>
+                  <a:pt x="0" y="0"/>
+                </a:lnTo>
+                <a:close/>
+              </a:path>
+            </a:pathLst>
+          </a:custGeom>
+          <a:blipFill>
+            <a:blip r:embed="rId3"/>
+            <a:stretch>
+              <a:fillRect l="0" t="0" r="0" b="0"/>
+            </a:stretch>
+          </a:blipFill>
+        </p:spPr>
+      </p:sp>
+      <p:sp>
+        <p:nvSpPr>
+          <p:cNvPr name="Freeform 6" id="6"/>
+          <p:cNvSpPr/>
+          <p:nvPr/>
+        </p:nvSpPr>
+        <p:spPr>
+          <a:xfrm flipH="false" flipV="false" rot="0">
+            <a:off x="9429975" y="2561626"/>
+            <a:ext cx="3460892" cy="6233839"/>
+          </a:xfrm>
+          <a:custGeom>
+            <a:avLst/>
+            <a:gdLst/>
+            <a:ahLst/>
+            <a:cxnLst/>
+            <a:rect r="r" b="b" t="t" l="l"/>
+            <a:pathLst>
+              <a:path h="6233839" w="3460892">
+                <a:moveTo>
+                  <a:pt x="0" y="0"/>
+                </a:moveTo>
+                <a:lnTo>
+                  <a:pt x="3460891" y="0"/>
+                </a:lnTo>
+                <a:lnTo>
+                  <a:pt x="3460891" y="6233838"/>
+                </a:lnTo>
+                <a:lnTo>
+                  <a:pt x="0" y="6233838"/>
+                </a:lnTo>
+                <a:lnTo>
+                  <a:pt x="0" y="0"/>
+                </a:lnTo>
+                <a:close/>
+              </a:path>
+            </a:pathLst>
+          </a:custGeom>
+          <a:blipFill>
+            <a:blip r:embed="rId4"/>
+            <a:stretch>
+              <a:fillRect l="0" t="0" r="0" b="0"/>
+            </a:stretch>
+          </a:blipFill>
+        </p:spPr>
+      </p:sp>
+      <p:sp>
+        <p:nvSpPr>
+          <p:cNvPr name="TextBox 7" id="7"/>
+          <p:cNvSpPr txBox="true"/>
+          <p:nvPr/>
+        </p:nvSpPr>
+        <p:spPr>
+          <a:xfrm rot="0">
+            <a:off x="2791721" y="379832"/>
+            <a:ext cx="12704558" cy="895350"/>
+          </a:xfrm>
+          <a:prstGeom prst="rect">
+            <a:avLst/>
+          </a:prstGeom>
+        </p:spPr>
+        <p:txBody>
+          <a:bodyPr anchor="t" rtlCol="false" tIns="0" lIns="0" bIns="0" rIns="0">
+            <a:spAutoFit/>
+          </a:bodyPr>
+          <a:lstStyle/>
+          <a:p>
+            <a:pPr algn="ctr">
+              <a:lnSpc>
+                <a:spcPts val="6300"/>
+              </a:lnSpc>
+            </a:pPr>
+            <a:r>
+              <a:rPr lang="en-US" sz="6000" spc="300">
+                <a:solidFill>
+                  <a:srgbClr val="2B4A9D"/>
+                </a:solidFill>
+                <a:latin typeface="Poppins Ultra-Bold"/>
+              </a:rPr>
+              <a:t>Drag and Drop</a:t>
+            </a:r>
+          </a:p>
+        </p:txBody>
+      </p:sp>
+      <p:grpSp>
+        <p:nvGrpSpPr>
+          <p:cNvPr name="Group 8" id="8"/>
+          <p:cNvGrpSpPr/>
+          <p:nvPr/>
+        </p:nvGrpSpPr>
+        <p:grpSpPr>
+          <a:xfrm rot="-2700000">
+            <a:off x="15004959" y="1860459"/>
+            <a:ext cx="6566081" cy="6566081"/>
+            <a:chOff x="0" y="0"/>
+            <a:chExt cx="1913890" cy="1913890"/>
+          </a:xfrm>
+        </p:grpSpPr>
+        <p:sp>
+          <p:nvSpPr>
+            <p:cNvPr name="Freeform 9" id="9"/>
+            <p:cNvSpPr/>
+            <p:nvPr/>
+          </p:nvSpPr>
+          <p:spPr>
+            <a:xfrm flipH="false" flipV="false" rot="0">
+              <a:off x="0" y="0"/>
+              <a:ext cx="1913890" cy="1913890"/>
+            </a:xfrm>
+            <a:custGeom>
+              <a:avLst/>
+              <a:gdLst/>
+              <a:ahLst/>
+              <a:cxnLst/>
+              <a:rect r="r" b="b" t="t" l="l"/>
+              <a:pathLst>
+                <a:path h="1913890" w="1913890">
+                  <a:moveTo>
+                    <a:pt x="0" y="0"/>
+                  </a:moveTo>
+                  <a:lnTo>
+                    <a:pt x="1913890" y="0"/>
+                  </a:lnTo>
+                  <a:lnTo>
+                    <a:pt x="1913890" y="1913890"/>
+                  </a:lnTo>
+                  <a:lnTo>
+                    <a:pt x="0" y="1913890"/>
+                  </a:lnTo>
+                  <a:close/>
+                </a:path>
+              </a:pathLst>
+            </a:custGeom>
+            <a:solidFill>
+              <a:srgbClr val="5271FF"/>
+            </a:solidFill>
+          </p:spPr>
+        </p:sp>
+      </p:grpSp>
+      <p:grpSp>
+        <p:nvGrpSpPr>
+          <p:cNvPr name="Group 10" id="10"/>
+          <p:cNvGrpSpPr/>
+          <p:nvPr/>
+        </p:nvGrpSpPr>
+        <p:grpSpPr>
+          <a:xfrm rot="2700000">
+            <a:off x="15361560" y="2217060"/>
+            <a:ext cx="5852880" cy="5852880"/>
+            <a:chOff x="0" y="0"/>
+            <a:chExt cx="1913890" cy="1913890"/>
+          </a:xfrm>
+        </p:grpSpPr>
+        <p:sp>
+          <p:nvSpPr>
+            <p:cNvPr name="Freeform 11" id="11"/>
+            <p:cNvSpPr/>
+            <p:nvPr/>
+          </p:nvSpPr>
+          <p:spPr>
+            <a:xfrm flipH="false" flipV="false" rot="0">
+              <a:off x="0" y="0"/>
+              <a:ext cx="1913890" cy="1913890"/>
+            </a:xfrm>
+            <a:custGeom>
+              <a:avLst/>
+              <a:gdLst/>
+              <a:ahLst/>
+              <a:cxnLst/>
+              <a:rect r="r" b="b" t="t" l="l"/>
+              <a:pathLst>
+                <a:path h="1913890" w="1913890">
+                  <a:moveTo>
+                    <a:pt x="0" y="0"/>
+                  </a:moveTo>
+                  <a:lnTo>
+                    <a:pt x="0" y="1913890"/>
+                  </a:lnTo>
+                  <a:lnTo>
+                    <a:pt x="1913890" y="1913890"/>
+                  </a:lnTo>
+                  <a:lnTo>
+                    <a:pt x="1913890" y="0"/>
+                  </a:lnTo>
+                  <a:lnTo>
+                    <a:pt x="0" y="0"/>
+                  </a:lnTo>
+                  <a:close/>
+                  <a:moveTo>
+                    <a:pt x="1852930" y="1852930"/>
+                  </a:moveTo>
+                  <a:lnTo>
+                    <a:pt x="59690" y="1852930"/>
+                  </a:lnTo>
+                  <a:lnTo>
+                    <a:pt x="59690" y="59690"/>
+                  </a:lnTo>
+                  <a:lnTo>
+                    <a:pt x="1852930" y="59690"/>
+                  </a:lnTo>
+                  <a:lnTo>
+                    <a:pt x="1852930" y="1852930"/>
+                  </a:lnTo>
+                  <a:close/>
+                </a:path>
+              </a:pathLst>
+            </a:custGeom>
+            <a:solidFill>
+              <a:srgbClr val="FFFFFF"/>
+            </a:solidFill>
+          </p:spPr>
+        </p:sp>
+      </p:grpSp>
+    </p:spTree>
+  </p:cSld>
+  <p:clrMapOvr>
+    <a:masterClrMapping/>
+  </p:clrMapOvr>
+</p:sld>
+</file>
+
+<file path=ppt/slides/slide25.xml><?xml version="1.0" encoding="utf-8"?>
+<p:sld xmlns:p="http://schemas.openxmlformats.org/presentationml/2006/main" xmlns:a="http://schemas.openxmlformats.org/drawingml/2006/main">
+  <p:cSld>
+    <p:spTree>
+      <p:nvGrpSpPr>
+        <p:cNvPr id="1" name=""/>
+        <p:cNvGrpSpPr/>
+        <p:nvPr/>
+      </p:nvGrpSpPr>
+      <p:grpSpPr>
+        <a:xfrm>
+          <a:off x="0" y="0"/>
+          <a:ext cx="0" cy="0"/>
+          <a:chOff x="0" y="0"/>
+          <a:chExt cx="0" cy="0"/>
+        </a:xfrm>
+      </p:grpSpPr>
+      <p:sp>
+        <p:nvSpPr>
+          <p:cNvPr name="TextBox 2" id="2"/>
+          <p:cNvSpPr txBox="true"/>
+          <p:nvPr/>
+        </p:nvSpPr>
+        <p:spPr>
+          <a:xfrm rot="0">
+            <a:off x="4716086" y="379832"/>
+            <a:ext cx="8855829" cy="895350"/>
+          </a:xfrm>
+          <a:prstGeom prst="rect">
+            <a:avLst/>
+          </a:prstGeom>
+        </p:spPr>
+        <p:txBody>
+          <a:bodyPr anchor="t" rtlCol="false" tIns="0" lIns="0" bIns="0" rIns="0">
+            <a:spAutoFit/>
+          </a:bodyPr>
+          <a:lstStyle/>
+          <a:p>
+            <a:pPr algn="ctr">
+              <a:lnSpc>
+                <a:spcPts val="6300"/>
+              </a:lnSpc>
+            </a:pPr>
+            <a:r>
+              <a:rPr lang="en-US" sz="6000" spc="300">
+                <a:solidFill>
+                  <a:srgbClr val="2B4A9D"/>
+                </a:solidFill>
+                <a:latin typeface="Poppins Ultra-Bold"/>
+              </a:rPr>
+              <a:t>Referências</a:t>
+            </a:r>
+          </a:p>
+        </p:txBody>
+      </p:sp>
+      <p:sp>
+        <p:nvSpPr>
+          <p:cNvPr name="TextBox 3" id="3"/>
+          <p:cNvSpPr txBox="true"/>
+          <p:nvPr/>
+        </p:nvSpPr>
+        <p:spPr>
+          <a:xfrm rot="0">
+            <a:off x="816673" y="1687967"/>
+            <a:ext cx="16442627" cy="3204464"/>
+          </a:xfrm>
+          <a:prstGeom prst="rect">
+            <a:avLst/>
+          </a:prstGeom>
+        </p:spPr>
+        <p:txBody>
+          <a:bodyPr anchor="t" rtlCol="false" tIns="0" lIns="0" bIns="0" rIns="0">
+            <a:spAutoFit/>
+          </a:bodyPr>
+          <a:lstStyle/>
+          <a:p>
+            <a:pPr algn="just">
+              <a:lnSpc>
+                <a:spcPts val="4227"/>
+              </a:lnSpc>
+            </a:pPr>
+            <a:r>
+              <a:rPr lang="en-US" sz="2799" spc="139">
+                <a:solidFill>
+                  <a:srgbClr val="000000"/>
+                </a:solidFill>
+                <a:latin typeface="Poppins Bold"/>
+              </a:rPr>
+              <a:t>Building user interfaces with Flutter.</a:t>
+            </a:r>
+            <a:r>
+              <a:rPr lang="en-US" sz="2799" spc="139">
+                <a:solidFill>
+                  <a:srgbClr val="000000"/>
+                </a:solidFill>
+                <a:latin typeface="Poppins"/>
+              </a:rPr>
+              <a:t> Disponível em: &lt;https://docs.flutter.dev/ui&gt;. Acesso em: 05 abr. 2024.</a:t>
+            </a:r>
+          </a:p>
+          <a:p>
+            <a:pPr algn="just">
+              <a:lnSpc>
+                <a:spcPts val="4227"/>
+              </a:lnSpc>
+            </a:pPr>
+          </a:p>
+          <a:p>
+            <a:pPr algn="just">
+              <a:lnSpc>
+                <a:spcPts val="4227"/>
+              </a:lnSpc>
+            </a:pPr>
+            <a:r>
+              <a:rPr lang="en-US" sz="2799" spc="139">
+                <a:solidFill>
+                  <a:srgbClr val="000000"/>
+                </a:solidFill>
+                <a:latin typeface="Poppins Bold"/>
+              </a:rPr>
+              <a:t>An in-depth dive into implementing swipe-to-dismiss in Flutter.</a:t>
+            </a:r>
+            <a:r>
+              <a:rPr lang="en-US" sz="2799" spc="139">
+                <a:solidFill>
+                  <a:srgbClr val="000000"/>
+                </a:solidFill>
+                <a:latin typeface="Poppins"/>
+              </a:rPr>
+              <a:t> Disponível em: &lt;https://medium.com/flutter-community/an-in-depth-dive-into-implementing-swipe-to-dismiss-in-flutter-41b9007f1e0&gt;. Acesso em: 14 abr. 2024.</a:t>
+            </a:r>
+          </a:p>
+        </p:txBody>
+      </p:sp>
+      <p:grpSp>
+        <p:nvGrpSpPr>
+          <p:cNvPr name="Group 4" id="4"/>
+          <p:cNvGrpSpPr/>
+          <p:nvPr/>
+        </p:nvGrpSpPr>
+        <p:grpSpPr>
+          <a:xfrm rot="5400000">
+            <a:off x="-1309" y="1309"/>
+            <a:ext cx="1635964" cy="1633346"/>
+            <a:chOff x="0" y="0"/>
+            <a:chExt cx="6350000" cy="6339840"/>
+          </a:xfrm>
+        </p:grpSpPr>
+        <p:sp>
+          <p:nvSpPr>
+            <p:cNvPr name="Freeform 5" id="5"/>
+            <p:cNvSpPr/>
+            <p:nvPr/>
+          </p:nvSpPr>
+          <p:spPr>
+            <a:xfrm flipH="false" flipV="false" rot="0">
+              <a:off x="0" y="0"/>
+              <a:ext cx="6350000" cy="6339840"/>
+            </a:xfrm>
+            <a:custGeom>
+              <a:avLst/>
+              <a:gdLst/>
+              <a:ahLst/>
+              <a:cxnLst/>
+              <a:rect r="r" b="b" t="t" l="l"/>
+              <a:pathLst>
+                <a:path h="6339840" w="6350000">
+                  <a:moveTo>
+                    <a:pt x="6350000" y="6339840"/>
+                  </a:moveTo>
+                  <a:lnTo>
+                    <a:pt x="0" y="6339840"/>
+                  </a:lnTo>
+                  <a:lnTo>
+                    <a:pt x="0" y="0"/>
+                  </a:lnTo>
+                  <a:lnTo>
+                    <a:pt x="6350000" y="6339840"/>
+                  </a:lnTo>
+                  <a:close/>
+                </a:path>
+              </a:pathLst>
+            </a:custGeom>
+            <a:solidFill>
+              <a:srgbClr val="2B4A9D"/>
+            </a:solidFill>
+          </p:spPr>
+        </p:sp>
+      </p:grpSp>
     </p:spTree>
   </p:cSld>
   <p:clrMapOvr>
@@ -5244,8 +9604,8 @@
         </p:nvSpPr>
         <p:spPr>
           <a:xfrm flipH="false" flipV="false" rot="0">
-            <a:off x="4277964" y="4018350"/>
-            <a:ext cx="9732072" cy="5963081"/>
+            <a:off x="4535062" y="3899562"/>
+            <a:ext cx="9217877" cy="5648021"/>
           </a:xfrm>
           <a:custGeom>
             <a:avLst/>
@@ -5254,18 +9614,18 @@
             <a:cxnLst/>
             <a:rect r="r" b="b" t="t" l="l"/>
             <a:pathLst>
-              <a:path h="5963081" w="9732072">
+              <a:path h="5648021" w="9217877">
                 <a:moveTo>
                   <a:pt x="0" y="0"/>
                 </a:moveTo>
                 <a:lnTo>
-                  <a:pt x="9732072" y="0"/>
+                  <a:pt x="9217876" y="0"/>
                 </a:lnTo>
                 <a:lnTo>
-                  <a:pt x="9732072" y="5963081"/>
+                  <a:pt x="9217876" y="5648021"/>
                 </a:lnTo>
                 <a:lnTo>
-                  <a:pt x="0" y="5963081"/>
+                  <a:pt x="0" y="5648021"/>
                 </a:lnTo>
                 <a:lnTo>
                   <a:pt x="0" y="0"/>
@@ -5329,7 +9689,7 @@
         <p:spPr>
           <a:xfrm rot="0">
             <a:off x="363028" y="1569289"/>
-            <a:ext cx="16896272" cy="2233295"/>
+            <a:ext cx="16896272" cy="2159635"/>
           </a:xfrm>
           <a:prstGeom prst="rect">
             <a:avLst/>
@@ -5341,15 +9701,15 @@
           </a:bodyPr>
           <a:lstStyle/>
           <a:p>
-            <a:pPr algn="just" marL="690882" indent="-345441" lvl="1">
+            <a:pPr algn="just" marL="669293" indent="-334646" lvl="1">
               <a:lnSpc>
-                <a:spcPts val="4480"/>
+                <a:spcPts val="4340"/>
               </a:lnSpc>
               <a:buFont typeface="Arial"/>
               <a:buChar char="•"/>
             </a:pPr>
             <a:r>
-              <a:rPr lang="en-US" sz="3200" spc="320">
+              <a:rPr lang="en-US" sz="3100" spc="310">
                 <a:solidFill>
                   <a:srgbClr val="000000"/>
                 </a:solidFill>
@@ -5359,15 +9719,15 @@
             </a:r>
           </a:p>
           <a:p>
-            <a:pPr algn="just" marL="690882" indent="-345441" lvl="1">
+            <a:pPr algn="just" marL="669293" indent="-334646" lvl="1">
               <a:lnSpc>
-                <a:spcPts val="4480"/>
+                <a:spcPts val="4340"/>
               </a:lnSpc>
               <a:buFont typeface="Arial"/>
               <a:buChar char="•"/>
             </a:pPr>
             <a:r>
-              <a:rPr lang="en-US" sz="3200" spc="320">
+              <a:rPr lang="en-US" sz="3100" spc="310">
                 <a:solidFill>
                   <a:srgbClr val="000000"/>
                 </a:solidFill>
@@ -5376,7 +9736,7 @@
               <a:t>Acesse o exemplo completo no arquivo </a:t>
             </a:r>
             <a:r>
-              <a:rPr lang="en-US" sz="3200" spc="320">
+              <a:rPr lang="en-US" sz="3100" spc="310">
                 <a:solidFill>
                   <a:srgbClr val="000000"/>
                 </a:solidFill>
@@ -5475,7 +9835,7 @@
         </p:nvSpPr>
         <p:spPr>
           <a:xfrm flipH="false" flipV="false" rot="0">
-            <a:off x="4208272" y="2149679"/>
+            <a:off x="4208272" y="2292224"/>
             <a:ext cx="3970487" cy="7108621"/>
           </a:xfrm>
           <a:custGeom>
@@ -5493,10 +9853,10 @@
                   <a:pt x="3970487" y="0"/>
                 </a:lnTo>
                 <a:lnTo>
-                  <a:pt x="3970487" y="7108621"/>
+                  <a:pt x="3970487" y="7108622"/>
                 </a:lnTo>
                 <a:lnTo>
-                  <a:pt x="0" y="7108621"/>
+                  <a:pt x="0" y="7108622"/>
                 </a:lnTo>
                 <a:lnTo>
                   <a:pt x="0" y="0"/>
@@ -5521,7 +9881,7 @@
         </p:nvSpPr>
         <p:spPr>
           <a:xfrm flipH="false" flipV="false" rot="0">
-            <a:off x="10416049" y="2149679"/>
+            <a:off x="10439806" y="2292224"/>
             <a:ext cx="3976610" cy="7108621"/>
           </a:xfrm>
           <a:custGeom>
@@ -5536,13 +9896,13 @@
                   <a:pt x="0" y="0"/>
                 </a:moveTo>
                 <a:lnTo>
-                  <a:pt x="3976609" y="0"/>
+                  <a:pt x="3976610" y="0"/>
                 </a:lnTo>
                 <a:lnTo>
-                  <a:pt x="3976609" y="7108621"/>
+                  <a:pt x="3976610" y="7108622"/>
                 </a:lnTo>
                 <a:lnTo>
-                  <a:pt x="0" y="7108621"/>
+                  <a:pt x="0" y="7108622"/>
                 </a:lnTo>
                 <a:lnTo>
                   <a:pt x="0" y="0"/>
@@ -5795,14 +10155,52 @@
       </p:sp>
       <p:sp>
         <p:nvSpPr>
-          <p:cNvPr name="Freeform 5" id="5"/>
+          <p:cNvPr name="TextBox 5" id="5"/>
+          <p:cNvSpPr txBox="true"/>
+          <p:nvPr/>
+        </p:nvSpPr>
+        <p:spPr>
+          <a:xfrm rot="0">
+            <a:off x="3658873" y="379832"/>
+            <a:ext cx="10970254" cy="895350"/>
+          </a:xfrm>
+          <a:prstGeom prst="rect">
+            <a:avLst/>
+          </a:prstGeom>
+        </p:spPr>
+        <p:txBody>
+          <a:bodyPr anchor="t" rtlCol="false" tIns="0" lIns="0" bIns="0" rIns="0">
+            <a:spAutoFit/>
+          </a:bodyPr>
+          <a:lstStyle/>
+          <a:p>
+            <a:pPr algn="ctr">
+              <a:lnSpc>
+                <a:spcPts val="6300"/>
+              </a:lnSpc>
+            </a:pPr>
+            <a:r>
+              <a:rPr lang="en-US" sz="6000" spc="300">
+                <a:solidFill>
+                  <a:srgbClr val="2B4A9D"/>
+                </a:solidFill>
+                <a:latin typeface="Poppins Ultra-Bold"/>
+              </a:rPr>
+              <a:t>Radio Buttons</a:t>
+            </a:r>
+          </a:p>
+        </p:txBody>
+      </p:sp>
+      <p:sp>
+        <p:nvSpPr>
+          <p:cNvPr name="Freeform 6" id="6"/>
           <p:cNvSpPr/>
           <p:nvPr/>
         </p:nvSpPr>
         <p:spPr>
           <a:xfrm flipH="false" flipV="false" rot="0">
-            <a:off x="6661139" y="6116957"/>
-            <a:ext cx="4753695" cy="3746802"/>
+            <a:off x="6684349" y="6263966"/>
+            <a:ext cx="4919301" cy="3160637"/>
           </a:xfrm>
           <a:custGeom>
             <a:avLst/>
@@ -5811,18 +10209,18 @@
             <a:cxnLst/>
             <a:rect r="r" b="b" t="t" l="l"/>
             <a:pathLst>
-              <a:path h="3746802" w="4753695">
+              <a:path h="3160637" w="4919301">
                 <a:moveTo>
                   <a:pt x="0" y="0"/>
                 </a:moveTo>
                 <a:lnTo>
-                  <a:pt x="4753695" y="0"/>
+                  <a:pt x="4919302" y="0"/>
                 </a:lnTo>
                 <a:lnTo>
-                  <a:pt x="4753695" y="3746802"/>
+                  <a:pt x="4919302" y="3160637"/>
                 </a:lnTo>
                 <a:lnTo>
-                  <a:pt x="0" y="3746802"/>
+                  <a:pt x="0" y="3160637"/>
                 </a:lnTo>
                 <a:lnTo>
                   <a:pt x="0" y="0"/>
@@ -5834,48 +10232,10 @@
           <a:blipFill>
             <a:blip r:embed="rId2"/>
             <a:stretch>
-              <a:fillRect l="0" t="0" r="0" b="0"/>
+              <a:fillRect l="0" t="-32891" r="0" b="-146419"/>
             </a:stretch>
           </a:blipFill>
         </p:spPr>
-      </p:sp>
-      <p:sp>
-        <p:nvSpPr>
-          <p:cNvPr name="TextBox 6" id="6"/>
-          <p:cNvSpPr txBox="true"/>
-          <p:nvPr/>
-        </p:nvSpPr>
-        <p:spPr>
-          <a:xfrm rot="0">
-            <a:off x="3658873" y="379832"/>
-            <a:ext cx="10970254" cy="895350"/>
-          </a:xfrm>
-          <a:prstGeom prst="rect">
-            <a:avLst/>
-          </a:prstGeom>
-        </p:spPr>
-        <p:txBody>
-          <a:bodyPr anchor="t" rtlCol="false" tIns="0" lIns="0" bIns="0" rIns="0">
-            <a:spAutoFit/>
-          </a:bodyPr>
-          <a:lstStyle/>
-          <a:p>
-            <a:pPr algn="ctr">
-              <a:lnSpc>
-                <a:spcPts val="6300"/>
-              </a:lnSpc>
-            </a:pPr>
-            <a:r>
-              <a:rPr lang="en-US" sz="6000" spc="300">
-                <a:solidFill>
-                  <a:srgbClr val="2B4A9D"/>
-                </a:solidFill>
-                <a:latin typeface="Poppins Ultra-Bold"/>
-              </a:rPr>
-              <a:t>Radio Buttons</a:t>
-            </a:r>
-          </a:p>
-        </p:txBody>
       </p:sp>
     </p:spTree>
   </p:cSld>
@@ -5886,6 +10246,446 @@
 </file>
 
 <file path=ppt/slides/slide7.xml><?xml version="1.0" encoding="utf-8"?>
+<p:sld xmlns:p="http://schemas.openxmlformats.org/presentationml/2006/main" xmlns:a="http://schemas.openxmlformats.org/drawingml/2006/main">
+  <p:cSld>
+    <p:spTree>
+      <p:nvGrpSpPr>
+        <p:cNvPr id="1" name=""/>
+        <p:cNvGrpSpPr/>
+        <p:nvPr/>
+      </p:nvGrpSpPr>
+      <p:grpSpPr>
+        <a:xfrm>
+          <a:off x="0" y="0"/>
+          <a:ext cx="0" cy="0"/>
+          <a:chOff x="0" y="0"/>
+          <a:chExt cx="0" cy="0"/>
+        </a:xfrm>
+      </p:grpSpPr>
+      <p:grpSp>
+        <p:nvGrpSpPr>
+          <p:cNvPr name="Group 2" id="2"/>
+          <p:cNvGrpSpPr/>
+          <p:nvPr/>
+        </p:nvGrpSpPr>
+        <p:grpSpPr>
+          <a:xfrm rot="5400000">
+            <a:off x="-1309" y="1309"/>
+            <a:ext cx="1635964" cy="1633346"/>
+            <a:chOff x="0" y="0"/>
+            <a:chExt cx="6350000" cy="6339840"/>
+          </a:xfrm>
+        </p:grpSpPr>
+        <p:sp>
+          <p:nvSpPr>
+            <p:cNvPr name="Freeform 3" id="3"/>
+            <p:cNvSpPr/>
+            <p:nvPr/>
+          </p:nvSpPr>
+          <p:spPr>
+            <a:xfrm flipH="false" flipV="false" rot="0">
+              <a:off x="0" y="0"/>
+              <a:ext cx="6350000" cy="6339840"/>
+            </a:xfrm>
+            <a:custGeom>
+              <a:avLst/>
+              <a:gdLst/>
+              <a:ahLst/>
+              <a:cxnLst/>
+              <a:rect r="r" b="b" t="t" l="l"/>
+              <a:pathLst>
+                <a:path h="6339840" w="6350000">
+                  <a:moveTo>
+                    <a:pt x="6350000" y="6339840"/>
+                  </a:moveTo>
+                  <a:lnTo>
+                    <a:pt x="0" y="6339840"/>
+                  </a:lnTo>
+                  <a:lnTo>
+                    <a:pt x="0" y="0"/>
+                  </a:lnTo>
+                  <a:lnTo>
+                    <a:pt x="6350000" y="6339840"/>
+                  </a:lnTo>
+                  <a:close/>
+                </a:path>
+              </a:pathLst>
+            </a:custGeom>
+            <a:solidFill>
+              <a:srgbClr val="2B4A9D"/>
+            </a:solidFill>
+          </p:spPr>
+        </p:sp>
+      </p:grpSp>
+      <p:sp>
+        <p:nvSpPr>
+          <p:cNvPr name="TextBox 4" id="4"/>
+          <p:cNvSpPr txBox="true"/>
+          <p:nvPr/>
+        </p:nvSpPr>
+        <p:spPr>
+          <a:xfrm rot="0">
+            <a:off x="816673" y="1996926"/>
+            <a:ext cx="16442627" cy="6167120"/>
+          </a:xfrm>
+          <a:prstGeom prst="rect">
+            <a:avLst/>
+          </a:prstGeom>
+        </p:spPr>
+        <p:txBody>
+          <a:bodyPr anchor="t" rtlCol="false" tIns="0" lIns="0" bIns="0" rIns="0">
+            <a:spAutoFit/>
+          </a:bodyPr>
+          <a:lstStyle/>
+          <a:p>
+            <a:pPr algn="just" marL="690882" indent="-345441" lvl="1">
+              <a:lnSpc>
+                <a:spcPts val="4480"/>
+              </a:lnSpc>
+              <a:buFont typeface="Arial"/>
+              <a:buChar char="•"/>
+            </a:pPr>
+            <a:r>
+              <a:rPr lang="en-US" sz="3200" spc="320">
+                <a:solidFill>
+                  <a:srgbClr val="000000"/>
+                </a:solidFill>
+                <a:latin typeface="Lato"/>
+              </a:rPr>
+              <a:t>No exemplo </a:t>
+            </a:r>
+            <a:r>
+              <a:rPr lang="en-US" sz="3200" spc="320">
+                <a:solidFill>
+                  <a:srgbClr val="000000"/>
+                </a:solidFill>
+                <a:latin typeface="Lato Bold"/>
+              </a:rPr>
+              <a:t>RadioButton.dart</a:t>
+            </a:r>
+            <a:r>
+              <a:rPr lang="en-US" sz="3200" spc="320">
+                <a:solidFill>
+                  <a:srgbClr val="000000"/>
+                </a:solidFill>
+                <a:latin typeface="Lato"/>
+              </a:rPr>
+              <a:t>, cada opção de entrega é representada por um ListTile, que inclui um título descritivo e um Radio. Os radio buttons são representados pelo widget Radio&lt;int&gt;, onde int é o tipo de valor associado a cada opção.</a:t>
+            </a:r>
+          </a:p>
+          <a:p>
+            <a:pPr algn="just" marL="690882" indent="-345441" lvl="1">
+              <a:lnSpc>
+                <a:spcPts val="4480"/>
+              </a:lnSpc>
+              <a:buFont typeface="Arial"/>
+              <a:buChar char="•"/>
+            </a:pPr>
+            <a:r>
+              <a:rPr lang="en-US" sz="3200" spc="320">
+                <a:solidFill>
+                  <a:srgbClr val="000000"/>
+                </a:solidFill>
+                <a:latin typeface="Lato"/>
+              </a:rPr>
+              <a:t>Cada radio button tem um groupValue, que é usado para agrupar os radio buttons e garantir que apenas um deles seja selecionado por vez.</a:t>
+            </a:r>
+          </a:p>
+          <a:p>
+            <a:pPr algn="just" marL="690882" indent="-345441" lvl="1">
+              <a:lnSpc>
+                <a:spcPts val="4480"/>
+              </a:lnSpc>
+              <a:buFont typeface="Arial"/>
+              <a:buChar char="•"/>
+            </a:pPr>
+            <a:r>
+              <a:rPr lang="en-US" sz="3200" spc="320">
+                <a:solidFill>
+                  <a:srgbClr val="000000"/>
+                </a:solidFill>
+                <a:latin typeface="Lato"/>
+              </a:rPr>
+              <a:t>O onChanged é um callback que é chamado quando o estado do radio button é alterado. Ele atualiza a variável opcaoEntrega usando setState para refletir a nova seleção.</a:t>
+            </a:r>
+          </a:p>
+          <a:p>
+            <a:pPr algn="just" marL="690882" indent="-345441" lvl="1">
+              <a:lnSpc>
+                <a:spcPts val="4480"/>
+              </a:lnSpc>
+              <a:buFont typeface="Arial"/>
+              <a:buChar char="•"/>
+            </a:pPr>
+            <a:r>
+              <a:rPr lang="en-US" sz="3200" spc="320">
+                <a:solidFill>
+                  <a:srgbClr val="000000"/>
+                </a:solidFill>
+                <a:latin typeface="Lato"/>
+              </a:rPr>
+              <a:t>No final da tela, há um botão que após o usuário pressioná-lo será exibida a entrega escolhida.</a:t>
+            </a:r>
+          </a:p>
+        </p:txBody>
+      </p:sp>
+      <p:sp>
+        <p:nvSpPr>
+          <p:cNvPr name="TextBox 5" id="5"/>
+          <p:cNvSpPr txBox="true"/>
+          <p:nvPr/>
+        </p:nvSpPr>
+        <p:spPr>
+          <a:xfrm rot="0">
+            <a:off x="3658873" y="379832"/>
+            <a:ext cx="10970254" cy="895350"/>
+          </a:xfrm>
+          <a:prstGeom prst="rect">
+            <a:avLst/>
+          </a:prstGeom>
+        </p:spPr>
+        <p:txBody>
+          <a:bodyPr anchor="t" rtlCol="false" tIns="0" lIns="0" bIns="0" rIns="0">
+            <a:spAutoFit/>
+          </a:bodyPr>
+          <a:lstStyle/>
+          <a:p>
+            <a:pPr algn="ctr">
+              <a:lnSpc>
+                <a:spcPts val="6300"/>
+              </a:lnSpc>
+            </a:pPr>
+            <a:r>
+              <a:rPr lang="en-US" sz="6000" spc="300">
+                <a:solidFill>
+                  <a:srgbClr val="2B4A9D"/>
+                </a:solidFill>
+                <a:latin typeface="Poppins Ultra-Bold"/>
+              </a:rPr>
+              <a:t>Radio Buttons</a:t>
+            </a:r>
+          </a:p>
+        </p:txBody>
+      </p:sp>
+    </p:spTree>
+  </p:cSld>
+  <p:clrMapOvr>
+    <a:masterClrMapping/>
+  </p:clrMapOvr>
+</p:sld>
+</file>
+
+<file path=ppt/slides/slide8.xml><?xml version="1.0" encoding="utf-8"?>
+<p:sld xmlns:p="http://schemas.openxmlformats.org/presentationml/2006/main" xmlns:a="http://schemas.openxmlformats.org/drawingml/2006/main" xmlns:r="http://schemas.openxmlformats.org/officeDocument/2006/relationships">
+  <p:cSld>
+    <p:spTree>
+      <p:nvGrpSpPr>
+        <p:cNvPr id="1" name=""/>
+        <p:cNvGrpSpPr/>
+        <p:nvPr/>
+      </p:nvGrpSpPr>
+      <p:grpSpPr>
+        <a:xfrm>
+          <a:off x="0" y="0"/>
+          <a:ext cx="0" cy="0"/>
+          <a:chOff x="0" y="0"/>
+          <a:chExt cx="0" cy="0"/>
+        </a:xfrm>
+      </p:grpSpPr>
+      <p:grpSp>
+        <p:nvGrpSpPr>
+          <p:cNvPr name="Group 2" id="2"/>
+          <p:cNvGrpSpPr/>
+          <p:nvPr/>
+        </p:nvGrpSpPr>
+        <p:grpSpPr>
+          <a:xfrm rot="5400000">
+            <a:off x="-1309" y="1309"/>
+            <a:ext cx="1635964" cy="1633346"/>
+            <a:chOff x="0" y="0"/>
+            <a:chExt cx="6350000" cy="6339840"/>
+          </a:xfrm>
+        </p:grpSpPr>
+        <p:sp>
+          <p:nvSpPr>
+            <p:cNvPr name="Freeform 3" id="3"/>
+            <p:cNvSpPr/>
+            <p:nvPr/>
+          </p:nvSpPr>
+          <p:spPr>
+            <a:xfrm flipH="false" flipV="false" rot="0">
+              <a:off x="0" y="0"/>
+              <a:ext cx="6350000" cy="6339840"/>
+            </a:xfrm>
+            <a:custGeom>
+              <a:avLst/>
+              <a:gdLst/>
+              <a:ahLst/>
+              <a:cxnLst/>
+              <a:rect r="r" b="b" t="t" l="l"/>
+              <a:pathLst>
+                <a:path h="6339840" w="6350000">
+                  <a:moveTo>
+                    <a:pt x="6350000" y="6339840"/>
+                  </a:moveTo>
+                  <a:lnTo>
+                    <a:pt x="0" y="6339840"/>
+                  </a:lnTo>
+                  <a:lnTo>
+                    <a:pt x="0" y="0"/>
+                  </a:lnTo>
+                  <a:lnTo>
+                    <a:pt x="6350000" y="6339840"/>
+                  </a:lnTo>
+                  <a:close/>
+                </a:path>
+              </a:pathLst>
+            </a:custGeom>
+            <a:solidFill>
+              <a:srgbClr val="2B4A9D"/>
+            </a:solidFill>
+          </p:spPr>
+        </p:sp>
+      </p:grpSp>
+      <p:sp>
+        <p:nvSpPr>
+          <p:cNvPr name="Freeform 4" id="4"/>
+          <p:cNvSpPr/>
+          <p:nvPr/>
+        </p:nvSpPr>
+        <p:spPr>
+          <a:xfrm flipH="false" flipV="false" rot="0">
+            <a:off x="1028700" y="2336844"/>
+            <a:ext cx="7440048" cy="5874645"/>
+          </a:xfrm>
+          <a:custGeom>
+            <a:avLst/>
+            <a:gdLst/>
+            <a:ahLst/>
+            <a:cxnLst/>
+            <a:rect r="r" b="b" t="t" l="l"/>
+            <a:pathLst>
+              <a:path h="5874645" w="7440048">
+                <a:moveTo>
+                  <a:pt x="0" y="0"/>
+                </a:moveTo>
+                <a:lnTo>
+                  <a:pt x="7440048" y="0"/>
+                </a:lnTo>
+                <a:lnTo>
+                  <a:pt x="7440048" y="5874645"/>
+                </a:lnTo>
+                <a:lnTo>
+                  <a:pt x="0" y="5874645"/>
+                </a:lnTo>
+                <a:lnTo>
+                  <a:pt x="0" y="0"/>
+                </a:lnTo>
+                <a:close/>
+              </a:path>
+            </a:pathLst>
+          </a:custGeom>
+          <a:blipFill>
+            <a:blip r:embed="rId2"/>
+            <a:stretch>
+              <a:fillRect l="0" t="0" r="0" b="-69270"/>
+            </a:stretch>
+          </a:blipFill>
+        </p:spPr>
+      </p:sp>
+      <p:sp>
+        <p:nvSpPr>
+          <p:cNvPr name="Freeform 5" id="5"/>
+          <p:cNvSpPr/>
+          <p:nvPr/>
+        </p:nvSpPr>
+        <p:spPr>
+          <a:xfrm flipH="false" flipV="false" rot="0">
+            <a:off x="9193087" y="2998725"/>
+            <a:ext cx="8066213" cy="4550883"/>
+          </a:xfrm>
+          <a:custGeom>
+            <a:avLst/>
+            <a:gdLst/>
+            <a:ahLst/>
+            <a:cxnLst/>
+            <a:rect r="r" b="b" t="t" l="l"/>
+            <a:pathLst>
+              <a:path h="4550883" w="8066213">
+                <a:moveTo>
+                  <a:pt x="0" y="0"/>
+                </a:moveTo>
+                <a:lnTo>
+                  <a:pt x="8066213" y="0"/>
+                </a:lnTo>
+                <a:lnTo>
+                  <a:pt x="8066213" y="4550883"/>
+                </a:lnTo>
+                <a:lnTo>
+                  <a:pt x="0" y="4550883"/>
+                </a:lnTo>
+                <a:lnTo>
+                  <a:pt x="0" y="0"/>
+                </a:lnTo>
+                <a:close/>
+              </a:path>
+            </a:pathLst>
+          </a:custGeom>
+          <a:blipFill>
+            <a:blip r:embed="rId2"/>
+            <a:stretch>
+              <a:fillRect l="0" t="-136898" r="0" b="0"/>
+            </a:stretch>
+          </a:blipFill>
+        </p:spPr>
+      </p:sp>
+      <p:sp>
+        <p:nvSpPr>
+          <p:cNvPr name="TextBox 6" id="6"/>
+          <p:cNvSpPr txBox="true"/>
+          <p:nvPr/>
+        </p:nvSpPr>
+        <p:spPr>
+          <a:xfrm rot="0">
+            <a:off x="3658873" y="379832"/>
+            <a:ext cx="10970254" cy="895350"/>
+          </a:xfrm>
+          <a:prstGeom prst="rect">
+            <a:avLst/>
+          </a:prstGeom>
+        </p:spPr>
+        <p:txBody>
+          <a:bodyPr anchor="t" rtlCol="false" tIns="0" lIns="0" bIns="0" rIns="0">
+            <a:spAutoFit/>
+          </a:bodyPr>
+          <a:lstStyle/>
+          <a:p>
+            <a:pPr algn="ctr">
+              <a:lnSpc>
+                <a:spcPts val="6300"/>
+              </a:lnSpc>
+            </a:pPr>
+            <a:r>
+              <a:rPr lang="en-US" sz="6000" spc="300">
+                <a:solidFill>
+                  <a:srgbClr val="2B4A9D"/>
+                </a:solidFill>
+                <a:latin typeface="Poppins Ultra-Bold"/>
+              </a:rPr>
+              <a:t>Radio Buttons</a:t>
+            </a:r>
+          </a:p>
+        </p:txBody>
+      </p:sp>
+    </p:spTree>
+  </p:cSld>
+  <p:clrMapOvr>
+    <a:masterClrMapping/>
+  </p:clrMapOvr>
+</p:sld>
+</file>
+
+<file path=ppt/slides/slide9.xml><?xml version="1.0" encoding="utf-8"?>
 <p:sld xmlns:p="http://schemas.openxmlformats.org/presentationml/2006/main" xmlns:a="http://schemas.openxmlformats.org/drawingml/2006/main" xmlns:r="http://schemas.openxmlformats.org/officeDocument/2006/relationships">
   <p:cSld>
     <p:spTree>
@@ -6169,595 +10969,6 @@
                 <a:latin typeface="Lato"/>
               </a:rPr>
               <a:t>Telas da aplicação:</a:t>
-            </a:r>
-          </a:p>
-        </p:txBody>
-      </p:sp>
-    </p:spTree>
-  </p:cSld>
-  <p:clrMapOvr>
-    <a:masterClrMapping/>
-  </p:clrMapOvr>
-</p:sld>
-</file>
-
-<file path=ppt/slides/slide8.xml><?xml version="1.0" encoding="utf-8"?>
-<p:sld xmlns:p="http://schemas.openxmlformats.org/presentationml/2006/main" xmlns:a="http://schemas.openxmlformats.org/drawingml/2006/main" xmlns:r="http://schemas.openxmlformats.org/officeDocument/2006/relationships">
-  <p:cSld>
-    <p:spTree>
-      <p:nvGrpSpPr>
-        <p:cNvPr id="1" name=""/>
-        <p:cNvGrpSpPr/>
-        <p:nvPr/>
-      </p:nvGrpSpPr>
-      <p:grpSpPr>
-        <a:xfrm>
-          <a:off x="0" y="0"/>
-          <a:ext cx="0" cy="0"/>
-          <a:chOff x="0" y="0"/>
-          <a:chExt cx="0" cy="0"/>
-        </a:xfrm>
-      </p:grpSpPr>
-      <p:grpSp>
-        <p:nvGrpSpPr>
-          <p:cNvPr name="Group 2" id="2"/>
-          <p:cNvGrpSpPr/>
-          <p:nvPr/>
-        </p:nvGrpSpPr>
-        <p:grpSpPr>
-          <a:xfrm rot="5400000">
-            <a:off x="-1309" y="1309"/>
-            <a:ext cx="1635964" cy="1633346"/>
-            <a:chOff x="0" y="0"/>
-            <a:chExt cx="6350000" cy="6339840"/>
-          </a:xfrm>
-        </p:grpSpPr>
-        <p:sp>
-          <p:nvSpPr>
-            <p:cNvPr name="Freeform 3" id="3"/>
-            <p:cNvSpPr/>
-            <p:nvPr/>
-          </p:nvSpPr>
-          <p:spPr>
-            <a:xfrm flipH="false" flipV="false" rot="0">
-              <a:off x="0" y="0"/>
-              <a:ext cx="6350000" cy="6339840"/>
-            </a:xfrm>
-            <a:custGeom>
-              <a:avLst/>
-              <a:gdLst/>
-              <a:ahLst/>
-              <a:cxnLst/>
-              <a:rect r="r" b="b" t="t" l="l"/>
-              <a:pathLst>
-                <a:path h="6339840" w="6350000">
-                  <a:moveTo>
-                    <a:pt x="6350000" y="6339840"/>
-                  </a:moveTo>
-                  <a:lnTo>
-                    <a:pt x="0" y="6339840"/>
-                  </a:lnTo>
-                  <a:lnTo>
-                    <a:pt x="0" y="0"/>
-                  </a:lnTo>
-                  <a:lnTo>
-                    <a:pt x="6350000" y="6339840"/>
-                  </a:lnTo>
-                  <a:close/>
-                </a:path>
-              </a:pathLst>
-            </a:custGeom>
-            <a:solidFill>
-              <a:srgbClr val="2B4A9D"/>
-            </a:solidFill>
-          </p:spPr>
-        </p:sp>
-      </p:grpSp>
-      <p:sp>
-        <p:nvSpPr>
-          <p:cNvPr name="Freeform 4" id="4"/>
-          <p:cNvSpPr/>
-          <p:nvPr/>
-        </p:nvSpPr>
-        <p:spPr>
-          <a:xfrm flipH="false" flipV="false" rot="0">
-            <a:off x="7616506" y="4889528"/>
-            <a:ext cx="3054987" cy="4606348"/>
-          </a:xfrm>
-          <a:custGeom>
-            <a:avLst/>
-            <a:gdLst/>
-            <a:ahLst/>
-            <a:cxnLst/>
-            <a:rect r="r" b="b" t="t" l="l"/>
-            <a:pathLst>
-              <a:path h="4606348" w="3054987">
-                <a:moveTo>
-                  <a:pt x="0" y="0"/>
-                </a:moveTo>
-                <a:lnTo>
-                  <a:pt x="3054988" y="0"/>
-                </a:lnTo>
-                <a:lnTo>
-                  <a:pt x="3054988" y="4606348"/>
-                </a:lnTo>
-                <a:lnTo>
-                  <a:pt x="0" y="4606348"/>
-                </a:lnTo>
-                <a:lnTo>
-                  <a:pt x="0" y="0"/>
-                </a:lnTo>
-                <a:close/>
-              </a:path>
-            </a:pathLst>
-          </a:custGeom>
-          <a:blipFill>
-            <a:blip r:embed="rId2"/>
-            <a:stretch>
-              <a:fillRect l="0" t="0" r="0" b="0"/>
-            </a:stretch>
-          </a:blipFill>
-        </p:spPr>
-      </p:sp>
-      <p:sp>
-        <p:nvSpPr>
-          <p:cNvPr name="TextBox 5" id="5"/>
-          <p:cNvSpPr txBox="true"/>
-          <p:nvPr/>
-        </p:nvSpPr>
-        <p:spPr>
-          <a:xfrm rot="0">
-            <a:off x="2847623" y="405549"/>
-            <a:ext cx="12592754" cy="853440"/>
-          </a:xfrm>
-          <a:prstGeom prst="rect">
-            <a:avLst/>
-          </a:prstGeom>
-        </p:spPr>
-        <p:txBody>
-          <a:bodyPr anchor="t" rtlCol="false" tIns="0" lIns="0" bIns="0" rIns="0">
-            <a:spAutoFit/>
-          </a:bodyPr>
-          <a:lstStyle/>
-          <a:p>
-            <a:pPr algn="ctr">
-              <a:lnSpc>
-                <a:spcPts val="6090"/>
-              </a:lnSpc>
-            </a:pPr>
-            <a:r>
-              <a:rPr lang="en-US" sz="5800" spc="290">
-                <a:solidFill>
-                  <a:srgbClr val="2B4A9D"/>
-                </a:solidFill>
-                <a:latin typeface="Poppins Ultra-Bold"/>
-              </a:rPr>
-              <a:t>DropdownButton (ComboBox)</a:t>
-            </a:r>
-          </a:p>
-        </p:txBody>
-      </p:sp>
-      <p:sp>
-        <p:nvSpPr>
-          <p:cNvPr name="TextBox 6" id="6"/>
-          <p:cNvSpPr txBox="true"/>
-          <p:nvPr/>
-        </p:nvSpPr>
-        <p:spPr>
-          <a:xfrm rot="0">
-            <a:off x="447461" y="1569289"/>
-            <a:ext cx="16637320" cy="2795270"/>
-          </a:xfrm>
-          <a:prstGeom prst="rect">
-            <a:avLst/>
-          </a:prstGeom>
-        </p:spPr>
-        <p:txBody>
-          <a:bodyPr anchor="t" rtlCol="false" tIns="0" lIns="0" bIns="0" rIns="0">
-            <a:spAutoFit/>
-          </a:bodyPr>
-          <a:lstStyle/>
-          <a:p>
-            <a:pPr algn="just" marL="690882" indent="-345441" lvl="1">
-              <a:lnSpc>
-                <a:spcPts val="4480"/>
-              </a:lnSpc>
-              <a:buFont typeface="Arial"/>
-              <a:buChar char="•"/>
-            </a:pPr>
-            <a:r>
-              <a:rPr lang="en-US" sz="3200" spc="320">
-                <a:solidFill>
-                  <a:srgbClr val="000000"/>
-                </a:solidFill>
-                <a:latin typeface="Lato"/>
-              </a:rPr>
-              <a:t>No Flutter, o DropdownButton é um widget que permite aos usuários selecionar uma opção de um menu suspenso. Ele é semelhante a uma caixa de combinação (combobox) em outras plataformas e é útil quando há um conjunto de opções disponíveis e apenas uma delas pode ser selecionada de cada vez.</a:t>
-            </a:r>
-          </a:p>
-        </p:txBody>
-      </p:sp>
-    </p:spTree>
-  </p:cSld>
-  <p:clrMapOvr>
-    <a:masterClrMapping/>
-  </p:clrMapOvr>
-</p:sld>
-</file>
-
-<file path=ppt/slides/slide9.xml><?xml version="1.0" encoding="utf-8"?>
-<p:sld xmlns:p="http://schemas.openxmlformats.org/presentationml/2006/main" xmlns:a="http://schemas.openxmlformats.org/drawingml/2006/main" xmlns:r="http://schemas.openxmlformats.org/officeDocument/2006/relationships">
-  <p:cSld>
-    <p:spTree>
-      <p:nvGrpSpPr>
-        <p:cNvPr id="1" name=""/>
-        <p:cNvGrpSpPr/>
-        <p:nvPr/>
-      </p:nvGrpSpPr>
-      <p:grpSpPr>
-        <a:xfrm>
-          <a:off x="0" y="0"/>
-          <a:ext cx="0" cy="0"/>
-          <a:chOff x="0" y="0"/>
-          <a:chExt cx="0" cy="0"/>
-        </a:xfrm>
-      </p:grpSpPr>
-      <p:grpSp>
-        <p:nvGrpSpPr>
-          <p:cNvPr name="Group 2" id="2"/>
-          <p:cNvGrpSpPr/>
-          <p:nvPr/>
-        </p:nvGrpSpPr>
-        <p:grpSpPr>
-          <a:xfrm rot="5400000">
-            <a:off x="-1309" y="1309"/>
-            <a:ext cx="1635964" cy="1633346"/>
-            <a:chOff x="0" y="0"/>
-            <a:chExt cx="6350000" cy="6339840"/>
-          </a:xfrm>
-        </p:grpSpPr>
-        <p:sp>
-          <p:nvSpPr>
-            <p:cNvPr name="Freeform 3" id="3"/>
-            <p:cNvSpPr/>
-            <p:nvPr/>
-          </p:nvSpPr>
-          <p:spPr>
-            <a:xfrm flipH="false" flipV="false" rot="0">
-              <a:off x="0" y="0"/>
-              <a:ext cx="6350000" cy="6339840"/>
-            </a:xfrm>
-            <a:custGeom>
-              <a:avLst/>
-              <a:gdLst/>
-              <a:ahLst/>
-              <a:cxnLst/>
-              <a:rect r="r" b="b" t="t" l="l"/>
-              <a:pathLst>
-                <a:path h="6339840" w="6350000">
-                  <a:moveTo>
-                    <a:pt x="6350000" y="6339840"/>
-                  </a:moveTo>
-                  <a:lnTo>
-                    <a:pt x="0" y="6339840"/>
-                  </a:lnTo>
-                  <a:lnTo>
-                    <a:pt x="0" y="0"/>
-                  </a:lnTo>
-                  <a:lnTo>
-                    <a:pt x="6350000" y="6339840"/>
-                  </a:lnTo>
-                  <a:close/>
-                </a:path>
-              </a:pathLst>
-            </a:custGeom>
-            <a:solidFill>
-              <a:srgbClr val="2B4A9D"/>
-            </a:solidFill>
-          </p:spPr>
-        </p:sp>
-      </p:grpSp>
-      <p:grpSp>
-        <p:nvGrpSpPr>
-          <p:cNvPr name="Group 4" id="4"/>
-          <p:cNvGrpSpPr/>
-          <p:nvPr/>
-        </p:nvGrpSpPr>
-        <p:grpSpPr>
-          <a:xfrm rot="-2700000">
-            <a:off x="15004959" y="1860459"/>
-            <a:ext cx="6566081" cy="6566081"/>
-            <a:chOff x="0" y="0"/>
-            <a:chExt cx="1913890" cy="1913890"/>
-          </a:xfrm>
-        </p:grpSpPr>
-        <p:sp>
-          <p:nvSpPr>
-            <p:cNvPr name="Freeform 5" id="5"/>
-            <p:cNvSpPr/>
-            <p:nvPr/>
-          </p:nvSpPr>
-          <p:spPr>
-            <a:xfrm flipH="false" flipV="false" rot="0">
-              <a:off x="0" y="0"/>
-              <a:ext cx="1913890" cy="1913890"/>
-            </a:xfrm>
-            <a:custGeom>
-              <a:avLst/>
-              <a:gdLst/>
-              <a:ahLst/>
-              <a:cxnLst/>
-              <a:rect r="r" b="b" t="t" l="l"/>
-              <a:pathLst>
-                <a:path h="1913890" w="1913890">
-                  <a:moveTo>
-                    <a:pt x="0" y="0"/>
-                  </a:moveTo>
-                  <a:lnTo>
-                    <a:pt x="1913890" y="0"/>
-                  </a:lnTo>
-                  <a:lnTo>
-                    <a:pt x="1913890" y="1913890"/>
-                  </a:lnTo>
-                  <a:lnTo>
-                    <a:pt x="0" y="1913890"/>
-                  </a:lnTo>
-                  <a:close/>
-                </a:path>
-              </a:pathLst>
-            </a:custGeom>
-            <a:solidFill>
-              <a:srgbClr val="5271FF"/>
-            </a:solidFill>
-          </p:spPr>
-        </p:sp>
-      </p:grpSp>
-      <p:grpSp>
-        <p:nvGrpSpPr>
-          <p:cNvPr name="Group 6" id="6"/>
-          <p:cNvGrpSpPr/>
-          <p:nvPr/>
-        </p:nvGrpSpPr>
-        <p:grpSpPr>
-          <a:xfrm rot="2700000">
-            <a:off x="15361560" y="2217060"/>
-            <a:ext cx="5852880" cy="5852880"/>
-            <a:chOff x="0" y="0"/>
-            <a:chExt cx="1913890" cy="1913890"/>
-          </a:xfrm>
-        </p:grpSpPr>
-        <p:sp>
-          <p:nvSpPr>
-            <p:cNvPr name="Freeform 7" id="7"/>
-            <p:cNvSpPr/>
-            <p:nvPr/>
-          </p:nvSpPr>
-          <p:spPr>
-            <a:xfrm flipH="false" flipV="false" rot="0">
-              <a:off x="0" y="0"/>
-              <a:ext cx="1913890" cy="1913890"/>
-            </a:xfrm>
-            <a:custGeom>
-              <a:avLst/>
-              <a:gdLst/>
-              <a:ahLst/>
-              <a:cxnLst/>
-              <a:rect r="r" b="b" t="t" l="l"/>
-              <a:pathLst>
-                <a:path h="1913890" w="1913890">
-                  <a:moveTo>
-                    <a:pt x="0" y="0"/>
-                  </a:moveTo>
-                  <a:lnTo>
-                    <a:pt x="0" y="1913890"/>
-                  </a:lnTo>
-                  <a:lnTo>
-                    <a:pt x="1913890" y="1913890"/>
-                  </a:lnTo>
-                  <a:lnTo>
-                    <a:pt x="1913890" y="0"/>
-                  </a:lnTo>
-                  <a:lnTo>
-                    <a:pt x="0" y="0"/>
-                  </a:lnTo>
-                  <a:close/>
-                  <a:moveTo>
-                    <a:pt x="1852930" y="1852930"/>
-                  </a:moveTo>
-                  <a:lnTo>
-                    <a:pt x="59690" y="1852930"/>
-                  </a:lnTo>
-                  <a:lnTo>
-                    <a:pt x="59690" y="59690"/>
-                  </a:lnTo>
-                  <a:lnTo>
-                    <a:pt x="1852930" y="59690"/>
-                  </a:lnTo>
-                  <a:lnTo>
-                    <a:pt x="1852930" y="1852930"/>
-                  </a:lnTo>
-                  <a:close/>
-                </a:path>
-              </a:pathLst>
-            </a:custGeom>
-            <a:solidFill>
-              <a:srgbClr val="FFFFFF"/>
-            </a:solidFill>
-          </p:spPr>
-        </p:sp>
-      </p:grpSp>
-      <p:sp>
-        <p:nvSpPr>
-          <p:cNvPr name="Freeform 8" id="8"/>
-          <p:cNvSpPr/>
-          <p:nvPr/>
-        </p:nvSpPr>
-        <p:spPr>
-          <a:xfrm flipH="false" flipV="false" rot="0">
-            <a:off x="1028700" y="2165554"/>
-            <a:ext cx="3604267" cy="6516252"/>
-          </a:xfrm>
-          <a:custGeom>
-            <a:avLst/>
-            <a:gdLst/>
-            <a:ahLst/>
-            <a:cxnLst/>
-            <a:rect r="r" b="b" t="t" l="l"/>
-            <a:pathLst>
-              <a:path h="6516252" w="3604267">
-                <a:moveTo>
-                  <a:pt x="0" y="0"/>
-                </a:moveTo>
-                <a:lnTo>
-                  <a:pt x="3604267" y="0"/>
-                </a:lnTo>
-                <a:lnTo>
-                  <a:pt x="3604267" y="6516251"/>
-                </a:lnTo>
-                <a:lnTo>
-                  <a:pt x="0" y="6516251"/>
-                </a:lnTo>
-                <a:lnTo>
-                  <a:pt x="0" y="0"/>
-                </a:lnTo>
-                <a:close/>
-              </a:path>
-            </a:pathLst>
-          </a:custGeom>
-          <a:blipFill>
-            <a:blip r:embed="rId2"/>
-            <a:stretch>
-              <a:fillRect l="0" t="0" r="0" b="0"/>
-            </a:stretch>
-          </a:blipFill>
-        </p:spPr>
-      </p:sp>
-      <p:sp>
-        <p:nvSpPr>
-          <p:cNvPr name="Freeform 9" id="9"/>
-          <p:cNvSpPr/>
-          <p:nvPr/>
-        </p:nvSpPr>
-        <p:spPr>
-          <a:xfrm flipH="false" flipV="false" rot="0">
-            <a:off x="5280667" y="2165554"/>
-            <a:ext cx="3598848" cy="6532455"/>
-          </a:xfrm>
-          <a:custGeom>
-            <a:avLst/>
-            <a:gdLst/>
-            <a:ahLst/>
-            <a:cxnLst/>
-            <a:rect r="r" b="b" t="t" l="l"/>
-            <a:pathLst>
-              <a:path h="6532455" w="3598848">
-                <a:moveTo>
-                  <a:pt x="0" y="0"/>
-                </a:moveTo>
-                <a:lnTo>
-                  <a:pt x="3598849" y="0"/>
-                </a:lnTo>
-                <a:lnTo>
-                  <a:pt x="3598849" y="6532454"/>
-                </a:lnTo>
-                <a:lnTo>
-                  <a:pt x="0" y="6532454"/>
-                </a:lnTo>
-                <a:lnTo>
-                  <a:pt x="0" y="0"/>
-                </a:lnTo>
-                <a:close/>
-              </a:path>
-            </a:pathLst>
-          </a:custGeom>
-          <a:blipFill>
-            <a:blip r:embed="rId3"/>
-            <a:stretch>
-              <a:fillRect l="0" t="0" r="0" b="0"/>
-            </a:stretch>
-          </a:blipFill>
-        </p:spPr>
-      </p:sp>
-      <p:sp>
-        <p:nvSpPr>
-          <p:cNvPr name="Freeform 10" id="10"/>
-          <p:cNvSpPr/>
-          <p:nvPr/>
-        </p:nvSpPr>
-        <p:spPr>
-          <a:xfrm flipH="false" flipV="false" rot="0">
-            <a:off x="9526504" y="2154989"/>
-            <a:ext cx="3665404" cy="6543020"/>
-          </a:xfrm>
-          <a:custGeom>
-            <a:avLst/>
-            <a:gdLst/>
-            <a:ahLst/>
-            <a:cxnLst/>
-            <a:rect r="r" b="b" t="t" l="l"/>
-            <a:pathLst>
-              <a:path h="6543020" w="3665404">
-                <a:moveTo>
-                  <a:pt x="0" y="0"/>
-                </a:moveTo>
-                <a:lnTo>
-                  <a:pt x="3665404" y="0"/>
-                </a:lnTo>
-                <a:lnTo>
-                  <a:pt x="3665404" y="6543019"/>
-                </a:lnTo>
-                <a:lnTo>
-                  <a:pt x="0" y="6543019"/>
-                </a:lnTo>
-                <a:lnTo>
-                  <a:pt x="0" y="0"/>
-                </a:lnTo>
-                <a:close/>
-              </a:path>
-            </a:pathLst>
-          </a:custGeom>
-          <a:blipFill>
-            <a:blip r:embed="rId4"/>
-            <a:stretch>
-              <a:fillRect l="0" t="0" r="0" b="0"/>
-            </a:stretch>
-          </a:blipFill>
-        </p:spPr>
-      </p:sp>
-      <p:sp>
-        <p:nvSpPr>
-          <p:cNvPr name="TextBox 11" id="11"/>
-          <p:cNvSpPr txBox="true"/>
-          <p:nvPr/>
-        </p:nvSpPr>
-        <p:spPr>
-          <a:xfrm rot="0">
-            <a:off x="2847623" y="405549"/>
-            <a:ext cx="12592754" cy="853440"/>
-          </a:xfrm>
-          <a:prstGeom prst="rect">
-            <a:avLst/>
-          </a:prstGeom>
-        </p:spPr>
-        <p:txBody>
-          <a:bodyPr anchor="t" rtlCol="false" tIns="0" lIns="0" bIns="0" rIns="0">
-            <a:spAutoFit/>
-          </a:bodyPr>
-          <a:lstStyle/>
-          <a:p>
-            <a:pPr algn="ctr">
-              <a:lnSpc>
-                <a:spcPts val="6090"/>
-              </a:lnSpc>
-            </a:pPr>
-            <a:r>
-              <a:rPr lang="en-US" sz="5800" spc="290">
-                <a:solidFill>
-                  <a:srgbClr val="2B4A9D"/>
-                </a:solidFill>
-                <a:latin typeface="Poppins Ultra-Bold"/>
-              </a:rPr>
-              <a:t>DropdownButton (ComboBox)</a:t>
             </a:r>
           </a:p>
         </p:txBody>
